--- a/graph.pptx
+++ b/graph.pptx
@@ -290,7 +290,7 @@
           <a:p>
             <a:fld id="{530820CF-B880-4189-942D-D702A7CBA730}" type="datetimeFigureOut">
               <a:rPr lang="zh-CN" altLang="en-US" smtClean="0"/>
-              <a:t>2018/12/14</a:t>
+              <a:t>2018/12/18</a:t>
             </a:fld>
             <a:endParaRPr lang="zh-CN" altLang="en-US"/>
           </a:p>
@@ -455,7 +455,7 @@
           <a:p>
             <a:fld id="{530820CF-B880-4189-942D-D702A7CBA730}" type="datetimeFigureOut">
               <a:rPr lang="zh-CN" altLang="en-US" smtClean="0"/>
-              <a:t>2018/12/14</a:t>
+              <a:t>2018/12/18</a:t>
             </a:fld>
             <a:endParaRPr lang="zh-CN" altLang="en-US"/>
           </a:p>
@@ -630,7 +630,7 @@
           <a:p>
             <a:fld id="{530820CF-B880-4189-942D-D702A7CBA730}" type="datetimeFigureOut">
               <a:rPr lang="zh-CN" altLang="en-US" smtClean="0"/>
-              <a:t>2018/12/14</a:t>
+              <a:t>2018/12/18</a:t>
             </a:fld>
             <a:endParaRPr lang="zh-CN" altLang="en-US"/>
           </a:p>
@@ -795,7 +795,7 @@
           <a:p>
             <a:fld id="{530820CF-B880-4189-942D-D702A7CBA730}" type="datetimeFigureOut">
               <a:rPr lang="zh-CN" altLang="en-US" smtClean="0"/>
-              <a:t>2018/12/14</a:t>
+              <a:t>2018/12/18</a:t>
             </a:fld>
             <a:endParaRPr lang="zh-CN" altLang="en-US"/>
           </a:p>
@@ -1036,7 +1036,7 @@
           <a:p>
             <a:fld id="{530820CF-B880-4189-942D-D702A7CBA730}" type="datetimeFigureOut">
               <a:rPr lang="zh-CN" altLang="en-US" smtClean="0"/>
-              <a:t>2018/12/14</a:t>
+              <a:t>2018/12/18</a:t>
             </a:fld>
             <a:endParaRPr lang="zh-CN" altLang="en-US"/>
           </a:p>
@@ -1319,7 +1319,7 @@
           <a:p>
             <a:fld id="{530820CF-B880-4189-942D-D702A7CBA730}" type="datetimeFigureOut">
               <a:rPr lang="zh-CN" altLang="en-US" smtClean="0"/>
-              <a:t>2018/12/14</a:t>
+              <a:t>2018/12/18</a:t>
             </a:fld>
             <a:endParaRPr lang="zh-CN" altLang="en-US"/>
           </a:p>
@@ -1736,7 +1736,7 @@
           <a:p>
             <a:fld id="{530820CF-B880-4189-942D-D702A7CBA730}" type="datetimeFigureOut">
               <a:rPr lang="zh-CN" altLang="en-US" smtClean="0"/>
-              <a:t>2018/12/14</a:t>
+              <a:t>2018/12/18</a:t>
             </a:fld>
             <a:endParaRPr lang="zh-CN" altLang="en-US"/>
           </a:p>
@@ -1849,7 +1849,7 @@
           <a:p>
             <a:fld id="{530820CF-B880-4189-942D-D702A7CBA730}" type="datetimeFigureOut">
               <a:rPr lang="zh-CN" altLang="en-US" smtClean="0"/>
-              <a:t>2018/12/14</a:t>
+              <a:t>2018/12/18</a:t>
             </a:fld>
             <a:endParaRPr lang="zh-CN" altLang="en-US"/>
           </a:p>
@@ -1939,7 +1939,7 @@
           <a:p>
             <a:fld id="{530820CF-B880-4189-942D-D702A7CBA730}" type="datetimeFigureOut">
               <a:rPr lang="zh-CN" altLang="en-US" smtClean="0"/>
-              <a:t>2018/12/14</a:t>
+              <a:t>2018/12/18</a:t>
             </a:fld>
             <a:endParaRPr lang="zh-CN" altLang="en-US"/>
           </a:p>
@@ -2211,7 +2211,7 @@
           <a:p>
             <a:fld id="{530820CF-B880-4189-942D-D702A7CBA730}" type="datetimeFigureOut">
               <a:rPr lang="zh-CN" altLang="en-US" smtClean="0"/>
-              <a:t>2018/12/14</a:t>
+              <a:t>2018/12/18</a:t>
             </a:fld>
             <a:endParaRPr lang="zh-CN" altLang="en-US"/>
           </a:p>
@@ -2459,7 +2459,7 @@
           <a:p>
             <a:fld id="{530820CF-B880-4189-942D-D702A7CBA730}" type="datetimeFigureOut">
               <a:rPr lang="zh-CN" altLang="en-US" smtClean="0"/>
-              <a:t>2018/12/14</a:t>
+              <a:t>2018/12/18</a:t>
             </a:fld>
             <a:endParaRPr lang="zh-CN" altLang="en-US"/>
           </a:p>
@@ -2667,7 +2667,7 @@
           <a:p>
             <a:fld id="{530820CF-B880-4189-942D-D702A7CBA730}" type="datetimeFigureOut">
               <a:rPr lang="zh-CN" altLang="en-US" smtClean="0"/>
-              <a:t>2018/12/14</a:t>
+              <a:t>2018/12/18</a:t>
             </a:fld>
             <a:endParaRPr lang="zh-CN" altLang="en-US"/>
           </a:p>
@@ -3226,31 +3226,19 @@
               <a:rPr lang="zh-CN" altLang="en-US" sz="1200" dirty="0">
                 <a:latin typeface="+mn-ea"/>
               </a:rPr>
-              <a:t>第四</a:t>
-            </a:r>
+              <a:t>第四章</a:t>
+            </a:r>
+            <a:endParaRPr lang="en-US" altLang="zh-CN" sz="1200" dirty="0">
+              <a:latin typeface="+mn-ea"/>
+            </a:endParaRPr>
+          </a:p>
+          <a:p>
+            <a:pPr algn="ctr"/>
             <a:r>
               <a:rPr lang="zh-CN" altLang="en-US" sz="1200" dirty="0">
                 <a:latin typeface="+mn-ea"/>
               </a:rPr>
-              <a:t>章</a:t>
-            </a:r>
-            <a:endParaRPr lang="en-US" altLang="zh-CN" sz="1200" dirty="0">
-              <a:latin typeface="+mn-ea"/>
-            </a:endParaRPr>
-          </a:p>
-          <a:p>
-            <a:pPr algn="ctr"/>
-            <a:r>
-              <a:rPr lang="zh-CN" altLang="en-US" sz="1200" dirty="0">
-                <a:latin typeface="+mn-ea"/>
-              </a:rPr>
-              <a:t>基于深度</a:t>
-            </a:r>
-            <a:r>
-              <a:rPr lang="zh-CN" altLang="en-US" sz="1200" dirty="0">
-                <a:latin typeface="+mn-ea"/>
-              </a:rPr>
-              <a:t>学习的云平台设计与实现</a:t>
+              <a:t>基于深度学习的云平台设计与实现</a:t>
             </a:r>
             <a:endParaRPr lang="en-US" altLang="zh-CN" sz="1200" dirty="0">
               <a:latin typeface="+mn-ea"/>
@@ -3375,9 +3363,6 @@
               </a:rPr>
               <a:t>基于深度学习的机械臂分拣系统设计</a:t>
             </a:r>
-            <a:endParaRPr lang="zh-CN" altLang="en-US" sz="1200" dirty="0">
-              <a:latin typeface="+mn-ea"/>
-            </a:endParaRPr>
           </a:p>
         </p:txBody>
       </p:sp>
@@ -3517,9 +3502,6 @@
               </a:rPr>
               <a:t>实验研究</a:t>
             </a:r>
-            <a:endParaRPr lang="zh-CN" altLang="en-US" sz="1200" dirty="0">
-              <a:latin typeface="+mn-ea"/>
-            </a:endParaRPr>
           </a:p>
         </p:txBody>
       </p:sp>
@@ -3569,9 +3551,6 @@
               </a:rPr>
               <a:t>总结与展望</a:t>
             </a:r>
-            <a:endParaRPr lang="zh-CN" altLang="en-US" sz="1200" dirty="0">
-              <a:latin typeface="+mn-ea"/>
-            </a:endParaRPr>
           </a:p>
         </p:txBody>
       </p:sp>
@@ -4099,17 +4078,8 @@
               <a:rPr lang="zh-CN" altLang="en-US" sz="1200" dirty="0">
                 <a:latin typeface="+mn-ea"/>
               </a:rPr>
-              <a:t>目标</a:t>
-            </a:r>
-            <a:r>
-              <a:rPr lang="zh-CN" altLang="en-US" sz="1200" dirty="0">
-                <a:latin typeface="+mn-ea"/>
-              </a:rPr>
-              <a:t>检测模型</a:t>
-            </a:r>
-            <a:endParaRPr lang="zh-CN" altLang="en-US" sz="1200" dirty="0">
-              <a:latin typeface="+mn-ea"/>
-            </a:endParaRPr>
+              <a:t>目标检测模型</a:t>
+            </a:r>
           </a:p>
         </p:txBody>
       </p:sp>
@@ -4147,9 +4117,6 @@
               </a:rPr>
               <a:t>图像预处理</a:t>
             </a:r>
-            <a:endParaRPr lang="zh-CN" altLang="en-US" sz="1200" dirty="0">
-              <a:latin typeface="+mn-ea"/>
-            </a:endParaRPr>
           </a:p>
         </p:txBody>
       </p:sp>
@@ -4187,9 +4154,6 @@
               </a:rPr>
               <a:t>摄像头</a:t>
             </a:r>
-            <a:endParaRPr lang="zh-CN" altLang="en-US" sz="1200" dirty="0">
-              <a:latin typeface="+mn-ea"/>
-            </a:endParaRPr>
           </a:p>
         </p:txBody>
       </p:sp>
@@ -4227,9 +4191,6 @@
               </a:rPr>
               <a:t>工件</a:t>
             </a:r>
-            <a:endParaRPr lang="zh-CN" altLang="en-US" sz="1200" dirty="0">
-              <a:latin typeface="+mn-ea"/>
-            </a:endParaRPr>
           </a:p>
         </p:txBody>
       </p:sp>
@@ -4267,9 +4228,6 @@
               </a:rPr>
               <a:t>机械臂</a:t>
             </a:r>
-            <a:endParaRPr lang="zh-CN" altLang="en-US" sz="1200" dirty="0">
-              <a:latin typeface="+mn-ea"/>
-            </a:endParaRPr>
           </a:p>
         </p:txBody>
       </p:sp>
@@ -4307,9 +4265,6 @@
               </a:rPr>
               <a:t>机械臂控制模块</a:t>
             </a:r>
-            <a:endParaRPr lang="zh-CN" altLang="en-US" sz="1200" dirty="0">
-              <a:latin typeface="+mn-ea"/>
-            </a:endParaRPr>
           </a:p>
         </p:txBody>
       </p:sp>
@@ -4393,9 +4348,6 @@
               </a:rPr>
               <a:t>图像处理模块</a:t>
             </a:r>
-            <a:endParaRPr lang="zh-CN" altLang="en-US" sz="1200" dirty="0">
-              <a:latin typeface="+mn-ea"/>
-            </a:endParaRPr>
           </a:p>
         </p:txBody>
       </p:sp>
@@ -4501,9 +4453,6 @@
               </a:rPr>
               <a:t>数据采集</a:t>
             </a:r>
-            <a:endParaRPr lang="zh-CN" altLang="en-US" sz="1200" dirty="0">
-              <a:latin typeface="+mn-ea"/>
-            </a:endParaRPr>
           </a:p>
         </p:txBody>
       </p:sp>
@@ -4540,9 +4489,6 @@
               </a:rPr>
               <a:t>数据标注</a:t>
             </a:r>
-            <a:endParaRPr lang="zh-CN" altLang="en-US" sz="1200" dirty="0">
-              <a:latin typeface="+mn-ea"/>
-            </a:endParaRPr>
           </a:p>
         </p:txBody>
       </p:sp>
@@ -5319,44 +5265,766 @@
           <a:chExt cx="0" cy="0"/>
         </a:xfrm>
       </p:grpSpPr>
-      <p:sp>
-        <p:nvSpPr>
-          <p:cNvPr id="2" name="标题 1"/>
-          <p:cNvSpPr>
-            <a:spLocks noGrp="1"/>
-          </p:cNvSpPr>
-          <p:nvPr>
-            <p:ph type="title"/>
-          </p:nvPr>
-        </p:nvSpPr>
-        <p:spPr/>
-        <p:txBody>
-          <a:bodyPr/>
-          <a:lstStyle/>
-          <a:p>
-            <a:endParaRPr lang="zh-CN" altLang="en-US"/>
-          </a:p>
-        </p:txBody>
-      </p:sp>
-      <p:sp>
-        <p:nvSpPr>
-          <p:cNvPr id="3" name="内容占位符 2"/>
-          <p:cNvSpPr>
-            <a:spLocks noGrp="1"/>
-          </p:cNvSpPr>
-          <p:nvPr>
-            <p:ph idx="1"/>
-          </p:nvPr>
-        </p:nvSpPr>
-        <p:spPr/>
-        <p:txBody>
-          <a:bodyPr/>
-          <a:lstStyle/>
-          <a:p>
-            <a:endParaRPr lang="zh-CN" altLang="en-US"/>
-          </a:p>
-        </p:txBody>
-      </p:sp>
+      <p:pic>
+        <p:nvPicPr>
+          <p:cNvPr id="1026" name="Picture 2"/>
+          <p:cNvPicPr>
+            <a:picLocks noChangeAspect="1" noChangeArrowheads="1"/>
+          </p:cNvPicPr>
+          <p:nvPr/>
+        </p:nvPicPr>
+        <p:blipFill>
+          <a:blip r:embed="rId2">
+            <a:extLst>
+              <a:ext uri="{28A0092B-C50C-407E-A947-70E740481C1C}">
+                <a14:useLocalDpi xmlns:a14="http://schemas.microsoft.com/office/drawing/2010/main" val="0"/>
+              </a:ext>
+            </a:extLst>
+          </a:blip>
+          <a:srcRect/>
+          <a:stretch>
+            <a:fillRect/>
+          </a:stretch>
+        </p:blipFill>
+        <p:spPr bwMode="auto">
+          <a:xfrm>
+            <a:off x="1403648" y="1052736"/>
+            <a:ext cx="6096000" cy="4572000"/>
+          </a:xfrm>
+          <a:prstGeom prst="rect">
+            <a:avLst/>
+          </a:prstGeom>
+          <a:noFill/>
+          <a:ln>
+            <a:noFill/>
+          </a:ln>
+          <a:extLst>
+            <a:ext uri="{909E8E84-426E-40DD-AFC4-6F175D3DCCD1}">
+              <a14:hiddenFill xmlns:a14="http://schemas.microsoft.com/office/drawing/2010/main">
+                <a:solidFill>
+                  <a:schemeClr val="accent1"/>
+                </a:solidFill>
+              </a14:hiddenFill>
+            </a:ext>
+            <a:ext uri="{91240B29-F687-4F45-9708-019B960494DF}">
+              <a14:hiddenLine xmlns:a14="http://schemas.microsoft.com/office/drawing/2010/main" w="9525">
+                <a:solidFill>
+                  <a:schemeClr val="tx1"/>
+                </a:solidFill>
+                <a:miter lim="800000"/>
+                <a:headEnd/>
+                <a:tailEnd/>
+              </a14:hiddenLine>
+            </a:ext>
+          </a:extLst>
+        </p:spPr>
+      </p:pic>
+      <p:sp>
+        <p:nvSpPr>
+          <p:cNvPr id="4" name="矩形 3"/>
+          <p:cNvSpPr/>
+          <p:nvPr/>
+        </p:nvSpPr>
+        <p:spPr>
+          <a:xfrm>
+            <a:off x="2987824" y="1484784"/>
+            <a:ext cx="1944216" cy="1440160"/>
+          </a:xfrm>
+          <a:prstGeom prst="rect">
+            <a:avLst/>
+          </a:prstGeom>
+          <a:noFill/>
+          <a:ln>
+            <a:solidFill>
+              <a:schemeClr val="tx2">
+                <a:lumMod val="60000"/>
+                <a:lumOff val="40000"/>
+              </a:schemeClr>
+            </a:solidFill>
+          </a:ln>
+        </p:spPr>
+        <p:style>
+          <a:lnRef idx="2">
+            <a:schemeClr val="accent1">
+              <a:shade val="50000"/>
+            </a:schemeClr>
+          </a:lnRef>
+          <a:fillRef idx="1">
+            <a:schemeClr val="accent1"/>
+          </a:fillRef>
+          <a:effectRef idx="0">
+            <a:schemeClr val="accent1"/>
+          </a:effectRef>
+          <a:fontRef idx="minor">
+            <a:schemeClr val="lt1"/>
+          </a:fontRef>
+        </p:style>
+        <p:txBody>
+          <a:bodyPr rtlCol="0" anchor="ctr"/>
+          <a:lstStyle/>
+          <a:p>
+            <a:pPr algn="ctr"/>
+            <a:endParaRPr lang="zh-CN" altLang="en-US"/>
+          </a:p>
+        </p:txBody>
+      </p:sp>
+      <p:sp>
+        <p:nvSpPr>
+          <p:cNvPr id="5" name="椭圆 4"/>
+          <p:cNvSpPr/>
+          <p:nvPr/>
+        </p:nvSpPr>
+        <p:spPr>
+          <a:xfrm>
+            <a:off x="3929354" y="2156284"/>
+            <a:ext cx="61156" cy="97160"/>
+          </a:xfrm>
+          <a:prstGeom prst="ellipse">
+            <a:avLst/>
+          </a:prstGeom>
+        </p:spPr>
+        <p:style>
+          <a:lnRef idx="2">
+            <a:schemeClr val="accent1">
+              <a:shade val="50000"/>
+            </a:schemeClr>
+          </a:lnRef>
+          <a:fillRef idx="1">
+            <a:schemeClr val="accent1"/>
+          </a:fillRef>
+          <a:effectRef idx="0">
+            <a:schemeClr val="accent1"/>
+          </a:effectRef>
+          <a:fontRef idx="minor">
+            <a:schemeClr val="lt1"/>
+          </a:fontRef>
+        </p:style>
+        <p:txBody>
+          <a:bodyPr rtlCol="0" anchor="ctr"/>
+          <a:lstStyle/>
+          <a:p>
+            <a:pPr algn="ctr"/>
+            <a:endParaRPr lang="zh-CN" altLang="en-US"/>
+          </a:p>
+        </p:txBody>
+      </p:sp>
+      <p:cxnSp>
+        <p:nvCxnSpPr>
+          <p:cNvPr id="7" name="直接连接符 6"/>
+          <p:cNvCxnSpPr/>
+          <p:nvPr/>
+        </p:nvCxnSpPr>
+        <p:spPr>
+          <a:xfrm>
+            <a:off x="4932040" y="1484784"/>
+            <a:ext cx="792088" cy="0"/>
+          </a:xfrm>
+          <a:prstGeom prst="line">
+            <a:avLst/>
+          </a:prstGeom>
+          <a:ln w="28575">
+            <a:solidFill>
+              <a:schemeClr val="tx2">
+                <a:lumMod val="60000"/>
+                <a:lumOff val="40000"/>
+              </a:schemeClr>
+            </a:solidFill>
+          </a:ln>
+        </p:spPr>
+        <p:style>
+          <a:lnRef idx="1">
+            <a:schemeClr val="accent1"/>
+          </a:lnRef>
+          <a:fillRef idx="0">
+            <a:schemeClr val="accent1"/>
+          </a:fillRef>
+          <a:effectRef idx="0">
+            <a:schemeClr val="accent1"/>
+          </a:effectRef>
+          <a:fontRef idx="minor">
+            <a:schemeClr val="tx1"/>
+          </a:fontRef>
+        </p:style>
+      </p:cxnSp>
+      <p:cxnSp>
+        <p:nvCxnSpPr>
+          <p:cNvPr id="10" name="直接连接符 9"/>
+          <p:cNvCxnSpPr/>
+          <p:nvPr/>
+        </p:nvCxnSpPr>
+        <p:spPr>
+          <a:xfrm>
+            <a:off x="4932040" y="2924944"/>
+            <a:ext cx="792088" cy="0"/>
+          </a:xfrm>
+          <a:prstGeom prst="line">
+            <a:avLst/>
+          </a:prstGeom>
+          <a:ln w="28575">
+            <a:solidFill>
+              <a:schemeClr val="tx2">
+                <a:lumMod val="60000"/>
+                <a:lumOff val="40000"/>
+              </a:schemeClr>
+            </a:solidFill>
+          </a:ln>
+        </p:spPr>
+        <p:style>
+          <a:lnRef idx="1">
+            <a:schemeClr val="accent1"/>
+          </a:lnRef>
+          <a:fillRef idx="0">
+            <a:schemeClr val="accent1"/>
+          </a:fillRef>
+          <a:effectRef idx="0">
+            <a:schemeClr val="accent1"/>
+          </a:effectRef>
+          <a:fontRef idx="minor">
+            <a:schemeClr val="tx1"/>
+          </a:fontRef>
+        </p:style>
+      </p:cxnSp>
+      <p:cxnSp>
+        <p:nvCxnSpPr>
+          <p:cNvPr id="11" name="直接连接符 10"/>
+          <p:cNvCxnSpPr/>
+          <p:nvPr/>
+        </p:nvCxnSpPr>
+        <p:spPr>
+          <a:xfrm>
+            <a:off x="5328084" y="1484784"/>
+            <a:ext cx="0" cy="576064"/>
+          </a:xfrm>
+          <a:prstGeom prst="line">
+            <a:avLst/>
+          </a:prstGeom>
+          <a:ln w="19050">
+            <a:prstDash val="dashDot"/>
+          </a:ln>
+        </p:spPr>
+        <p:style>
+          <a:lnRef idx="1">
+            <a:schemeClr val="accent1"/>
+          </a:lnRef>
+          <a:fillRef idx="0">
+            <a:schemeClr val="accent1"/>
+          </a:fillRef>
+          <a:effectRef idx="0">
+            <a:schemeClr val="accent1"/>
+          </a:effectRef>
+          <a:fontRef idx="minor">
+            <a:schemeClr val="tx1"/>
+          </a:fontRef>
+        </p:style>
+      </p:cxnSp>
+      <p:cxnSp>
+        <p:nvCxnSpPr>
+          <p:cNvPr id="14" name="直接连接符 13"/>
+          <p:cNvCxnSpPr/>
+          <p:nvPr/>
+        </p:nvCxnSpPr>
+        <p:spPr>
+          <a:xfrm>
+            <a:off x="5328084" y="2348880"/>
+            <a:ext cx="0" cy="576064"/>
+          </a:xfrm>
+          <a:prstGeom prst="line">
+            <a:avLst/>
+          </a:prstGeom>
+          <a:ln w="19050">
+            <a:prstDash val="dashDot"/>
+          </a:ln>
+        </p:spPr>
+        <p:style>
+          <a:lnRef idx="1">
+            <a:schemeClr val="accent1"/>
+          </a:lnRef>
+          <a:fillRef idx="0">
+            <a:schemeClr val="accent1"/>
+          </a:fillRef>
+          <a:effectRef idx="0">
+            <a:schemeClr val="accent1"/>
+          </a:effectRef>
+          <a:fontRef idx="minor">
+            <a:schemeClr val="tx1"/>
+          </a:fontRef>
+        </p:style>
+      </p:cxnSp>
+      <p:sp>
+        <p:nvSpPr>
+          <p:cNvPr id="16" name="TextBox 15"/>
+          <p:cNvSpPr txBox="1"/>
+          <p:nvPr/>
+        </p:nvSpPr>
+        <p:spPr>
+          <a:xfrm>
+            <a:off x="5148064" y="1988840"/>
+            <a:ext cx="576064" cy="369332"/>
+          </a:xfrm>
+          <a:prstGeom prst="rect">
+            <a:avLst/>
+          </a:prstGeom>
+          <a:noFill/>
+        </p:spPr>
+        <p:txBody>
+          <a:bodyPr wrap="square" rtlCol="0">
+            <a:spAutoFit/>
+          </a:bodyPr>
+          <a:lstStyle/>
+          <a:p>
+            <a:r>
+              <a:rPr lang="en-US" altLang="zh-CN" dirty="0" smtClean="0"/>
+              <a:t>h</a:t>
+            </a:r>
+            <a:endParaRPr lang="zh-CN" altLang="en-US" dirty="0"/>
+          </a:p>
+        </p:txBody>
+      </p:sp>
+      <p:cxnSp>
+        <p:nvCxnSpPr>
+          <p:cNvPr id="18" name="直接连接符 17"/>
+          <p:cNvCxnSpPr/>
+          <p:nvPr/>
+        </p:nvCxnSpPr>
+        <p:spPr>
+          <a:xfrm flipV="1">
+            <a:off x="2987824" y="2944199"/>
+            <a:ext cx="0" cy="288032"/>
+          </a:xfrm>
+          <a:prstGeom prst="line">
+            <a:avLst/>
+          </a:prstGeom>
+          <a:ln w="19050"/>
+        </p:spPr>
+        <p:style>
+          <a:lnRef idx="1">
+            <a:schemeClr val="accent1"/>
+          </a:lnRef>
+          <a:fillRef idx="0">
+            <a:schemeClr val="accent1"/>
+          </a:fillRef>
+          <a:effectRef idx="0">
+            <a:schemeClr val="accent1"/>
+          </a:effectRef>
+          <a:fontRef idx="minor">
+            <a:schemeClr val="tx1"/>
+          </a:fontRef>
+        </p:style>
+      </p:cxnSp>
+      <p:cxnSp>
+        <p:nvCxnSpPr>
+          <p:cNvPr id="21" name="直接连接符 20"/>
+          <p:cNvCxnSpPr/>
+          <p:nvPr/>
+        </p:nvCxnSpPr>
+        <p:spPr>
+          <a:xfrm flipV="1">
+            <a:off x="4933410" y="2944199"/>
+            <a:ext cx="0" cy="288032"/>
+          </a:xfrm>
+          <a:prstGeom prst="line">
+            <a:avLst/>
+          </a:prstGeom>
+          <a:ln w="19050"/>
+        </p:spPr>
+        <p:style>
+          <a:lnRef idx="1">
+            <a:schemeClr val="accent1"/>
+          </a:lnRef>
+          <a:fillRef idx="0">
+            <a:schemeClr val="accent1"/>
+          </a:fillRef>
+          <a:effectRef idx="0">
+            <a:schemeClr val="accent1"/>
+          </a:effectRef>
+          <a:fontRef idx="minor">
+            <a:schemeClr val="tx1"/>
+          </a:fontRef>
+        </p:style>
+      </p:cxnSp>
+      <p:cxnSp>
+        <p:nvCxnSpPr>
+          <p:cNvPr id="22" name="直接连接符 21"/>
+          <p:cNvCxnSpPr/>
+          <p:nvPr/>
+        </p:nvCxnSpPr>
+        <p:spPr>
+          <a:xfrm>
+            <a:off x="2987824" y="3088215"/>
+            <a:ext cx="792088" cy="0"/>
+          </a:xfrm>
+          <a:prstGeom prst="line">
+            <a:avLst/>
+          </a:prstGeom>
+          <a:ln w="19050">
+            <a:prstDash val="dashDot"/>
+          </a:ln>
+        </p:spPr>
+        <p:style>
+          <a:lnRef idx="1">
+            <a:schemeClr val="accent1"/>
+          </a:lnRef>
+          <a:fillRef idx="0">
+            <a:schemeClr val="accent1"/>
+          </a:fillRef>
+          <a:effectRef idx="0">
+            <a:schemeClr val="accent1"/>
+          </a:effectRef>
+          <a:fontRef idx="minor">
+            <a:schemeClr val="tx1"/>
+          </a:fontRef>
+        </p:style>
+      </p:cxnSp>
+      <p:cxnSp>
+        <p:nvCxnSpPr>
+          <p:cNvPr id="25" name="直接连接符 24"/>
+          <p:cNvCxnSpPr/>
+          <p:nvPr/>
+        </p:nvCxnSpPr>
+        <p:spPr>
+          <a:xfrm>
+            <a:off x="4139952" y="3088215"/>
+            <a:ext cx="792088" cy="0"/>
+          </a:xfrm>
+          <a:prstGeom prst="line">
+            <a:avLst/>
+          </a:prstGeom>
+          <a:ln>
+            <a:prstDash val="dashDot"/>
+          </a:ln>
+        </p:spPr>
+        <p:style>
+          <a:lnRef idx="1">
+            <a:schemeClr val="accent1"/>
+          </a:lnRef>
+          <a:fillRef idx="0">
+            <a:schemeClr val="accent1"/>
+          </a:fillRef>
+          <a:effectRef idx="0">
+            <a:schemeClr val="accent1"/>
+          </a:effectRef>
+          <a:fontRef idx="minor">
+            <a:schemeClr val="tx1"/>
+          </a:fontRef>
+        </p:style>
+      </p:cxnSp>
+      <p:sp>
+        <p:nvSpPr>
+          <p:cNvPr id="26" name="TextBox 25"/>
+          <p:cNvSpPr txBox="1"/>
+          <p:nvPr/>
+        </p:nvSpPr>
+        <p:spPr>
+          <a:xfrm>
+            <a:off x="3779912" y="2852936"/>
+            <a:ext cx="576064" cy="369332"/>
+          </a:xfrm>
+          <a:prstGeom prst="rect">
+            <a:avLst/>
+          </a:prstGeom>
+          <a:noFill/>
+        </p:spPr>
+        <p:txBody>
+          <a:bodyPr wrap="square" rtlCol="0">
+            <a:spAutoFit/>
+          </a:bodyPr>
+          <a:lstStyle/>
+          <a:p>
+            <a:r>
+              <a:rPr lang="en-US" altLang="zh-CN" dirty="0"/>
+              <a:t>w</a:t>
+            </a:r>
+            <a:endParaRPr lang="zh-CN" altLang="en-US" dirty="0"/>
+          </a:p>
+        </p:txBody>
+      </p:sp>
+      <p:cxnSp>
+        <p:nvCxnSpPr>
+          <p:cNvPr id="30" name="直接连接符 29"/>
+          <p:cNvCxnSpPr/>
+          <p:nvPr/>
+        </p:nvCxnSpPr>
+        <p:spPr>
+          <a:xfrm flipV="1">
+            <a:off x="3959932" y="1052736"/>
+            <a:ext cx="0" cy="1183514"/>
+          </a:xfrm>
+          <a:prstGeom prst="line">
+            <a:avLst/>
+          </a:prstGeom>
+          <a:ln w="19050"/>
+        </p:spPr>
+        <p:style>
+          <a:lnRef idx="1">
+            <a:schemeClr val="accent1"/>
+          </a:lnRef>
+          <a:fillRef idx="0">
+            <a:schemeClr val="accent1"/>
+          </a:fillRef>
+          <a:effectRef idx="0">
+            <a:schemeClr val="accent1"/>
+          </a:effectRef>
+          <a:fontRef idx="minor">
+            <a:schemeClr val="tx1"/>
+          </a:fontRef>
+        </p:style>
+      </p:cxnSp>
+      <p:cxnSp>
+        <p:nvCxnSpPr>
+          <p:cNvPr id="1027" name="直接连接符 1026"/>
+          <p:cNvCxnSpPr>
+            <a:stCxn id="5" idx="6"/>
+          </p:cNvCxnSpPr>
+          <p:nvPr/>
+        </p:nvCxnSpPr>
+        <p:spPr>
+          <a:xfrm flipH="1">
+            <a:off x="1403648" y="2204864"/>
+            <a:ext cx="2586862" cy="15693"/>
+          </a:xfrm>
+          <a:prstGeom prst="line">
+            <a:avLst/>
+          </a:prstGeom>
+          <a:ln w="19050"/>
+        </p:spPr>
+        <p:style>
+          <a:lnRef idx="1">
+            <a:schemeClr val="accent1"/>
+          </a:lnRef>
+          <a:fillRef idx="0">
+            <a:schemeClr val="accent1"/>
+          </a:fillRef>
+          <a:effectRef idx="0">
+            <a:schemeClr val="accent1"/>
+          </a:effectRef>
+          <a:fontRef idx="minor">
+            <a:schemeClr val="tx1"/>
+          </a:fontRef>
+        </p:style>
+      </p:cxnSp>
+      <p:sp>
+        <p:nvSpPr>
+          <p:cNvPr id="1034" name="TextBox 1033"/>
+          <p:cNvSpPr txBox="1"/>
+          <p:nvPr/>
+        </p:nvSpPr>
+        <p:spPr>
+          <a:xfrm>
+            <a:off x="4031940" y="980728"/>
+            <a:ext cx="396044" cy="369332"/>
+          </a:xfrm>
+          <a:prstGeom prst="rect">
+            <a:avLst/>
+          </a:prstGeom>
+          <a:noFill/>
+        </p:spPr>
+        <p:txBody>
+          <a:bodyPr wrap="square" rtlCol="0">
+            <a:spAutoFit/>
+          </a:bodyPr>
+          <a:lstStyle/>
+          <a:p>
+            <a:r>
+              <a:rPr lang="en-US" altLang="zh-CN" dirty="0"/>
+              <a:t>y</a:t>
+            </a:r>
+            <a:endParaRPr lang="zh-CN" altLang="en-US" dirty="0"/>
+          </a:p>
+        </p:txBody>
+      </p:sp>
+      <p:sp>
+        <p:nvSpPr>
+          <p:cNvPr id="43" name="TextBox 42"/>
+          <p:cNvSpPr txBox="1"/>
+          <p:nvPr/>
+        </p:nvSpPr>
+        <p:spPr>
+          <a:xfrm>
+            <a:off x="2375756" y="1835532"/>
+            <a:ext cx="396044" cy="369332"/>
+          </a:xfrm>
+          <a:prstGeom prst="rect">
+            <a:avLst/>
+          </a:prstGeom>
+          <a:noFill/>
+        </p:spPr>
+        <p:txBody>
+          <a:bodyPr wrap="square" rtlCol="0">
+            <a:spAutoFit/>
+          </a:bodyPr>
+          <a:lstStyle/>
+          <a:p>
+            <a:r>
+              <a:rPr lang="en-US" altLang="zh-CN" dirty="0" smtClean="0"/>
+              <a:t>x</a:t>
+            </a:r>
+            <a:endParaRPr lang="zh-CN" altLang="en-US" dirty="0"/>
+          </a:p>
+        </p:txBody>
+      </p:sp>
+      <p:cxnSp>
+        <p:nvCxnSpPr>
+          <p:cNvPr id="1036" name="直接连接符 1035"/>
+          <p:cNvCxnSpPr/>
+          <p:nvPr/>
+        </p:nvCxnSpPr>
+        <p:spPr>
+          <a:xfrm flipV="1">
+            <a:off x="3959932" y="1835532"/>
+            <a:ext cx="0" cy="369332"/>
+          </a:xfrm>
+          <a:prstGeom prst="line">
+            <a:avLst/>
+          </a:prstGeom>
+          <a:ln w="19050"/>
+        </p:spPr>
+        <p:style>
+          <a:lnRef idx="1">
+            <a:schemeClr val="accent1"/>
+          </a:lnRef>
+          <a:fillRef idx="0">
+            <a:schemeClr val="accent1"/>
+          </a:fillRef>
+          <a:effectRef idx="0">
+            <a:schemeClr val="accent1"/>
+          </a:effectRef>
+          <a:fontRef idx="minor">
+            <a:schemeClr val="tx1"/>
+          </a:fontRef>
+        </p:style>
+      </p:cxnSp>
+      <p:cxnSp>
+        <p:nvCxnSpPr>
+          <p:cNvPr id="1039" name="直接连接符 1038"/>
+          <p:cNvCxnSpPr>
+            <a:stCxn id="5" idx="2"/>
+          </p:cNvCxnSpPr>
+          <p:nvPr/>
+        </p:nvCxnSpPr>
+        <p:spPr>
+          <a:xfrm>
+            <a:off x="3929354" y="2204864"/>
+            <a:ext cx="303321" cy="0"/>
+          </a:xfrm>
+          <a:prstGeom prst="line">
+            <a:avLst/>
+          </a:prstGeom>
+          <a:ln w="19050"/>
+        </p:spPr>
+        <p:style>
+          <a:lnRef idx="1">
+            <a:schemeClr val="accent1"/>
+          </a:lnRef>
+          <a:fillRef idx="0">
+            <a:schemeClr val="accent1"/>
+          </a:fillRef>
+          <a:effectRef idx="0">
+            <a:schemeClr val="accent1"/>
+          </a:effectRef>
+          <a:fontRef idx="minor">
+            <a:schemeClr val="tx1"/>
+          </a:fontRef>
+        </p:style>
+      </p:cxnSp>
+      <p:cxnSp>
+        <p:nvCxnSpPr>
+          <p:cNvPr id="1043" name="直接连接符 1042"/>
+          <p:cNvCxnSpPr/>
+          <p:nvPr/>
+        </p:nvCxnSpPr>
+        <p:spPr>
+          <a:xfrm flipV="1">
+            <a:off x="4191245" y="1340768"/>
+            <a:ext cx="0" cy="871942"/>
+          </a:xfrm>
+          <a:prstGeom prst="line">
+            <a:avLst/>
+          </a:prstGeom>
+          <a:ln w="19050">
+            <a:prstDash val="dashDot"/>
+          </a:ln>
+        </p:spPr>
+        <p:style>
+          <a:lnRef idx="1">
+            <a:schemeClr val="accent1"/>
+          </a:lnRef>
+          <a:fillRef idx="0">
+            <a:schemeClr val="accent1"/>
+          </a:fillRef>
+          <a:effectRef idx="0">
+            <a:schemeClr val="accent1"/>
+          </a:effectRef>
+          <a:fontRef idx="minor">
+            <a:schemeClr val="tx1"/>
+          </a:fontRef>
+        </p:style>
+      </p:cxnSp>
+      <p:cxnSp>
+        <p:nvCxnSpPr>
+          <p:cNvPr id="1051" name="直接连接符 1050"/>
+          <p:cNvCxnSpPr/>
+          <p:nvPr/>
+        </p:nvCxnSpPr>
+        <p:spPr>
+          <a:xfrm flipH="1">
+            <a:off x="2771800" y="2020198"/>
+            <a:ext cx="1188132" cy="0"/>
+          </a:xfrm>
+          <a:prstGeom prst="line">
+            <a:avLst/>
+          </a:prstGeom>
+          <a:ln w="19050">
+            <a:prstDash val="dashDot"/>
+          </a:ln>
+        </p:spPr>
+        <p:style>
+          <a:lnRef idx="1">
+            <a:schemeClr val="accent1"/>
+          </a:lnRef>
+          <a:fillRef idx="0">
+            <a:schemeClr val="accent1"/>
+          </a:fillRef>
+          <a:effectRef idx="0">
+            <a:schemeClr val="accent1"/>
+          </a:effectRef>
+          <a:fontRef idx="minor">
+            <a:schemeClr val="tx1"/>
+          </a:fontRef>
+        </p:style>
+      </p:cxnSp>
+      <p:cxnSp>
+        <p:nvCxnSpPr>
+          <p:cNvPr id="63" name="直接连接符 62"/>
+          <p:cNvCxnSpPr/>
+          <p:nvPr/>
+        </p:nvCxnSpPr>
+        <p:spPr>
+          <a:xfrm flipH="1">
+            <a:off x="1403648" y="2020198"/>
+            <a:ext cx="864096" cy="0"/>
+          </a:xfrm>
+          <a:prstGeom prst="line">
+            <a:avLst/>
+          </a:prstGeom>
+          <a:ln w="19050">
+            <a:prstDash val="dashDot"/>
+          </a:ln>
+        </p:spPr>
+        <p:style>
+          <a:lnRef idx="1">
+            <a:schemeClr val="accent1"/>
+          </a:lnRef>
+          <a:fillRef idx="0">
+            <a:schemeClr val="accent1"/>
+          </a:fillRef>
+          <a:effectRef idx="0">
+            <a:schemeClr val="accent1"/>
+          </a:effectRef>
+          <a:fontRef idx="minor">
+            <a:schemeClr val="tx1"/>
+          </a:fontRef>
+        </p:style>
+      </p:cxnSp>
     </p:spTree>
     <p:extLst>
       <p:ext uri="{BB962C8B-B14F-4D97-AF65-F5344CB8AC3E}">

--- a/graph.pptx
+++ b/graph.pptx
@@ -8,6 +8,11 @@
     <p:sldId id="256" r:id="rId2"/>
     <p:sldId id="257" r:id="rId3"/>
     <p:sldId id="258" r:id="rId4"/>
+    <p:sldId id="259" r:id="rId5"/>
+    <p:sldId id="260" r:id="rId6"/>
+    <p:sldId id="261" r:id="rId7"/>
+    <p:sldId id="262" r:id="rId8"/>
+    <p:sldId id="263" r:id="rId9"/>
   </p:sldIdLst>
   <p:sldSz cx="9144000" cy="6858000" type="screen4x3"/>
   <p:notesSz cx="6858000" cy="9144000"/>
@@ -290,7 +295,7 @@
           <a:p>
             <a:fld id="{530820CF-B880-4189-942D-D702A7CBA730}" type="datetimeFigureOut">
               <a:rPr lang="zh-CN" altLang="en-US" smtClean="0"/>
-              <a:t>2018/12/18</a:t>
+              <a:t>2018/12/27</a:t>
             </a:fld>
             <a:endParaRPr lang="zh-CN" altLang="en-US"/>
           </a:p>
@@ -455,7 +460,7 @@
           <a:p>
             <a:fld id="{530820CF-B880-4189-942D-D702A7CBA730}" type="datetimeFigureOut">
               <a:rPr lang="zh-CN" altLang="en-US" smtClean="0"/>
-              <a:t>2018/12/18</a:t>
+              <a:t>2018/12/27</a:t>
             </a:fld>
             <a:endParaRPr lang="zh-CN" altLang="en-US"/>
           </a:p>
@@ -630,7 +635,7 @@
           <a:p>
             <a:fld id="{530820CF-B880-4189-942D-D702A7CBA730}" type="datetimeFigureOut">
               <a:rPr lang="zh-CN" altLang="en-US" smtClean="0"/>
-              <a:t>2018/12/18</a:t>
+              <a:t>2018/12/27</a:t>
             </a:fld>
             <a:endParaRPr lang="zh-CN" altLang="en-US"/>
           </a:p>
@@ -795,7 +800,7 @@
           <a:p>
             <a:fld id="{530820CF-B880-4189-942D-D702A7CBA730}" type="datetimeFigureOut">
               <a:rPr lang="zh-CN" altLang="en-US" smtClean="0"/>
-              <a:t>2018/12/18</a:t>
+              <a:t>2018/12/27</a:t>
             </a:fld>
             <a:endParaRPr lang="zh-CN" altLang="en-US"/>
           </a:p>
@@ -1036,7 +1041,7 @@
           <a:p>
             <a:fld id="{530820CF-B880-4189-942D-D702A7CBA730}" type="datetimeFigureOut">
               <a:rPr lang="zh-CN" altLang="en-US" smtClean="0"/>
-              <a:t>2018/12/18</a:t>
+              <a:t>2018/12/27</a:t>
             </a:fld>
             <a:endParaRPr lang="zh-CN" altLang="en-US"/>
           </a:p>
@@ -1319,7 +1324,7 @@
           <a:p>
             <a:fld id="{530820CF-B880-4189-942D-D702A7CBA730}" type="datetimeFigureOut">
               <a:rPr lang="zh-CN" altLang="en-US" smtClean="0"/>
-              <a:t>2018/12/18</a:t>
+              <a:t>2018/12/27</a:t>
             </a:fld>
             <a:endParaRPr lang="zh-CN" altLang="en-US"/>
           </a:p>
@@ -1736,7 +1741,7 @@
           <a:p>
             <a:fld id="{530820CF-B880-4189-942D-D702A7CBA730}" type="datetimeFigureOut">
               <a:rPr lang="zh-CN" altLang="en-US" smtClean="0"/>
-              <a:t>2018/12/18</a:t>
+              <a:t>2018/12/27</a:t>
             </a:fld>
             <a:endParaRPr lang="zh-CN" altLang="en-US"/>
           </a:p>
@@ -1849,7 +1854,7 @@
           <a:p>
             <a:fld id="{530820CF-B880-4189-942D-D702A7CBA730}" type="datetimeFigureOut">
               <a:rPr lang="zh-CN" altLang="en-US" smtClean="0"/>
-              <a:t>2018/12/18</a:t>
+              <a:t>2018/12/27</a:t>
             </a:fld>
             <a:endParaRPr lang="zh-CN" altLang="en-US"/>
           </a:p>
@@ -1939,7 +1944,7 @@
           <a:p>
             <a:fld id="{530820CF-B880-4189-942D-D702A7CBA730}" type="datetimeFigureOut">
               <a:rPr lang="zh-CN" altLang="en-US" smtClean="0"/>
-              <a:t>2018/12/18</a:t>
+              <a:t>2018/12/27</a:t>
             </a:fld>
             <a:endParaRPr lang="zh-CN" altLang="en-US"/>
           </a:p>
@@ -2211,7 +2216,7 @@
           <a:p>
             <a:fld id="{530820CF-B880-4189-942D-D702A7CBA730}" type="datetimeFigureOut">
               <a:rPr lang="zh-CN" altLang="en-US" smtClean="0"/>
-              <a:t>2018/12/18</a:t>
+              <a:t>2018/12/27</a:t>
             </a:fld>
             <a:endParaRPr lang="zh-CN" altLang="en-US"/>
           </a:p>
@@ -2459,7 +2464,7 @@
           <a:p>
             <a:fld id="{530820CF-B880-4189-942D-D702A7CBA730}" type="datetimeFigureOut">
               <a:rPr lang="zh-CN" altLang="en-US" smtClean="0"/>
-              <a:t>2018/12/18</a:t>
+              <a:t>2018/12/27</a:t>
             </a:fld>
             <a:endParaRPr lang="zh-CN" altLang="en-US"/>
           </a:p>
@@ -2667,7 +2672,7 @@
           <a:p>
             <a:fld id="{530820CF-B880-4189-942D-D702A7CBA730}" type="datetimeFigureOut">
               <a:rPr lang="zh-CN" altLang="en-US" smtClean="0"/>
-              <a:t>2018/12/18</a:t>
+              <a:t>2018/12/27</a:t>
             </a:fld>
             <a:endParaRPr lang="zh-CN" altLang="en-US"/>
           </a:p>
@@ -6029,6 +6034,5457 @@
     <p:extLst>
       <p:ext uri="{BB962C8B-B14F-4D97-AF65-F5344CB8AC3E}">
         <p14:creationId xmlns:p14="http://schemas.microsoft.com/office/powerpoint/2010/main" val="7343664"/>
+      </p:ext>
+    </p:extLst>
+  </p:cSld>
+  <p:clrMapOvr>
+    <a:masterClrMapping/>
+  </p:clrMapOvr>
+</p:sld>
+</file>
+
+<file path=ppt/slides/slide4.xml><?xml version="1.0" encoding="utf-8"?>
+<p:sld xmlns:a="http://schemas.openxmlformats.org/drawingml/2006/main" xmlns:r="http://schemas.openxmlformats.org/officeDocument/2006/relationships" xmlns:p="http://schemas.openxmlformats.org/presentationml/2006/main">
+  <p:cSld>
+    <p:spTree>
+      <p:nvGrpSpPr>
+        <p:cNvPr id="1" name=""/>
+        <p:cNvGrpSpPr/>
+        <p:nvPr/>
+      </p:nvGrpSpPr>
+      <p:grpSpPr>
+        <a:xfrm>
+          <a:off x="0" y="0"/>
+          <a:ext cx="0" cy="0"/>
+          <a:chOff x="0" y="0"/>
+          <a:chExt cx="0" cy="0"/>
+        </a:xfrm>
+      </p:grpSpPr>
+      <p:sp>
+        <p:nvSpPr>
+          <p:cNvPr id="4" name="矩形 3"/>
+          <p:cNvSpPr/>
+          <p:nvPr/>
+        </p:nvSpPr>
+        <p:spPr>
+          <a:xfrm>
+            <a:off x="1979712" y="1988840"/>
+            <a:ext cx="3600400" cy="3240360"/>
+          </a:xfrm>
+          <a:prstGeom prst="rect">
+            <a:avLst/>
+          </a:prstGeom>
+          <a:solidFill>
+            <a:srgbClr val="00B050"/>
+          </a:solidFill>
+        </p:spPr>
+        <p:style>
+          <a:lnRef idx="2">
+            <a:schemeClr val="accent1">
+              <a:shade val="50000"/>
+            </a:schemeClr>
+          </a:lnRef>
+          <a:fillRef idx="1">
+            <a:schemeClr val="accent1"/>
+          </a:fillRef>
+          <a:effectRef idx="0">
+            <a:schemeClr val="accent1"/>
+          </a:effectRef>
+          <a:fontRef idx="minor">
+            <a:schemeClr val="lt1"/>
+          </a:fontRef>
+        </p:style>
+        <p:txBody>
+          <a:bodyPr rtlCol="0" anchor="ctr"/>
+          <a:lstStyle/>
+          <a:p>
+            <a:pPr algn="ctr"/>
+            <a:endParaRPr lang="zh-CN" altLang="en-US"/>
+          </a:p>
+        </p:txBody>
+      </p:sp>
+      <p:sp>
+        <p:nvSpPr>
+          <p:cNvPr id="5" name="矩形 4"/>
+          <p:cNvSpPr/>
+          <p:nvPr/>
+        </p:nvSpPr>
+        <p:spPr>
+          <a:xfrm>
+            <a:off x="2627784" y="1196752"/>
+            <a:ext cx="3960440" cy="3168352"/>
+          </a:xfrm>
+          <a:prstGeom prst="rect">
+            <a:avLst/>
+          </a:prstGeom>
+          <a:solidFill>
+            <a:srgbClr val="FF0000"/>
+          </a:solidFill>
+        </p:spPr>
+        <p:style>
+          <a:lnRef idx="2">
+            <a:schemeClr val="accent1">
+              <a:shade val="50000"/>
+            </a:schemeClr>
+          </a:lnRef>
+          <a:fillRef idx="1">
+            <a:schemeClr val="accent1"/>
+          </a:fillRef>
+          <a:effectRef idx="0">
+            <a:schemeClr val="accent1"/>
+          </a:effectRef>
+          <a:fontRef idx="minor">
+            <a:schemeClr val="lt1"/>
+          </a:fontRef>
+        </p:style>
+        <p:txBody>
+          <a:bodyPr rtlCol="0" anchor="ctr"/>
+          <a:lstStyle/>
+          <a:p>
+            <a:pPr algn="ctr"/>
+            <a:endParaRPr lang="zh-CN" altLang="en-US"/>
+          </a:p>
+        </p:txBody>
+      </p:sp>
+      <p:sp>
+        <p:nvSpPr>
+          <p:cNvPr id="6" name="矩形 5"/>
+          <p:cNvSpPr/>
+          <p:nvPr/>
+        </p:nvSpPr>
+        <p:spPr>
+          <a:xfrm>
+            <a:off x="2627784" y="1988840"/>
+            <a:ext cx="2952328" cy="2376264"/>
+          </a:xfrm>
+          <a:prstGeom prst="rect">
+            <a:avLst/>
+          </a:prstGeom>
+        </p:spPr>
+        <p:style>
+          <a:lnRef idx="2">
+            <a:schemeClr val="accent1">
+              <a:shade val="50000"/>
+            </a:schemeClr>
+          </a:lnRef>
+          <a:fillRef idx="1">
+            <a:schemeClr val="accent1"/>
+          </a:fillRef>
+          <a:effectRef idx="0">
+            <a:schemeClr val="accent1"/>
+          </a:effectRef>
+          <a:fontRef idx="minor">
+            <a:schemeClr val="lt1"/>
+          </a:fontRef>
+        </p:style>
+        <p:txBody>
+          <a:bodyPr rtlCol="0" anchor="ctr"/>
+          <a:lstStyle/>
+          <a:p>
+            <a:pPr algn="ctr"/>
+            <a:endParaRPr lang="zh-CN" altLang="en-US"/>
+          </a:p>
+        </p:txBody>
+      </p:sp>
+    </p:spTree>
+    <p:extLst>
+      <p:ext uri="{BB962C8B-B14F-4D97-AF65-F5344CB8AC3E}">
+        <p14:creationId xmlns:p14="http://schemas.microsoft.com/office/powerpoint/2010/main" val="3065614923"/>
+      </p:ext>
+    </p:extLst>
+  </p:cSld>
+  <p:clrMapOvr>
+    <a:masterClrMapping/>
+  </p:clrMapOvr>
+</p:sld>
+</file>
+
+<file path=ppt/slides/slide5.xml><?xml version="1.0" encoding="utf-8"?>
+<p:sld xmlns:a="http://schemas.openxmlformats.org/drawingml/2006/main" xmlns:r="http://schemas.openxmlformats.org/officeDocument/2006/relationships" xmlns:p="http://schemas.openxmlformats.org/presentationml/2006/main">
+  <p:cSld>
+    <p:spTree>
+      <p:nvGrpSpPr>
+        <p:cNvPr id="1" name=""/>
+        <p:cNvGrpSpPr/>
+        <p:nvPr/>
+      </p:nvGrpSpPr>
+      <p:grpSpPr>
+        <a:xfrm>
+          <a:off x="0" y="0"/>
+          <a:ext cx="0" cy="0"/>
+          <a:chOff x="0" y="0"/>
+          <a:chExt cx="0" cy="0"/>
+        </a:xfrm>
+      </p:grpSpPr>
+      <p:sp>
+        <p:nvSpPr>
+          <p:cNvPr id="29" name="矩形 28"/>
+          <p:cNvSpPr/>
+          <p:nvPr/>
+        </p:nvSpPr>
+        <p:spPr>
+          <a:xfrm>
+            <a:off x="989840" y="2492896"/>
+            <a:ext cx="5526376" cy="1471518"/>
+          </a:xfrm>
+          <a:prstGeom prst="rect">
+            <a:avLst/>
+          </a:prstGeom>
+          <a:solidFill>
+            <a:schemeClr val="tx2">
+              <a:lumMod val="20000"/>
+              <a:lumOff val="80000"/>
+            </a:schemeClr>
+          </a:solidFill>
+          <a:ln>
+            <a:solidFill>
+              <a:schemeClr val="tx2">
+                <a:lumMod val="20000"/>
+                <a:lumOff val="80000"/>
+              </a:schemeClr>
+            </a:solidFill>
+          </a:ln>
+        </p:spPr>
+        <p:style>
+          <a:lnRef idx="2">
+            <a:schemeClr val="accent1">
+              <a:shade val="50000"/>
+            </a:schemeClr>
+          </a:lnRef>
+          <a:fillRef idx="1">
+            <a:schemeClr val="accent1"/>
+          </a:fillRef>
+          <a:effectRef idx="0">
+            <a:schemeClr val="accent1"/>
+          </a:effectRef>
+          <a:fontRef idx="minor">
+            <a:schemeClr val="lt1"/>
+          </a:fontRef>
+        </p:style>
+        <p:txBody>
+          <a:bodyPr rtlCol="0" anchor="ctr"/>
+          <a:lstStyle/>
+          <a:p>
+            <a:pPr algn="ctr"/>
+            <a:endParaRPr lang="zh-CN" altLang="en-US"/>
+          </a:p>
+        </p:txBody>
+      </p:sp>
+      <p:sp>
+        <p:nvSpPr>
+          <p:cNvPr id="57" name="矩形 56"/>
+          <p:cNvSpPr/>
+          <p:nvPr/>
+        </p:nvSpPr>
+        <p:spPr>
+          <a:xfrm>
+            <a:off x="2618090" y="2564904"/>
+            <a:ext cx="2506802" cy="576064"/>
+          </a:xfrm>
+          <a:prstGeom prst="rect">
+            <a:avLst/>
+          </a:prstGeom>
+          <a:solidFill>
+            <a:schemeClr val="accent1">
+              <a:lumMod val="40000"/>
+              <a:lumOff val="60000"/>
+            </a:schemeClr>
+          </a:solidFill>
+          <a:ln w="12700">
+            <a:solidFill>
+              <a:schemeClr val="tx1"/>
+            </a:solidFill>
+            <a:prstDash val="sysDot"/>
+          </a:ln>
+        </p:spPr>
+        <p:style>
+          <a:lnRef idx="2">
+            <a:schemeClr val="accent1">
+              <a:shade val="50000"/>
+            </a:schemeClr>
+          </a:lnRef>
+          <a:fillRef idx="1">
+            <a:schemeClr val="accent1"/>
+          </a:fillRef>
+          <a:effectRef idx="0">
+            <a:schemeClr val="accent1"/>
+          </a:effectRef>
+          <a:fontRef idx="minor">
+            <a:schemeClr val="lt1"/>
+          </a:fontRef>
+        </p:style>
+        <p:txBody>
+          <a:bodyPr rtlCol="0" anchor="ctr"/>
+          <a:lstStyle/>
+          <a:p>
+            <a:pPr algn="ctr"/>
+            <a:endParaRPr lang="zh-CN" altLang="en-US"/>
+          </a:p>
+        </p:txBody>
+      </p:sp>
+      <p:sp>
+        <p:nvSpPr>
+          <p:cNvPr id="48" name="矩形 47"/>
+          <p:cNvSpPr/>
+          <p:nvPr/>
+        </p:nvSpPr>
+        <p:spPr>
+          <a:xfrm>
+            <a:off x="6660232" y="4109701"/>
+            <a:ext cx="2376264" cy="1942945"/>
+          </a:xfrm>
+          <a:prstGeom prst="rect">
+            <a:avLst/>
+          </a:prstGeom>
+          <a:solidFill>
+            <a:schemeClr val="tx2">
+              <a:lumMod val="20000"/>
+              <a:lumOff val="80000"/>
+            </a:schemeClr>
+          </a:solidFill>
+          <a:ln>
+            <a:solidFill>
+              <a:schemeClr val="tx2">
+                <a:lumMod val="20000"/>
+                <a:lumOff val="80000"/>
+              </a:schemeClr>
+            </a:solidFill>
+          </a:ln>
+        </p:spPr>
+        <p:style>
+          <a:lnRef idx="2">
+            <a:schemeClr val="accent1">
+              <a:shade val="50000"/>
+            </a:schemeClr>
+          </a:lnRef>
+          <a:fillRef idx="1">
+            <a:schemeClr val="accent1"/>
+          </a:fillRef>
+          <a:effectRef idx="0">
+            <a:schemeClr val="accent1"/>
+          </a:effectRef>
+          <a:fontRef idx="minor">
+            <a:schemeClr val="lt1"/>
+          </a:fontRef>
+        </p:style>
+        <p:txBody>
+          <a:bodyPr rtlCol="0" anchor="ctr"/>
+          <a:lstStyle/>
+          <a:p>
+            <a:pPr algn="ctr"/>
+            <a:endParaRPr lang="zh-CN" altLang="en-US"/>
+          </a:p>
+        </p:txBody>
+      </p:sp>
+      <p:sp>
+        <p:nvSpPr>
+          <p:cNvPr id="53" name="矩形 52"/>
+          <p:cNvSpPr/>
+          <p:nvPr/>
+        </p:nvSpPr>
+        <p:spPr>
+          <a:xfrm>
+            <a:off x="6914476" y="4594305"/>
+            <a:ext cx="1944216" cy="1378381"/>
+          </a:xfrm>
+          <a:prstGeom prst="rect">
+            <a:avLst/>
+          </a:prstGeom>
+          <a:solidFill>
+            <a:schemeClr val="tx2">
+              <a:lumMod val="20000"/>
+              <a:lumOff val="80000"/>
+            </a:schemeClr>
+          </a:solidFill>
+          <a:ln w="9525">
+            <a:solidFill>
+              <a:schemeClr val="tx1"/>
+            </a:solidFill>
+            <a:prstDash val="dash"/>
+          </a:ln>
+        </p:spPr>
+        <p:style>
+          <a:lnRef idx="2">
+            <a:schemeClr val="accent1">
+              <a:shade val="50000"/>
+            </a:schemeClr>
+          </a:lnRef>
+          <a:fillRef idx="1">
+            <a:schemeClr val="accent1"/>
+          </a:fillRef>
+          <a:effectRef idx="0">
+            <a:schemeClr val="accent1"/>
+          </a:effectRef>
+          <a:fontRef idx="minor">
+            <a:schemeClr val="lt1"/>
+          </a:fontRef>
+        </p:style>
+        <p:txBody>
+          <a:bodyPr rtlCol="0" anchor="ctr"/>
+          <a:lstStyle/>
+          <a:p>
+            <a:pPr algn="ctr"/>
+            <a:endParaRPr lang="zh-CN" altLang="en-US"/>
+          </a:p>
+        </p:txBody>
+      </p:sp>
+      <p:sp>
+        <p:nvSpPr>
+          <p:cNvPr id="47" name="矩形 46"/>
+          <p:cNvSpPr/>
+          <p:nvPr/>
+        </p:nvSpPr>
+        <p:spPr>
+          <a:xfrm>
+            <a:off x="6660232" y="3451066"/>
+            <a:ext cx="2339752" cy="513348"/>
+          </a:xfrm>
+          <a:prstGeom prst="rect">
+            <a:avLst/>
+          </a:prstGeom>
+          <a:solidFill>
+            <a:schemeClr val="tx2">
+              <a:lumMod val="20000"/>
+              <a:lumOff val="80000"/>
+            </a:schemeClr>
+          </a:solidFill>
+          <a:ln>
+            <a:solidFill>
+              <a:schemeClr val="tx2">
+                <a:lumMod val="20000"/>
+                <a:lumOff val="80000"/>
+              </a:schemeClr>
+            </a:solidFill>
+          </a:ln>
+        </p:spPr>
+        <p:style>
+          <a:lnRef idx="2">
+            <a:schemeClr val="accent1">
+              <a:shade val="50000"/>
+            </a:schemeClr>
+          </a:lnRef>
+          <a:fillRef idx="1">
+            <a:schemeClr val="accent1"/>
+          </a:fillRef>
+          <a:effectRef idx="0">
+            <a:schemeClr val="accent1"/>
+          </a:effectRef>
+          <a:fontRef idx="minor">
+            <a:schemeClr val="lt1"/>
+          </a:fontRef>
+        </p:style>
+        <p:txBody>
+          <a:bodyPr rtlCol="0" anchor="ctr"/>
+          <a:lstStyle/>
+          <a:p>
+            <a:pPr algn="ctr"/>
+            <a:endParaRPr lang="zh-CN" altLang="en-US"/>
+          </a:p>
+        </p:txBody>
+      </p:sp>
+      <p:sp>
+        <p:nvSpPr>
+          <p:cNvPr id="30" name="矩形 29"/>
+          <p:cNvSpPr/>
+          <p:nvPr/>
+        </p:nvSpPr>
+        <p:spPr>
+          <a:xfrm>
+            <a:off x="989840" y="4077072"/>
+            <a:ext cx="5526376" cy="1975574"/>
+          </a:xfrm>
+          <a:prstGeom prst="rect">
+            <a:avLst/>
+          </a:prstGeom>
+          <a:solidFill>
+            <a:schemeClr val="tx2">
+              <a:lumMod val="20000"/>
+              <a:lumOff val="80000"/>
+            </a:schemeClr>
+          </a:solidFill>
+          <a:ln>
+            <a:solidFill>
+              <a:schemeClr val="tx2">
+                <a:lumMod val="20000"/>
+                <a:lumOff val="80000"/>
+              </a:schemeClr>
+            </a:solidFill>
+          </a:ln>
+        </p:spPr>
+        <p:style>
+          <a:lnRef idx="2">
+            <a:schemeClr val="accent1">
+              <a:shade val="50000"/>
+            </a:schemeClr>
+          </a:lnRef>
+          <a:fillRef idx="1">
+            <a:schemeClr val="accent1"/>
+          </a:fillRef>
+          <a:effectRef idx="0">
+            <a:schemeClr val="accent1"/>
+          </a:effectRef>
+          <a:fontRef idx="minor">
+            <a:schemeClr val="lt1"/>
+          </a:fontRef>
+        </p:style>
+        <p:txBody>
+          <a:bodyPr rtlCol="0" anchor="ctr"/>
+          <a:lstStyle/>
+          <a:p>
+            <a:pPr algn="ctr"/>
+            <a:endParaRPr lang="zh-CN" altLang="en-US"/>
+          </a:p>
+        </p:txBody>
+      </p:sp>
+      <p:sp>
+        <p:nvSpPr>
+          <p:cNvPr id="26" name="矩形 25"/>
+          <p:cNvSpPr/>
+          <p:nvPr/>
+        </p:nvSpPr>
+        <p:spPr>
+          <a:xfrm>
+            <a:off x="125744" y="332656"/>
+            <a:ext cx="720080" cy="2016224"/>
+          </a:xfrm>
+          <a:prstGeom prst="rect">
+            <a:avLst/>
+          </a:prstGeom>
+          <a:solidFill>
+            <a:schemeClr val="tx2">
+              <a:lumMod val="20000"/>
+              <a:lumOff val="80000"/>
+            </a:schemeClr>
+          </a:solidFill>
+          <a:ln>
+            <a:solidFill>
+              <a:schemeClr val="tx2">
+                <a:lumMod val="20000"/>
+                <a:lumOff val="80000"/>
+              </a:schemeClr>
+            </a:solidFill>
+          </a:ln>
+        </p:spPr>
+        <p:style>
+          <a:lnRef idx="2">
+            <a:schemeClr val="accent1">
+              <a:shade val="50000"/>
+            </a:schemeClr>
+          </a:lnRef>
+          <a:fillRef idx="1">
+            <a:schemeClr val="accent1"/>
+          </a:fillRef>
+          <a:effectRef idx="0">
+            <a:schemeClr val="accent1"/>
+          </a:effectRef>
+          <a:fontRef idx="minor">
+            <a:schemeClr val="lt1"/>
+          </a:fontRef>
+        </p:style>
+        <p:txBody>
+          <a:bodyPr rtlCol="0" anchor="ctr"/>
+          <a:lstStyle/>
+          <a:p>
+            <a:pPr algn="ctr"/>
+            <a:endParaRPr lang="zh-CN" altLang="en-US"/>
+          </a:p>
+        </p:txBody>
+      </p:sp>
+      <p:sp>
+        <p:nvSpPr>
+          <p:cNvPr id="23" name="矩形 22"/>
+          <p:cNvSpPr/>
+          <p:nvPr/>
+        </p:nvSpPr>
+        <p:spPr>
+          <a:xfrm>
+            <a:off x="989840" y="1205136"/>
+            <a:ext cx="5526376" cy="1143744"/>
+          </a:xfrm>
+          <a:prstGeom prst="rect">
+            <a:avLst/>
+          </a:prstGeom>
+          <a:solidFill>
+            <a:schemeClr val="tx2">
+              <a:lumMod val="20000"/>
+              <a:lumOff val="80000"/>
+            </a:schemeClr>
+          </a:solidFill>
+          <a:ln>
+            <a:solidFill>
+              <a:schemeClr val="tx2">
+                <a:lumMod val="20000"/>
+                <a:lumOff val="80000"/>
+              </a:schemeClr>
+            </a:solidFill>
+          </a:ln>
+        </p:spPr>
+        <p:style>
+          <a:lnRef idx="2">
+            <a:schemeClr val="accent1">
+              <a:shade val="50000"/>
+            </a:schemeClr>
+          </a:lnRef>
+          <a:fillRef idx="1">
+            <a:schemeClr val="accent1"/>
+          </a:fillRef>
+          <a:effectRef idx="0">
+            <a:schemeClr val="accent1"/>
+          </a:effectRef>
+          <a:fontRef idx="minor">
+            <a:schemeClr val="lt1"/>
+          </a:fontRef>
+        </p:style>
+        <p:txBody>
+          <a:bodyPr rtlCol="0" anchor="ctr"/>
+          <a:lstStyle/>
+          <a:p>
+            <a:pPr algn="ctr"/>
+            <a:endParaRPr lang="zh-CN" altLang="en-US"/>
+          </a:p>
+        </p:txBody>
+      </p:sp>
+      <p:sp>
+        <p:nvSpPr>
+          <p:cNvPr id="22" name="矩形 21"/>
+          <p:cNvSpPr/>
+          <p:nvPr/>
+        </p:nvSpPr>
+        <p:spPr>
+          <a:xfrm>
+            <a:off x="989840" y="332656"/>
+            <a:ext cx="5526376" cy="720080"/>
+          </a:xfrm>
+          <a:prstGeom prst="rect">
+            <a:avLst/>
+          </a:prstGeom>
+          <a:solidFill>
+            <a:schemeClr val="tx2">
+              <a:lumMod val="20000"/>
+              <a:lumOff val="80000"/>
+            </a:schemeClr>
+          </a:solidFill>
+          <a:ln>
+            <a:solidFill>
+              <a:schemeClr val="tx2">
+                <a:lumMod val="20000"/>
+                <a:lumOff val="80000"/>
+              </a:schemeClr>
+            </a:solidFill>
+          </a:ln>
+        </p:spPr>
+        <p:style>
+          <a:lnRef idx="2">
+            <a:schemeClr val="accent1">
+              <a:shade val="50000"/>
+            </a:schemeClr>
+          </a:lnRef>
+          <a:fillRef idx="1">
+            <a:schemeClr val="accent1"/>
+          </a:fillRef>
+          <a:effectRef idx="0">
+            <a:schemeClr val="accent1"/>
+          </a:effectRef>
+          <a:fontRef idx="minor">
+            <a:schemeClr val="lt1"/>
+          </a:fontRef>
+        </p:style>
+        <p:txBody>
+          <a:bodyPr rtlCol="0" anchor="ctr"/>
+          <a:lstStyle/>
+          <a:p>
+            <a:pPr algn="ctr"/>
+            <a:endParaRPr lang="zh-CN" altLang="en-US"/>
+          </a:p>
+        </p:txBody>
+      </p:sp>
+      <p:sp>
+        <p:nvSpPr>
+          <p:cNvPr id="4" name="TextBox 3"/>
+          <p:cNvSpPr txBox="1"/>
+          <p:nvPr/>
+        </p:nvSpPr>
+        <p:spPr>
+          <a:xfrm>
+            <a:off x="1067000" y="508030"/>
+            <a:ext cx="1152128" cy="369332"/>
+          </a:xfrm>
+          <a:prstGeom prst="rect">
+            <a:avLst/>
+          </a:prstGeom>
+          <a:noFill/>
+          <a:ln>
+            <a:noFill/>
+          </a:ln>
+        </p:spPr>
+        <p:txBody>
+          <a:bodyPr wrap="square" rtlCol="0">
+            <a:spAutoFit/>
+          </a:bodyPr>
+          <a:lstStyle/>
+          <a:p>
+            <a:r>
+              <a:rPr lang="en-US" altLang="zh-CN" dirty="0" smtClean="0"/>
+              <a:t>Web</a:t>
+            </a:r>
+            <a:r>
+              <a:rPr lang="zh-CN" altLang="en-US" dirty="0" smtClean="0"/>
+              <a:t>网页</a:t>
+            </a:r>
+            <a:endParaRPr lang="zh-CN" altLang="en-US" dirty="0"/>
+          </a:p>
+        </p:txBody>
+      </p:sp>
+      <p:sp>
+        <p:nvSpPr>
+          <p:cNvPr id="5" name="TextBox 4"/>
+          <p:cNvSpPr txBox="1"/>
+          <p:nvPr/>
+        </p:nvSpPr>
+        <p:spPr>
+          <a:xfrm>
+            <a:off x="3294096" y="522496"/>
+            <a:ext cx="1152128" cy="369332"/>
+          </a:xfrm>
+          <a:prstGeom prst="rect">
+            <a:avLst/>
+          </a:prstGeom>
+          <a:noFill/>
+          <a:ln>
+            <a:solidFill>
+              <a:schemeClr val="tx1"/>
+            </a:solidFill>
+          </a:ln>
+        </p:spPr>
+        <p:txBody>
+          <a:bodyPr wrap="square" rtlCol="0">
+            <a:spAutoFit/>
+          </a:bodyPr>
+          <a:lstStyle/>
+          <a:p>
+            <a:r>
+              <a:rPr lang="zh-CN" altLang="en-US" dirty="0" smtClean="0"/>
+              <a:t>交互界面</a:t>
+            </a:r>
+            <a:endParaRPr lang="zh-CN" altLang="en-US" dirty="0"/>
+          </a:p>
+        </p:txBody>
+      </p:sp>
+      <p:sp>
+        <p:nvSpPr>
+          <p:cNvPr id="6" name="TextBox 5"/>
+          <p:cNvSpPr txBox="1"/>
+          <p:nvPr/>
+        </p:nvSpPr>
+        <p:spPr>
+          <a:xfrm>
+            <a:off x="1046692" y="1453842"/>
+            <a:ext cx="596372" cy="646331"/>
+          </a:xfrm>
+          <a:prstGeom prst="rect">
+            <a:avLst/>
+          </a:prstGeom>
+          <a:noFill/>
+        </p:spPr>
+        <p:txBody>
+          <a:bodyPr wrap="square" rtlCol="0">
+            <a:spAutoFit/>
+          </a:bodyPr>
+          <a:lstStyle/>
+          <a:p>
+            <a:r>
+              <a:rPr lang="zh-CN" altLang="en-US" dirty="0" smtClean="0"/>
+              <a:t>参数</a:t>
+            </a:r>
+            <a:endParaRPr lang="zh-CN" altLang="en-US" dirty="0"/>
+          </a:p>
+        </p:txBody>
+      </p:sp>
+      <p:sp>
+        <p:nvSpPr>
+          <p:cNvPr id="7" name="TextBox 6"/>
+          <p:cNvSpPr txBox="1"/>
+          <p:nvPr/>
+        </p:nvSpPr>
+        <p:spPr>
+          <a:xfrm>
+            <a:off x="2606988" y="1356406"/>
+            <a:ext cx="1196328" cy="338554"/>
+          </a:xfrm>
+          <a:prstGeom prst="rect">
+            <a:avLst/>
+          </a:prstGeom>
+          <a:noFill/>
+          <a:ln>
+            <a:solidFill>
+              <a:schemeClr val="tx1"/>
+            </a:solidFill>
+          </a:ln>
+        </p:spPr>
+        <p:txBody>
+          <a:bodyPr wrap="square" rtlCol="0">
+            <a:spAutoFit/>
+          </a:bodyPr>
+          <a:lstStyle/>
+          <a:p>
+            <a:pPr algn="ctr"/>
+            <a:r>
+              <a:rPr lang="en-US" altLang="zh-CN" sz="1600" dirty="0" err="1" smtClean="0"/>
+              <a:t>Batch_size</a:t>
+            </a:r>
+            <a:endParaRPr lang="zh-CN" altLang="en-US" sz="1600" dirty="0"/>
+          </a:p>
+        </p:txBody>
+      </p:sp>
+      <p:sp>
+        <p:nvSpPr>
+          <p:cNvPr id="8" name="TextBox 7"/>
+          <p:cNvSpPr txBox="1"/>
+          <p:nvPr/>
+        </p:nvSpPr>
+        <p:spPr>
+          <a:xfrm>
+            <a:off x="3540820" y="1901554"/>
+            <a:ext cx="838560" cy="338554"/>
+          </a:xfrm>
+          <a:prstGeom prst="rect">
+            <a:avLst/>
+          </a:prstGeom>
+          <a:noFill/>
+          <a:ln>
+            <a:solidFill>
+              <a:schemeClr val="tx1"/>
+            </a:solidFill>
+          </a:ln>
+        </p:spPr>
+        <p:txBody>
+          <a:bodyPr wrap="square" rtlCol="0">
+            <a:spAutoFit/>
+          </a:bodyPr>
+          <a:lstStyle/>
+          <a:p>
+            <a:pPr algn="ctr"/>
+            <a:r>
+              <a:rPr lang="en-US" altLang="zh-CN" sz="1600" dirty="0" smtClean="0"/>
+              <a:t>width</a:t>
+            </a:r>
+            <a:endParaRPr lang="zh-CN" altLang="en-US" sz="1600" dirty="0"/>
+          </a:p>
+        </p:txBody>
+      </p:sp>
+      <p:sp>
+        <p:nvSpPr>
+          <p:cNvPr id="9" name="TextBox 8"/>
+          <p:cNvSpPr txBox="1"/>
+          <p:nvPr/>
+        </p:nvSpPr>
+        <p:spPr>
+          <a:xfrm>
+            <a:off x="4488364" y="1901554"/>
+            <a:ext cx="838560" cy="338554"/>
+          </a:xfrm>
+          <a:prstGeom prst="rect">
+            <a:avLst/>
+          </a:prstGeom>
+          <a:noFill/>
+          <a:ln>
+            <a:solidFill>
+              <a:schemeClr val="tx1"/>
+            </a:solidFill>
+          </a:ln>
+        </p:spPr>
+        <p:txBody>
+          <a:bodyPr wrap="square" rtlCol="0">
+            <a:spAutoFit/>
+          </a:bodyPr>
+          <a:lstStyle/>
+          <a:p>
+            <a:pPr algn="ctr"/>
+            <a:r>
+              <a:rPr lang="en-US" altLang="zh-CN" sz="1600" dirty="0" smtClean="0"/>
+              <a:t>height</a:t>
+            </a:r>
+            <a:endParaRPr lang="zh-CN" altLang="en-US" sz="1600" dirty="0"/>
+          </a:p>
+        </p:txBody>
+      </p:sp>
+      <p:sp>
+        <p:nvSpPr>
+          <p:cNvPr id="10" name="TextBox 9"/>
+          <p:cNvSpPr txBox="1"/>
+          <p:nvPr/>
+        </p:nvSpPr>
+        <p:spPr>
+          <a:xfrm>
+            <a:off x="5445404" y="1356406"/>
+            <a:ext cx="1008112" cy="338554"/>
+          </a:xfrm>
+          <a:prstGeom prst="rect">
+            <a:avLst/>
+          </a:prstGeom>
+          <a:noFill/>
+          <a:ln>
+            <a:solidFill>
+              <a:schemeClr val="tx1"/>
+            </a:solidFill>
+          </a:ln>
+        </p:spPr>
+        <p:txBody>
+          <a:bodyPr wrap="square" rtlCol="0">
+            <a:spAutoFit/>
+          </a:bodyPr>
+          <a:lstStyle/>
+          <a:p>
+            <a:pPr algn="ctr"/>
+            <a:r>
+              <a:rPr lang="en-US" altLang="zh-CN" sz="1600" dirty="0" err="1" smtClean="0"/>
+              <a:t>epoches</a:t>
+            </a:r>
+            <a:endParaRPr lang="zh-CN" altLang="en-US" sz="1600" dirty="0"/>
+          </a:p>
+        </p:txBody>
+      </p:sp>
+      <p:sp>
+        <p:nvSpPr>
+          <p:cNvPr id="11" name="TextBox 10"/>
+          <p:cNvSpPr txBox="1"/>
+          <p:nvPr/>
+        </p:nvSpPr>
+        <p:spPr>
+          <a:xfrm>
+            <a:off x="2618090" y="1901554"/>
+            <a:ext cx="806560" cy="338554"/>
+          </a:xfrm>
+          <a:prstGeom prst="rect">
+            <a:avLst/>
+          </a:prstGeom>
+          <a:noFill/>
+          <a:ln>
+            <a:solidFill>
+              <a:schemeClr val="tx1"/>
+            </a:solidFill>
+          </a:ln>
+        </p:spPr>
+        <p:txBody>
+          <a:bodyPr wrap="square" rtlCol="0">
+            <a:spAutoFit/>
+          </a:bodyPr>
+          <a:lstStyle/>
+          <a:p>
+            <a:r>
+              <a:rPr lang="en-US" altLang="zh-CN" sz="1600" dirty="0" smtClean="0"/>
+              <a:t>classes</a:t>
+            </a:r>
+            <a:endParaRPr lang="zh-CN" altLang="en-US" sz="1600" dirty="0"/>
+          </a:p>
+        </p:txBody>
+      </p:sp>
+      <p:sp>
+        <p:nvSpPr>
+          <p:cNvPr id="13" name="TextBox 12"/>
+          <p:cNvSpPr txBox="1"/>
+          <p:nvPr/>
+        </p:nvSpPr>
+        <p:spPr>
+          <a:xfrm>
+            <a:off x="3886764" y="1356406"/>
+            <a:ext cx="1440160" cy="338554"/>
+          </a:xfrm>
+          <a:prstGeom prst="rect">
+            <a:avLst/>
+          </a:prstGeom>
+          <a:noFill/>
+          <a:ln>
+            <a:solidFill>
+              <a:schemeClr val="tx1"/>
+            </a:solidFill>
+          </a:ln>
+        </p:spPr>
+        <p:txBody>
+          <a:bodyPr wrap="square" rtlCol="0">
+            <a:spAutoFit/>
+          </a:bodyPr>
+          <a:lstStyle/>
+          <a:p>
+            <a:pPr algn="ctr"/>
+            <a:r>
+              <a:rPr lang="en-US" altLang="zh-CN" sz="1600" dirty="0" smtClean="0"/>
+              <a:t>Labeled data</a:t>
+            </a:r>
+            <a:endParaRPr lang="zh-CN" altLang="en-US" sz="1600" dirty="0"/>
+          </a:p>
+        </p:txBody>
+      </p:sp>
+      <p:sp>
+        <p:nvSpPr>
+          <p:cNvPr id="14" name="TextBox 13"/>
+          <p:cNvSpPr txBox="1"/>
+          <p:nvPr/>
+        </p:nvSpPr>
+        <p:spPr>
+          <a:xfrm>
+            <a:off x="2934056" y="2676799"/>
+            <a:ext cx="814188" cy="369332"/>
+          </a:xfrm>
+          <a:prstGeom prst="rect">
+            <a:avLst/>
+          </a:prstGeom>
+          <a:noFill/>
+          <a:ln>
+            <a:solidFill>
+              <a:schemeClr val="tx1"/>
+            </a:solidFill>
+          </a:ln>
+        </p:spPr>
+        <p:txBody>
+          <a:bodyPr wrap="square" rtlCol="0">
+            <a:spAutoFit/>
+          </a:bodyPr>
+          <a:lstStyle/>
+          <a:p>
+            <a:pPr algn="ctr"/>
+            <a:r>
+              <a:rPr lang="en-US" altLang="zh-CN" dirty="0" smtClean="0"/>
+              <a:t>WIFI</a:t>
+            </a:r>
+            <a:endParaRPr lang="zh-CN" altLang="en-US" dirty="0"/>
+          </a:p>
+        </p:txBody>
+      </p:sp>
+      <p:sp>
+        <p:nvSpPr>
+          <p:cNvPr id="15" name="TextBox 14"/>
+          <p:cNvSpPr txBox="1"/>
+          <p:nvPr/>
+        </p:nvSpPr>
+        <p:spPr>
+          <a:xfrm>
+            <a:off x="4036276" y="2676799"/>
+            <a:ext cx="814188" cy="369332"/>
+          </a:xfrm>
+          <a:prstGeom prst="rect">
+            <a:avLst/>
+          </a:prstGeom>
+          <a:noFill/>
+          <a:ln>
+            <a:solidFill>
+              <a:schemeClr val="tx1"/>
+            </a:solidFill>
+          </a:ln>
+        </p:spPr>
+        <p:txBody>
+          <a:bodyPr wrap="square" rtlCol="0">
+            <a:spAutoFit/>
+          </a:bodyPr>
+          <a:lstStyle/>
+          <a:p>
+            <a:pPr algn="ctr"/>
+            <a:r>
+              <a:rPr lang="zh-CN" altLang="en-US" dirty="0"/>
+              <a:t>网线</a:t>
+            </a:r>
+          </a:p>
+        </p:txBody>
+      </p:sp>
+      <p:sp>
+        <p:nvSpPr>
+          <p:cNvPr id="16" name="TextBox 15"/>
+          <p:cNvSpPr txBox="1"/>
+          <p:nvPr/>
+        </p:nvSpPr>
+        <p:spPr>
+          <a:xfrm>
+            <a:off x="2934056" y="3356992"/>
+            <a:ext cx="1916408" cy="369332"/>
+          </a:xfrm>
+          <a:prstGeom prst="rect">
+            <a:avLst/>
+          </a:prstGeom>
+          <a:noFill/>
+          <a:ln>
+            <a:solidFill>
+              <a:schemeClr val="tx1"/>
+            </a:solidFill>
+          </a:ln>
+        </p:spPr>
+        <p:txBody>
+          <a:bodyPr wrap="square" rtlCol="0">
+            <a:spAutoFit/>
+          </a:bodyPr>
+          <a:lstStyle/>
+          <a:p>
+            <a:pPr algn="ctr"/>
+            <a:r>
+              <a:rPr lang="en-US" altLang="zh-CN" dirty="0" smtClean="0"/>
+              <a:t>HTTP</a:t>
+            </a:r>
+            <a:r>
+              <a:rPr lang="zh-CN" altLang="en-US" dirty="0" smtClean="0"/>
+              <a:t>、</a:t>
+            </a:r>
+            <a:r>
+              <a:rPr lang="en-US" altLang="zh-CN" dirty="0" smtClean="0"/>
+              <a:t>TCP/IP</a:t>
+            </a:r>
+            <a:endParaRPr lang="zh-CN" altLang="en-US" dirty="0"/>
+          </a:p>
+        </p:txBody>
+      </p:sp>
+      <p:sp>
+        <p:nvSpPr>
+          <p:cNvPr id="17" name="TextBox 16"/>
+          <p:cNvSpPr txBox="1"/>
+          <p:nvPr/>
+        </p:nvSpPr>
+        <p:spPr>
+          <a:xfrm>
+            <a:off x="3197872" y="4140916"/>
+            <a:ext cx="1368152" cy="369332"/>
+          </a:xfrm>
+          <a:prstGeom prst="rect">
+            <a:avLst/>
+          </a:prstGeom>
+          <a:noFill/>
+          <a:ln>
+            <a:solidFill>
+              <a:schemeClr val="tx1"/>
+            </a:solidFill>
+          </a:ln>
+        </p:spPr>
+        <p:txBody>
+          <a:bodyPr wrap="square" rtlCol="0">
+            <a:spAutoFit/>
+          </a:bodyPr>
+          <a:lstStyle/>
+          <a:p>
+            <a:r>
+              <a:rPr lang="zh-CN" altLang="en-US" dirty="0" smtClean="0"/>
+              <a:t>服务器端口</a:t>
+            </a:r>
+            <a:endParaRPr lang="zh-CN" altLang="en-US" dirty="0"/>
+          </a:p>
+        </p:txBody>
+      </p:sp>
+      <p:sp>
+        <p:nvSpPr>
+          <p:cNvPr id="19" name="TextBox 18"/>
+          <p:cNvSpPr txBox="1"/>
+          <p:nvPr/>
+        </p:nvSpPr>
+        <p:spPr>
+          <a:xfrm>
+            <a:off x="1997952" y="4860999"/>
+            <a:ext cx="1644744" cy="369332"/>
+          </a:xfrm>
+          <a:prstGeom prst="rect">
+            <a:avLst/>
+          </a:prstGeom>
+          <a:noFill/>
+          <a:ln>
+            <a:solidFill>
+              <a:schemeClr val="tx1"/>
+            </a:solidFill>
+          </a:ln>
+        </p:spPr>
+        <p:txBody>
+          <a:bodyPr wrap="square" rtlCol="0">
+            <a:spAutoFit/>
+          </a:bodyPr>
+          <a:lstStyle/>
+          <a:p>
+            <a:r>
+              <a:rPr lang="en-US" altLang="zh-CN" dirty="0" smtClean="0"/>
+              <a:t>Flask</a:t>
+            </a:r>
+            <a:r>
+              <a:rPr lang="zh-CN" altLang="en-US" dirty="0" smtClean="0"/>
+              <a:t>后端程序</a:t>
+            </a:r>
+            <a:endParaRPr lang="zh-CN" altLang="en-US" dirty="0"/>
+          </a:p>
+        </p:txBody>
+      </p:sp>
+      <p:sp>
+        <p:nvSpPr>
+          <p:cNvPr id="20" name="TextBox 19"/>
+          <p:cNvSpPr txBox="1"/>
+          <p:nvPr/>
+        </p:nvSpPr>
+        <p:spPr>
+          <a:xfrm>
+            <a:off x="4241988" y="4860999"/>
+            <a:ext cx="1644744" cy="369332"/>
+          </a:xfrm>
+          <a:prstGeom prst="rect">
+            <a:avLst/>
+          </a:prstGeom>
+          <a:noFill/>
+          <a:ln>
+            <a:solidFill>
+              <a:schemeClr val="tx1"/>
+            </a:solidFill>
+          </a:ln>
+        </p:spPr>
+        <p:txBody>
+          <a:bodyPr wrap="square" rtlCol="0">
+            <a:spAutoFit/>
+          </a:bodyPr>
+          <a:lstStyle/>
+          <a:p>
+            <a:r>
+              <a:rPr lang="en-US" altLang="zh-CN" dirty="0" smtClean="0"/>
+              <a:t>Flask</a:t>
+            </a:r>
+            <a:r>
+              <a:rPr lang="zh-CN" altLang="en-US" dirty="0" smtClean="0"/>
+              <a:t>后端程序</a:t>
+            </a:r>
+            <a:endParaRPr lang="zh-CN" altLang="en-US" dirty="0"/>
+          </a:p>
+        </p:txBody>
+      </p:sp>
+      <p:sp>
+        <p:nvSpPr>
+          <p:cNvPr id="21" name="TextBox 20"/>
+          <p:cNvSpPr txBox="1"/>
+          <p:nvPr/>
+        </p:nvSpPr>
+        <p:spPr>
+          <a:xfrm>
+            <a:off x="3113480" y="5548590"/>
+            <a:ext cx="1644744" cy="369332"/>
+          </a:xfrm>
+          <a:prstGeom prst="rect">
+            <a:avLst/>
+          </a:prstGeom>
+          <a:noFill/>
+          <a:ln>
+            <a:solidFill>
+              <a:schemeClr val="tx1"/>
+            </a:solidFill>
+          </a:ln>
+        </p:spPr>
+        <p:txBody>
+          <a:bodyPr wrap="square" rtlCol="0">
+            <a:spAutoFit/>
+          </a:bodyPr>
+          <a:lstStyle/>
+          <a:p>
+            <a:r>
+              <a:rPr lang="en-US" altLang="zh-CN" dirty="0" smtClean="0"/>
+              <a:t>Linux Shell</a:t>
+            </a:r>
+            <a:r>
+              <a:rPr lang="zh-CN" altLang="en-US" dirty="0" smtClean="0"/>
+              <a:t>脚本</a:t>
+            </a:r>
+            <a:endParaRPr lang="zh-CN" altLang="en-US" dirty="0"/>
+          </a:p>
+        </p:txBody>
+      </p:sp>
+      <p:sp>
+        <p:nvSpPr>
+          <p:cNvPr id="24" name="TextBox 23"/>
+          <p:cNvSpPr txBox="1"/>
+          <p:nvPr/>
+        </p:nvSpPr>
+        <p:spPr>
+          <a:xfrm>
+            <a:off x="5454336" y="1901554"/>
+            <a:ext cx="1008112" cy="338554"/>
+          </a:xfrm>
+          <a:prstGeom prst="rect">
+            <a:avLst/>
+          </a:prstGeom>
+          <a:noFill/>
+          <a:ln>
+            <a:solidFill>
+              <a:schemeClr val="tx1"/>
+            </a:solidFill>
+          </a:ln>
+        </p:spPr>
+        <p:txBody>
+          <a:bodyPr wrap="square" rtlCol="0">
+            <a:spAutoFit/>
+          </a:bodyPr>
+          <a:lstStyle/>
+          <a:p>
+            <a:pPr algn="ctr"/>
+            <a:r>
+              <a:rPr lang="en-US" altLang="zh-CN" sz="1600" dirty="0" smtClean="0"/>
+              <a:t>model</a:t>
+            </a:r>
+            <a:endParaRPr lang="zh-CN" altLang="en-US" sz="1600" dirty="0"/>
+          </a:p>
+        </p:txBody>
+      </p:sp>
+      <p:sp>
+        <p:nvSpPr>
+          <p:cNvPr id="25" name="TextBox 24"/>
+          <p:cNvSpPr txBox="1"/>
+          <p:nvPr/>
+        </p:nvSpPr>
+        <p:spPr>
+          <a:xfrm>
+            <a:off x="269760" y="701225"/>
+            <a:ext cx="576064" cy="1200329"/>
+          </a:xfrm>
+          <a:prstGeom prst="rect">
+            <a:avLst/>
+          </a:prstGeom>
+          <a:noFill/>
+        </p:spPr>
+        <p:txBody>
+          <a:bodyPr wrap="square" rtlCol="0">
+            <a:spAutoFit/>
+          </a:bodyPr>
+          <a:lstStyle/>
+          <a:p>
+            <a:r>
+              <a:rPr lang="zh-CN" altLang="en-US" dirty="0" smtClean="0"/>
+              <a:t>客户端层</a:t>
+            </a:r>
+            <a:endParaRPr lang="zh-CN" altLang="en-US" dirty="0"/>
+          </a:p>
+        </p:txBody>
+      </p:sp>
+      <p:sp>
+        <p:nvSpPr>
+          <p:cNvPr id="27" name="矩形 26"/>
+          <p:cNvSpPr/>
+          <p:nvPr/>
+        </p:nvSpPr>
+        <p:spPr>
+          <a:xfrm>
+            <a:off x="107504" y="2492896"/>
+            <a:ext cx="720080" cy="1471518"/>
+          </a:xfrm>
+          <a:prstGeom prst="rect">
+            <a:avLst/>
+          </a:prstGeom>
+          <a:solidFill>
+            <a:schemeClr val="tx2">
+              <a:lumMod val="20000"/>
+              <a:lumOff val="80000"/>
+            </a:schemeClr>
+          </a:solidFill>
+          <a:ln>
+            <a:solidFill>
+              <a:schemeClr val="tx2">
+                <a:lumMod val="20000"/>
+                <a:lumOff val="80000"/>
+              </a:schemeClr>
+            </a:solidFill>
+          </a:ln>
+        </p:spPr>
+        <p:style>
+          <a:lnRef idx="2">
+            <a:schemeClr val="accent1">
+              <a:shade val="50000"/>
+            </a:schemeClr>
+          </a:lnRef>
+          <a:fillRef idx="1">
+            <a:schemeClr val="accent1"/>
+          </a:fillRef>
+          <a:effectRef idx="0">
+            <a:schemeClr val="accent1"/>
+          </a:effectRef>
+          <a:fontRef idx="minor">
+            <a:schemeClr val="lt1"/>
+          </a:fontRef>
+        </p:style>
+        <p:txBody>
+          <a:bodyPr rtlCol="0" anchor="ctr"/>
+          <a:lstStyle/>
+          <a:p>
+            <a:pPr algn="ctr"/>
+            <a:endParaRPr lang="zh-CN" altLang="en-US"/>
+          </a:p>
+        </p:txBody>
+      </p:sp>
+      <p:sp>
+        <p:nvSpPr>
+          <p:cNvPr id="28" name="TextBox 27"/>
+          <p:cNvSpPr txBox="1"/>
+          <p:nvPr/>
+        </p:nvSpPr>
+        <p:spPr>
+          <a:xfrm>
+            <a:off x="251520" y="2861465"/>
+            <a:ext cx="576064" cy="923330"/>
+          </a:xfrm>
+          <a:prstGeom prst="rect">
+            <a:avLst/>
+          </a:prstGeom>
+          <a:noFill/>
+        </p:spPr>
+        <p:txBody>
+          <a:bodyPr wrap="square" rtlCol="0">
+            <a:spAutoFit/>
+          </a:bodyPr>
+          <a:lstStyle/>
+          <a:p>
+            <a:r>
+              <a:rPr lang="zh-CN" altLang="en-US" dirty="0" smtClean="0"/>
+              <a:t>传输层</a:t>
+            </a:r>
+            <a:endParaRPr lang="zh-CN" altLang="en-US" dirty="0"/>
+          </a:p>
+        </p:txBody>
+      </p:sp>
+      <p:sp>
+        <p:nvSpPr>
+          <p:cNvPr id="31" name="矩形 30"/>
+          <p:cNvSpPr/>
+          <p:nvPr/>
+        </p:nvSpPr>
+        <p:spPr>
+          <a:xfrm>
+            <a:off x="107504" y="4076932"/>
+            <a:ext cx="738320" cy="1975714"/>
+          </a:xfrm>
+          <a:prstGeom prst="rect">
+            <a:avLst/>
+          </a:prstGeom>
+          <a:solidFill>
+            <a:schemeClr val="tx2">
+              <a:lumMod val="20000"/>
+              <a:lumOff val="80000"/>
+            </a:schemeClr>
+          </a:solidFill>
+          <a:ln>
+            <a:solidFill>
+              <a:schemeClr val="tx2">
+                <a:lumMod val="20000"/>
+                <a:lumOff val="80000"/>
+              </a:schemeClr>
+            </a:solidFill>
+          </a:ln>
+        </p:spPr>
+        <p:style>
+          <a:lnRef idx="2">
+            <a:schemeClr val="accent1">
+              <a:shade val="50000"/>
+            </a:schemeClr>
+          </a:lnRef>
+          <a:fillRef idx="1">
+            <a:schemeClr val="accent1"/>
+          </a:fillRef>
+          <a:effectRef idx="0">
+            <a:schemeClr val="accent1"/>
+          </a:effectRef>
+          <a:fontRef idx="minor">
+            <a:schemeClr val="lt1"/>
+          </a:fontRef>
+        </p:style>
+        <p:txBody>
+          <a:bodyPr rtlCol="0" anchor="ctr"/>
+          <a:lstStyle/>
+          <a:p>
+            <a:pPr algn="ctr"/>
+            <a:endParaRPr lang="zh-CN" altLang="en-US"/>
+          </a:p>
+        </p:txBody>
+      </p:sp>
+      <p:sp>
+        <p:nvSpPr>
+          <p:cNvPr id="32" name="TextBox 31"/>
+          <p:cNvSpPr txBox="1"/>
+          <p:nvPr/>
+        </p:nvSpPr>
+        <p:spPr>
+          <a:xfrm>
+            <a:off x="255168" y="4445501"/>
+            <a:ext cx="590656" cy="1200329"/>
+          </a:xfrm>
+          <a:prstGeom prst="rect">
+            <a:avLst/>
+          </a:prstGeom>
+          <a:noFill/>
+        </p:spPr>
+        <p:txBody>
+          <a:bodyPr wrap="square" rtlCol="0">
+            <a:spAutoFit/>
+          </a:bodyPr>
+          <a:lstStyle/>
+          <a:p>
+            <a:r>
+              <a:rPr lang="zh-CN" altLang="en-US" dirty="0" smtClean="0"/>
+              <a:t>服务器层</a:t>
+            </a:r>
+            <a:endParaRPr lang="zh-CN" altLang="en-US" dirty="0"/>
+          </a:p>
+        </p:txBody>
+      </p:sp>
+      <p:sp>
+        <p:nvSpPr>
+          <p:cNvPr id="34" name="TextBox 33"/>
+          <p:cNvSpPr txBox="1"/>
+          <p:nvPr/>
+        </p:nvSpPr>
+        <p:spPr>
+          <a:xfrm>
+            <a:off x="1492420" y="1901352"/>
+            <a:ext cx="1052312" cy="338554"/>
+          </a:xfrm>
+          <a:prstGeom prst="rect">
+            <a:avLst/>
+          </a:prstGeom>
+          <a:noFill/>
+          <a:ln>
+            <a:solidFill>
+              <a:schemeClr val="tx1"/>
+            </a:solidFill>
+          </a:ln>
+        </p:spPr>
+        <p:txBody>
+          <a:bodyPr wrap="square" rtlCol="0">
+            <a:spAutoFit/>
+          </a:bodyPr>
+          <a:lstStyle/>
+          <a:p>
+            <a:pPr algn="ctr"/>
+            <a:r>
+              <a:rPr lang="en-US" altLang="zh-CN" sz="1600" dirty="0" smtClean="0"/>
+              <a:t>Train info</a:t>
+            </a:r>
+            <a:endParaRPr lang="zh-CN" altLang="en-US" sz="1600" dirty="0"/>
+          </a:p>
+        </p:txBody>
+      </p:sp>
+      <p:sp>
+        <p:nvSpPr>
+          <p:cNvPr id="35" name="TextBox 34"/>
+          <p:cNvSpPr txBox="1"/>
+          <p:nvPr/>
+        </p:nvSpPr>
+        <p:spPr>
+          <a:xfrm>
+            <a:off x="1492420" y="1359500"/>
+            <a:ext cx="1052312" cy="338554"/>
+          </a:xfrm>
+          <a:prstGeom prst="rect">
+            <a:avLst/>
+          </a:prstGeom>
+          <a:noFill/>
+          <a:ln>
+            <a:solidFill>
+              <a:schemeClr val="tx1"/>
+            </a:solidFill>
+          </a:ln>
+        </p:spPr>
+        <p:txBody>
+          <a:bodyPr wrap="square" rtlCol="0">
+            <a:spAutoFit/>
+          </a:bodyPr>
+          <a:lstStyle/>
+          <a:p>
+            <a:pPr algn="ctr"/>
+            <a:r>
+              <a:rPr lang="en-US" altLang="zh-CN" sz="1600" dirty="0" smtClean="0"/>
+              <a:t>res info</a:t>
+            </a:r>
+            <a:endParaRPr lang="zh-CN" altLang="en-US" sz="1600" dirty="0"/>
+          </a:p>
+        </p:txBody>
+      </p:sp>
+      <p:sp>
+        <p:nvSpPr>
+          <p:cNvPr id="39" name="直角上箭头 38"/>
+          <p:cNvSpPr/>
+          <p:nvPr/>
+        </p:nvSpPr>
+        <p:spPr>
+          <a:xfrm rot="10800000" flipH="1">
+            <a:off x="4606844" y="4238702"/>
+            <a:ext cx="483428" cy="504056"/>
+          </a:xfrm>
+          <a:prstGeom prst="bentUpArrow">
+            <a:avLst/>
+          </a:prstGeom>
+          <a:solidFill>
+            <a:schemeClr val="tx2">
+              <a:lumMod val="60000"/>
+              <a:lumOff val="40000"/>
+            </a:schemeClr>
+          </a:solidFill>
+          <a:ln>
+            <a:solidFill>
+              <a:schemeClr val="tx2">
+                <a:lumMod val="20000"/>
+                <a:lumOff val="80000"/>
+              </a:schemeClr>
+            </a:solidFill>
+          </a:ln>
+        </p:spPr>
+        <p:style>
+          <a:lnRef idx="2">
+            <a:schemeClr val="accent1">
+              <a:shade val="50000"/>
+            </a:schemeClr>
+          </a:lnRef>
+          <a:fillRef idx="1">
+            <a:schemeClr val="accent1"/>
+          </a:fillRef>
+          <a:effectRef idx="0">
+            <a:schemeClr val="accent1"/>
+          </a:effectRef>
+          <a:fontRef idx="minor">
+            <a:schemeClr val="lt1"/>
+          </a:fontRef>
+        </p:style>
+        <p:txBody>
+          <a:bodyPr rtlCol="0" anchor="ctr"/>
+          <a:lstStyle/>
+          <a:p>
+            <a:pPr algn="ctr"/>
+            <a:endParaRPr lang="zh-CN" altLang="en-US"/>
+          </a:p>
+        </p:txBody>
+      </p:sp>
+      <p:sp>
+        <p:nvSpPr>
+          <p:cNvPr id="40" name="直角上箭头 39"/>
+          <p:cNvSpPr/>
+          <p:nvPr/>
+        </p:nvSpPr>
+        <p:spPr>
+          <a:xfrm rot="5400000" flipV="1">
+            <a:off x="4876993" y="5344781"/>
+            <a:ext cx="495798" cy="552669"/>
+          </a:xfrm>
+          <a:prstGeom prst="bentUpArrow">
+            <a:avLst/>
+          </a:prstGeom>
+          <a:solidFill>
+            <a:schemeClr val="tx2">
+              <a:lumMod val="60000"/>
+              <a:lumOff val="40000"/>
+            </a:schemeClr>
+          </a:solidFill>
+          <a:ln>
+            <a:solidFill>
+              <a:schemeClr val="tx2">
+                <a:lumMod val="20000"/>
+                <a:lumOff val="80000"/>
+              </a:schemeClr>
+            </a:solidFill>
+          </a:ln>
+        </p:spPr>
+        <p:style>
+          <a:lnRef idx="2">
+            <a:schemeClr val="accent1">
+              <a:shade val="50000"/>
+            </a:schemeClr>
+          </a:lnRef>
+          <a:fillRef idx="1">
+            <a:schemeClr val="accent1"/>
+          </a:fillRef>
+          <a:effectRef idx="0">
+            <a:schemeClr val="accent1"/>
+          </a:effectRef>
+          <a:fontRef idx="minor">
+            <a:schemeClr val="lt1"/>
+          </a:fontRef>
+        </p:style>
+        <p:txBody>
+          <a:bodyPr rtlCol="0" anchor="ctr"/>
+          <a:lstStyle/>
+          <a:p>
+            <a:pPr algn="ctr"/>
+            <a:endParaRPr lang="zh-CN" altLang="en-US"/>
+          </a:p>
+        </p:txBody>
+      </p:sp>
+      <p:sp>
+        <p:nvSpPr>
+          <p:cNvPr id="41" name="直角上箭头 40"/>
+          <p:cNvSpPr/>
+          <p:nvPr/>
+        </p:nvSpPr>
+        <p:spPr>
+          <a:xfrm rot="10800000" flipV="1">
+            <a:off x="2492026" y="5373216"/>
+            <a:ext cx="495798" cy="432048"/>
+          </a:xfrm>
+          <a:prstGeom prst="bentUpArrow">
+            <a:avLst/>
+          </a:prstGeom>
+          <a:solidFill>
+            <a:schemeClr val="tx2">
+              <a:lumMod val="60000"/>
+              <a:lumOff val="40000"/>
+            </a:schemeClr>
+          </a:solidFill>
+          <a:ln>
+            <a:solidFill>
+              <a:schemeClr val="tx2">
+                <a:lumMod val="20000"/>
+                <a:lumOff val="80000"/>
+              </a:schemeClr>
+            </a:solidFill>
+          </a:ln>
+        </p:spPr>
+        <p:style>
+          <a:lnRef idx="2">
+            <a:schemeClr val="accent1">
+              <a:shade val="50000"/>
+            </a:schemeClr>
+          </a:lnRef>
+          <a:fillRef idx="1">
+            <a:schemeClr val="accent1"/>
+          </a:fillRef>
+          <a:effectRef idx="0">
+            <a:schemeClr val="accent1"/>
+          </a:effectRef>
+          <a:fontRef idx="minor">
+            <a:schemeClr val="lt1"/>
+          </a:fontRef>
+        </p:style>
+        <p:txBody>
+          <a:bodyPr rtlCol="0" anchor="ctr"/>
+          <a:lstStyle/>
+          <a:p>
+            <a:pPr algn="ctr"/>
+            <a:endParaRPr lang="zh-CN" altLang="en-US"/>
+          </a:p>
+        </p:txBody>
+      </p:sp>
+      <p:sp>
+        <p:nvSpPr>
+          <p:cNvPr id="42" name="直角上箭头 41"/>
+          <p:cNvSpPr/>
+          <p:nvPr/>
+        </p:nvSpPr>
+        <p:spPr>
+          <a:xfrm rot="16200000" flipV="1">
+            <a:off x="2592268" y="4221547"/>
+            <a:ext cx="535932" cy="506492"/>
+          </a:xfrm>
+          <a:prstGeom prst="bentUpArrow">
+            <a:avLst/>
+          </a:prstGeom>
+          <a:solidFill>
+            <a:schemeClr val="tx2">
+              <a:lumMod val="60000"/>
+              <a:lumOff val="40000"/>
+            </a:schemeClr>
+          </a:solidFill>
+          <a:ln>
+            <a:solidFill>
+              <a:schemeClr val="tx2">
+                <a:lumMod val="20000"/>
+                <a:lumOff val="80000"/>
+              </a:schemeClr>
+            </a:solidFill>
+          </a:ln>
+        </p:spPr>
+        <p:style>
+          <a:lnRef idx="2">
+            <a:schemeClr val="accent1">
+              <a:shade val="50000"/>
+            </a:schemeClr>
+          </a:lnRef>
+          <a:fillRef idx="1">
+            <a:schemeClr val="accent1"/>
+          </a:fillRef>
+          <a:effectRef idx="0">
+            <a:schemeClr val="accent1"/>
+          </a:effectRef>
+          <a:fontRef idx="minor">
+            <a:schemeClr val="lt1"/>
+          </a:fontRef>
+        </p:style>
+        <p:txBody>
+          <a:bodyPr rtlCol="0" anchor="ctr"/>
+          <a:lstStyle/>
+          <a:p>
+            <a:pPr algn="ctr"/>
+            <a:endParaRPr lang="zh-CN" altLang="en-US"/>
+          </a:p>
+        </p:txBody>
+      </p:sp>
+      <p:sp>
+        <p:nvSpPr>
+          <p:cNvPr id="44" name="下箭头 43"/>
+          <p:cNvSpPr/>
+          <p:nvPr/>
+        </p:nvSpPr>
+        <p:spPr>
+          <a:xfrm>
+            <a:off x="5652120" y="2348880"/>
+            <a:ext cx="648072" cy="2125913"/>
+          </a:xfrm>
+          <a:prstGeom prst="downArrow">
+            <a:avLst/>
+          </a:prstGeom>
+          <a:solidFill>
+            <a:schemeClr val="accent1">
+              <a:lumMod val="40000"/>
+              <a:lumOff val="60000"/>
+            </a:schemeClr>
+          </a:solidFill>
+          <a:ln>
+            <a:prstDash val="sysDot"/>
+          </a:ln>
+        </p:spPr>
+        <p:style>
+          <a:lnRef idx="2">
+            <a:schemeClr val="accent1">
+              <a:shade val="50000"/>
+            </a:schemeClr>
+          </a:lnRef>
+          <a:fillRef idx="1">
+            <a:schemeClr val="accent1"/>
+          </a:fillRef>
+          <a:effectRef idx="0">
+            <a:schemeClr val="accent1"/>
+          </a:effectRef>
+          <a:fontRef idx="minor">
+            <a:schemeClr val="lt1"/>
+          </a:fontRef>
+        </p:style>
+        <p:txBody>
+          <a:bodyPr rtlCol="0" anchor="ctr"/>
+          <a:lstStyle/>
+          <a:p>
+            <a:pPr algn="ctr"/>
+            <a:endParaRPr lang="zh-CN" altLang="en-US"/>
+          </a:p>
+        </p:txBody>
+      </p:sp>
+      <p:sp>
+        <p:nvSpPr>
+          <p:cNvPr id="45" name="下箭头 44"/>
+          <p:cNvSpPr/>
+          <p:nvPr/>
+        </p:nvSpPr>
+        <p:spPr>
+          <a:xfrm rot="10800000">
+            <a:off x="1319028" y="2384335"/>
+            <a:ext cx="648072" cy="2125913"/>
+          </a:xfrm>
+          <a:prstGeom prst="downArrow">
+            <a:avLst/>
+          </a:prstGeom>
+          <a:solidFill>
+            <a:schemeClr val="accent1">
+              <a:lumMod val="40000"/>
+              <a:lumOff val="60000"/>
+            </a:schemeClr>
+          </a:solidFill>
+          <a:ln>
+            <a:prstDash val="sysDot"/>
+          </a:ln>
+        </p:spPr>
+        <p:style>
+          <a:lnRef idx="2">
+            <a:schemeClr val="accent1">
+              <a:shade val="50000"/>
+            </a:schemeClr>
+          </a:lnRef>
+          <a:fillRef idx="1">
+            <a:schemeClr val="accent1"/>
+          </a:fillRef>
+          <a:effectRef idx="0">
+            <a:schemeClr val="accent1"/>
+          </a:effectRef>
+          <a:fontRef idx="minor">
+            <a:schemeClr val="lt1"/>
+          </a:fontRef>
+        </p:style>
+        <p:txBody>
+          <a:bodyPr rtlCol="0" anchor="ctr"/>
+          <a:lstStyle/>
+          <a:p>
+            <a:pPr algn="ctr"/>
+            <a:endParaRPr lang="zh-CN" altLang="en-US"/>
+          </a:p>
+        </p:txBody>
+      </p:sp>
+      <p:sp>
+        <p:nvSpPr>
+          <p:cNvPr id="46" name="TextBox 45"/>
+          <p:cNvSpPr txBox="1"/>
+          <p:nvPr/>
+        </p:nvSpPr>
+        <p:spPr>
+          <a:xfrm>
+            <a:off x="7362008" y="3523074"/>
+            <a:ext cx="936104" cy="369332"/>
+          </a:xfrm>
+          <a:prstGeom prst="rect">
+            <a:avLst/>
+          </a:prstGeom>
+          <a:noFill/>
+        </p:spPr>
+        <p:txBody>
+          <a:bodyPr wrap="square" rtlCol="0">
+            <a:spAutoFit/>
+          </a:bodyPr>
+          <a:lstStyle/>
+          <a:p>
+            <a:r>
+              <a:rPr lang="zh-CN" altLang="en-US" dirty="0"/>
+              <a:t>数据层</a:t>
+            </a:r>
+          </a:p>
+        </p:txBody>
+      </p:sp>
+      <p:sp>
+        <p:nvSpPr>
+          <p:cNvPr id="49" name="TextBox 48"/>
+          <p:cNvSpPr txBox="1"/>
+          <p:nvPr/>
+        </p:nvSpPr>
+        <p:spPr>
+          <a:xfrm>
+            <a:off x="7452320" y="4141362"/>
+            <a:ext cx="1080120" cy="369332"/>
+          </a:xfrm>
+          <a:prstGeom prst="rect">
+            <a:avLst/>
+          </a:prstGeom>
+          <a:noFill/>
+        </p:spPr>
+        <p:txBody>
+          <a:bodyPr wrap="square" rtlCol="0">
+            <a:spAutoFit/>
+          </a:bodyPr>
+          <a:lstStyle/>
+          <a:p>
+            <a:r>
+              <a:rPr lang="zh-CN" altLang="en-US" dirty="0" smtClean="0"/>
+              <a:t>数据库</a:t>
+            </a:r>
+            <a:endParaRPr lang="zh-CN" altLang="en-US" dirty="0"/>
+          </a:p>
+        </p:txBody>
+      </p:sp>
+      <p:sp>
+        <p:nvSpPr>
+          <p:cNvPr id="50" name="TextBox 49"/>
+          <p:cNvSpPr txBox="1"/>
+          <p:nvPr/>
+        </p:nvSpPr>
+        <p:spPr>
+          <a:xfrm>
+            <a:off x="7079760" y="4676943"/>
+            <a:ext cx="360040" cy="1200329"/>
+          </a:xfrm>
+          <a:prstGeom prst="rect">
+            <a:avLst/>
+          </a:prstGeom>
+          <a:noFill/>
+          <a:ln>
+            <a:solidFill>
+              <a:schemeClr val="tx1"/>
+            </a:solidFill>
+          </a:ln>
+        </p:spPr>
+        <p:txBody>
+          <a:bodyPr wrap="square" rtlCol="0">
+            <a:spAutoFit/>
+          </a:bodyPr>
+          <a:lstStyle/>
+          <a:p>
+            <a:pPr algn="ctr"/>
+            <a:r>
+              <a:rPr lang="zh-CN" altLang="en-US" dirty="0" smtClean="0"/>
+              <a:t>用户信息</a:t>
+            </a:r>
+            <a:endParaRPr lang="zh-CN" altLang="en-US" dirty="0"/>
+          </a:p>
+        </p:txBody>
+      </p:sp>
+      <p:sp>
+        <p:nvSpPr>
+          <p:cNvPr id="51" name="TextBox 50"/>
+          <p:cNvSpPr txBox="1"/>
+          <p:nvPr/>
+        </p:nvSpPr>
+        <p:spPr>
+          <a:xfrm>
+            <a:off x="7709528" y="4668686"/>
+            <a:ext cx="360040" cy="1200329"/>
+          </a:xfrm>
+          <a:prstGeom prst="rect">
+            <a:avLst/>
+          </a:prstGeom>
+          <a:noFill/>
+          <a:ln>
+            <a:solidFill>
+              <a:schemeClr val="tx1"/>
+            </a:solidFill>
+          </a:ln>
+        </p:spPr>
+        <p:txBody>
+          <a:bodyPr wrap="square" rtlCol="0">
+            <a:spAutoFit/>
+          </a:bodyPr>
+          <a:lstStyle/>
+          <a:p>
+            <a:pPr algn="ctr"/>
+            <a:r>
+              <a:rPr lang="zh-CN" altLang="en-US" dirty="0" smtClean="0"/>
+              <a:t>模型配置</a:t>
+            </a:r>
+            <a:endParaRPr lang="zh-CN" altLang="en-US" dirty="0"/>
+          </a:p>
+        </p:txBody>
+      </p:sp>
+      <p:sp>
+        <p:nvSpPr>
+          <p:cNvPr id="52" name="TextBox 51"/>
+          <p:cNvSpPr txBox="1"/>
+          <p:nvPr/>
+        </p:nvSpPr>
+        <p:spPr>
+          <a:xfrm>
+            <a:off x="8298112" y="4676942"/>
+            <a:ext cx="360040" cy="1200329"/>
+          </a:xfrm>
+          <a:prstGeom prst="rect">
+            <a:avLst/>
+          </a:prstGeom>
+          <a:noFill/>
+          <a:ln>
+            <a:solidFill>
+              <a:schemeClr val="tx1"/>
+            </a:solidFill>
+          </a:ln>
+        </p:spPr>
+        <p:txBody>
+          <a:bodyPr wrap="square" rtlCol="0">
+            <a:spAutoFit/>
+          </a:bodyPr>
+          <a:lstStyle/>
+          <a:p>
+            <a:pPr algn="ctr"/>
+            <a:r>
+              <a:rPr lang="zh-CN" altLang="en-US" dirty="0" smtClean="0"/>
+              <a:t>训练日志</a:t>
+            </a:r>
+            <a:endParaRPr lang="zh-CN" altLang="en-US" dirty="0"/>
+          </a:p>
+        </p:txBody>
+      </p:sp>
+      <p:sp>
+        <p:nvSpPr>
+          <p:cNvPr id="54" name="右箭头 53"/>
+          <p:cNvSpPr/>
+          <p:nvPr/>
+        </p:nvSpPr>
+        <p:spPr>
+          <a:xfrm>
+            <a:off x="6084168" y="4953332"/>
+            <a:ext cx="720080" cy="184666"/>
+          </a:xfrm>
+          <a:prstGeom prst="rightArrow">
+            <a:avLst/>
+          </a:prstGeom>
+          <a:solidFill>
+            <a:schemeClr val="tx2">
+              <a:lumMod val="20000"/>
+              <a:lumOff val="80000"/>
+            </a:schemeClr>
+          </a:solidFill>
+          <a:ln>
+            <a:solidFill>
+              <a:schemeClr val="tx2">
+                <a:lumMod val="40000"/>
+                <a:lumOff val="60000"/>
+              </a:schemeClr>
+            </a:solidFill>
+          </a:ln>
+        </p:spPr>
+        <p:style>
+          <a:lnRef idx="2">
+            <a:schemeClr val="accent1">
+              <a:shade val="50000"/>
+            </a:schemeClr>
+          </a:lnRef>
+          <a:fillRef idx="1">
+            <a:schemeClr val="accent1"/>
+          </a:fillRef>
+          <a:effectRef idx="0">
+            <a:schemeClr val="accent1"/>
+          </a:effectRef>
+          <a:fontRef idx="minor">
+            <a:schemeClr val="lt1"/>
+          </a:fontRef>
+        </p:style>
+        <p:txBody>
+          <a:bodyPr rtlCol="0" anchor="ctr"/>
+          <a:lstStyle/>
+          <a:p>
+            <a:pPr algn="ctr"/>
+            <a:endParaRPr lang="zh-CN" altLang="en-US"/>
+          </a:p>
+        </p:txBody>
+      </p:sp>
+      <p:sp>
+        <p:nvSpPr>
+          <p:cNvPr id="55" name="TextBox 54"/>
+          <p:cNvSpPr txBox="1"/>
+          <p:nvPr/>
+        </p:nvSpPr>
+        <p:spPr>
+          <a:xfrm>
+            <a:off x="1475656" y="2852936"/>
+            <a:ext cx="324037" cy="954107"/>
+          </a:xfrm>
+          <a:prstGeom prst="rect">
+            <a:avLst/>
+          </a:prstGeom>
+          <a:noFill/>
+        </p:spPr>
+        <p:txBody>
+          <a:bodyPr wrap="square" rtlCol="0">
+            <a:spAutoFit/>
+          </a:bodyPr>
+          <a:lstStyle/>
+          <a:p>
+            <a:r>
+              <a:rPr lang="zh-CN" altLang="en-US" sz="1400" dirty="0" smtClean="0"/>
+              <a:t>训练信息</a:t>
+            </a:r>
+            <a:endParaRPr lang="zh-CN" altLang="en-US" sz="1400" dirty="0"/>
+          </a:p>
+        </p:txBody>
+      </p:sp>
+      <p:sp>
+        <p:nvSpPr>
+          <p:cNvPr id="56" name="TextBox 55"/>
+          <p:cNvSpPr txBox="1"/>
+          <p:nvPr/>
+        </p:nvSpPr>
+        <p:spPr>
+          <a:xfrm>
+            <a:off x="5814137" y="2852936"/>
+            <a:ext cx="324037" cy="954107"/>
+          </a:xfrm>
+          <a:prstGeom prst="rect">
+            <a:avLst/>
+          </a:prstGeom>
+          <a:noFill/>
+        </p:spPr>
+        <p:txBody>
+          <a:bodyPr wrap="square" rtlCol="0">
+            <a:spAutoFit/>
+          </a:bodyPr>
+          <a:lstStyle/>
+          <a:p>
+            <a:r>
+              <a:rPr lang="zh-CN" altLang="en-US" sz="1400" dirty="0" smtClean="0"/>
+              <a:t>模型配置</a:t>
+            </a:r>
+            <a:endParaRPr lang="zh-CN" altLang="en-US" sz="1400" dirty="0"/>
+          </a:p>
+        </p:txBody>
+      </p:sp>
+      <p:sp>
+        <p:nvSpPr>
+          <p:cNvPr id="59" name="上下箭头 58"/>
+          <p:cNvSpPr/>
+          <p:nvPr/>
+        </p:nvSpPr>
+        <p:spPr>
+          <a:xfrm>
+            <a:off x="3755832" y="929882"/>
+            <a:ext cx="180020" cy="371507"/>
+          </a:xfrm>
+          <a:prstGeom prst="upDownArrow">
+            <a:avLst/>
+          </a:prstGeom>
+          <a:solidFill>
+            <a:schemeClr val="accent1">
+              <a:lumMod val="40000"/>
+              <a:lumOff val="60000"/>
+            </a:schemeClr>
+          </a:solidFill>
+          <a:ln>
+            <a:solidFill>
+              <a:schemeClr val="tx2">
+                <a:lumMod val="40000"/>
+                <a:lumOff val="60000"/>
+              </a:schemeClr>
+            </a:solidFill>
+          </a:ln>
+        </p:spPr>
+        <p:style>
+          <a:lnRef idx="2">
+            <a:schemeClr val="accent1">
+              <a:shade val="50000"/>
+            </a:schemeClr>
+          </a:lnRef>
+          <a:fillRef idx="1">
+            <a:schemeClr val="accent1"/>
+          </a:fillRef>
+          <a:effectRef idx="0">
+            <a:schemeClr val="accent1"/>
+          </a:effectRef>
+          <a:fontRef idx="minor">
+            <a:schemeClr val="lt1"/>
+          </a:fontRef>
+        </p:style>
+        <p:txBody>
+          <a:bodyPr rtlCol="0" anchor="ctr"/>
+          <a:lstStyle/>
+          <a:p>
+            <a:pPr algn="ctr"/>
+            <a:endParaRPr lang="zh-CN" altLang="en-US"/>
+          </a:p>
+        </p:txBody>
+      </p:sp>
+      <p:sp>
+        <p:nvSpPr>
+          <p:cNvPr id="60" name="上下箭头 59"/>
+          <p:cNvSpPr/>
+          <p:nvPr/>
+        </p:nvSpPr>
+        <p:spPr>
+          <a:xfrm>
+            <a:off x="3796754" y="2305292"/>
+            <a:ext cx="180020" cy="371507"/>
+          </a:xfrm>
+          <a:prstGeom prst="upDownArrow">
+            <a:avLst/>
+          </a:prstGeom>
+          <a:solidFill>
+            <a:schemeClr val="accent1">
+              <a:lumMod val="40000"/>
+              <a:lumOff val="60000"/>
+            </a:schemeClr>
+          </a:solidFill>
+          <a:ln>
+            <a:solidFill>
+              <a:schemeClr val="tx2">
+                <a:lumMod val="40000"/>
+                <a:lumOff val="60000"/>
+              </a:schemeClr>
+            </a:solidFill>
+          </a:ln>
+        </p:spPr>
+        <p:style>
+          <a:lnRef idx="2">
+            <a:schemeClr val="accent1">
+              <a:shade val="50000"/>
+            </a:schemeClr>
+          </a:lnRef>
+          <a:fillRef idx="1">
+            <a:schemeClr val="accent1"/>
+          </a:fillRef>
+          <a:effectRef idx="0">
+            <a:schemeClr val="accent1"/>
+          </a:effectRef>
+          <a:fontRef idx="minor">
+            <a:schemeClr val="lt1"/>
+          </a:fontRef>
+        </p:style>
+        <p:txBody>
+          <a:bodyPr rtlCol="0" anchor="ctr"/>
+          <a:lstStyle/>
+          <a:p>
+            <a:pPr algn="ctr"/>
+            <a:endParaRPr lang="zh-CN" altLang="en-US"/>
+          </a:p>
+        </p:txBody>
+      </p:sp>
+      <p:sp>
+        <p:nvSpPr>
+          <p:cNvPr id="61" name="上下箭头 60"/>
+          <p:cNvSpPr/>
+          <p:nvPr/>
+        </p:nvSpPr>
+        <p:spPr>
+          <a:xfrm>
+            <a:off x="3769134" y="3062080"/>
+            <a:ext cx="180020" cy="371507"/>
+          </a:xfrm>
+          <a:prstGeom prst="upDownArrow">
+            <a:avLst/>
+          </a:prstGeom>
+          <a:solidFill>
+            <a:schemeClr val="accent1">
+              <a:lumMod val="40000"/>
+              <a:lumOff val="60000"/>
+            </a:schemeClr>
+          </a:solidFill>
+          <a:ln>
+            <a:solidFill>
+              <a:schemeClr val="tx2">
+                <a:lumMod val="40000"/>
+                <a:lumOff val="60000"/>
+              </a:schemeClr>
+            </a:solidFill>
+          </a:ln>
+        </p:spPr>
+        <p:style>
+          <a:lnRef idx="2">
+            <a:schemeClr val="accent1">
+              <a:shade val="50000"/>
+            </a:schemeClr>
+          </a:lnRef>
+          <a:fillRef idx="1">
+            <a:schemeClr val="accent1"/>
+          </a:fillRef>
+          <a:effectRef idx="0">
+            <a:schemeClr val="accent1"/>
+          </a:effectRef>
+          <a:fontRef idx="minor">
+            <a:schemeClr val="lt1"/>
+          </a:fontRef>
+        </p:style>
+        <p:txBody>
+          <a:bodyPr rtlCol="0" anchor="ctr"/>
+          <a:lstStyle/>
+          <a:p>
+            <a:pPr algn="ctr"/>
+            <a:endParaRPr lang="zh-CN" altLang="en-US"/>
+          </a:p>
+        </p:txBody>
+      </p:sp>
+      <p:sp>
+        <p:nvSpPr>
+          <p:cNvPr id="62" name="上下箭头 61"/>
+          <p:cNvSpPr/>
+          <p:nvPr/>
+        </p:nvSpPr>
+        <p:spPr>
+          <a:xfrm>
+            <a:off x="3769134" y="3739030"/>
+            <a:ext cx="180020" cy="371507"/>
+          </a:xfrm>
+          <a:prstGeom prst="upDownArrow">
+            <a:avLst/>
+          </a:prstGeom>
+          <a:solidFill>
+            <a:schemeClr val="accent1">
+              <a:lumMod val="40000"/>
+              <a:lumOff val="60000"/>
+            </a:schemeClr>
+          </a:solidFill>
+          <a:ln>
+            <a:solidFill>
+              <a:schemeClr val="tx2">
+                <a:lumMod val="40000"/>
+                <a:lumOff val="60000"/>
+              </a:schemeClr>
+            </a:solidFill>
+          </a:ln>
+        </p:spPr>
+        <p:style>
+          <a:lnRef idx="2">
+            <a:schemeClr val="accent1">
+              <a:shade val="50000"/>
+            </a:schemeClr>
+          </a:lnRef>
+          <a:fillRef idx="1">
+            <a:schemeClr val="accent1"/>
+          </a:fillRef>
+          <a:effectRef idx="0">
+            <a:schemeClr val="accent1"/>
+          </a:effectRef>
+          <a:fontRef idx="minor">
+            <a:schemeClr val="lt1"/>
+          </a:fontRef>
+        </p:style>
+        <p:txBody>
+          <a:bodyPr rtlCol="0" anchor="ctr"/>
+          <a:lstStyle/>
+          <a:p>
+            <a:pPr algn="ctr"/>
+            <a:endParaRPr lang="zh-CN" altLang="en-US"/>
+          </a:p>
+        </p:txBody>
+      </p:sp>
+    </p:spTree>
+    <p:extLst>
+      <p:ext uri="{BB962C8B-B14F-4D97-AF65-F5344CB8AC3E}">
+        <p14:creationId xmlns:p14="http://schemas.microsoft.com/office/powerpoint/2010/main" val="2625770828"/>
+      </p:ext>
+    </p:extLst>
+  </p:cSld>
+  <p:clrMapOvr>
+    <a:masterClrMapping/>
+  </p:clrMapOvr>
+</p:sld>
+</file>
+
+<file path=ppt/slides/slide6.xml><?xml version="1.0" encoding="utf-8"?>
+<p:sld xmlns:a="http://schemas.openxmlformats.org/drawingml/2006/main" xmlns:r="http://schemas.openxmlformats.org/officeDocument/2006/relationships" xmlns:p="http://schemas.openxmlformats.org/presentationml/2006/main">
+  <p:cSld>
+    <p:spTree>
+      <p:nvGrpSpPr>
+        <p:cNvPr id="1" name=""/>
+        <p:cNvGrpSpPr/>
+        <p:nvPr/>
+      </p:nvGrpSpPr>
+      <p:grpSpPr>
+        <a:xfrm>
+          <a:off x="0" y="0"/>
+          <a:ext cx="0" cy="0"/>
+          <a:chOff x="0" y="0"/>
+          <a:chExt cx="0" cy="0"/>
+        </a:xfrm>
+      </p:grpSpPr>
+      <p:sp>
+        <p:nvSpPr>
+          <p:cNvPr id="6" name="圆角矩形 5"/>
+          <p:cNvSpPr/>
+          <p:nvPr/>
+        </p:nvSpPr>
+        <p:spPr>
+          <a:xfrm>
+            <a:off x="2844265" y="476672"/>
+            <a:ext cx="1152128" cy="513348"/>
+          </a:xfrm>
+          <a:prstGeom prst="roundRect">
+            <a:avLst/>
+          </a:prstGeom>
+          <a:solidFill>
+            <a:schemeClr val="bg1"/>
+          </a:solidFill>
+          <a:ln>
+            <a:solidFill>
+              <a:schemeClr val="tx1"/>
+            </a:solidFill>
+          </a:ln>
+        </p:spPr>
+        <p:style>
+          <a:lnRef idx="2">
+            <a:schemeClr val="accent1">
+              <a:shade val="50000"/>
+            </a:schemeClr>
+          </a:lnRef>
+          <a:fillRef idx="1">
+            <a:schemeClr val="accent1"/>
+          </a:fillRef>
+          <a:effectRef idx="0">
+            <a:schemeClr val="accent1"/>
+          </a:effectRef>
+          <a:fontRef idx="minor">
+            <a:schemeClr val="lt1"/>
+          </a:fontRef>
+        </p:style>
+        <p:txBody>
+          <a:bodyPr rtlCol="0" anchor="ctr"/>
+          <a:lstStyle/>
+          <a:p>
+            <a:pPr algn="ctr"/>
+            <a:endParaRPr lang="zh-CN" altLang="en-US"/>
+          </a:p>
+        </p:txBody>
+      </p:sp>
+      <p:sp>
+        <p:nvSpPr>
+          <p:cNvPr id="5" name="TextBox 4"/>
+          <p:cNvSpPr txBox="1"/>
+          <p:nvPr/>
+        </p:nvSpPr>
+        <p:spPr>
+          <a:xfrm>
+            <a:off x="3096293" y="548680"/>
+            <a:ext cx="828092" cy="369332"/>
+          </a:xfrm>
+          <a:prstGeom prst="rect">
+            <a:avLst/>
+          </a:prstGeom>
+          <a:noFill/>
+          <a:ln>
+            <a:solidFill>
+              <a:schemeClr val="bg1"/>
+            </a:solidFill>
+          </a:ln>
+        </p:spPr>
+        <p:txBody>
+          <a:bodyPr wrap="square" rtlCol="0">
+            <a:spAutoFit/>
+          </a:bodyPr>
+          <a:lstStyle/>
+          <a:p>
+            <a:r>
+              <a:rPr lang="zh-CN" altLang="en-US" dirty="0"/>
+              <a:t>开始</a:t>
+            </a:r>
+          </a:p>
+        </p:txBody>
+      </p:sp>
+      <p:sp>
+        <p:nvSpPr>
+          <p:cNvPr id="7" name="TextBox 6"/>
+          <p:cNvSpPr txBox="1"/>
+          <p:nvPr/>
+        </p:nvSpPr>
+        <p:spPr>
+          <a:xfrm>
+            <a:off x="3851920" y="2288422"/>
+            <a:ext cx="2016224" cy="369332"/>
+          </a:xfrm>
+          <a:prstGeom prst="rect">
+            <a:avLst/>
+          </a:prstGeom>
+          <a:noFill/>
+          <a:ln w="28575">
+            <a:solidFill>
+              <a:schemeClr val="tx1"/>
+            </a:solidFill>
+          </a:ln>
+        </p:spPr>
+        <p:txBody>
+          <a:bodyPr wrap="square" rtlCol="0">
+            <a:spAutoFit/>
+          </a:bodyPr>
+          <a:lstStyle/>
+          <a:p>
+            <a:r>
+              <a:rPr lang="zh-CN" altLang="en-US" dirty="0" smtClean="0"/>
+              <a:t>点击“上传文件”</a:t>
+            </a:r>
+            <a:endParaRPr lang="zh-CN" altLang="en-US" dirty="0"/>
+          </a:p>
+        </p:txBody>
+      </p:sp>
+      <p:sp>
+        <p:nvSpPr>
+          <p:cNvPr id="8" name="TextBox 7"/>
+          <p:cNvSpPr txBox="1"/>
+          <p:nvPr/>
+        </p:nvSpPr>
+        <p:spPr>
+          <a:xfrm>
+            <a:off x="1039165" y="2288422"/>
+            <a:ext cx="2016224" cy="369332"/>
+          </a:xfrm>
+          <a:prstGeom prst="rect">
+            <a:avLst/>
+          </a:prstGeom>
+          <a:noFill/>
+          <a:ln w="28575">
+            <a:solidFill>
+              <a:schemeClr val="tx1"/>
+            </a:solidFill>
+          </a:ln>
+        </p:spPr>
+        <p:txBody>
+          <a:bodyPr wrap="square" rtlCol="0">
+            <a:spAutoFit/>
+          </a:bodyPr>
+          <a:lstStyle/>
+          <a:p>
+            <a:r>
+              <a:rPr lang="zh-CN" altLang="en-US" dirty="0" smtClean="0"/>
+              <a:t>点击“开始训练”</a:t>
+            </a:r>
+            <a:endParaRPr lang="zh-CN" altLang="en-US" dirty="0"/>
+          </a:p>
+        </p:txBody>
+      </p:sp>
+      <p:sp>
+        <p:nvSpPr>
+          <p:cNvPr id="9" name="TextBox 8"/>
+          <p:cNvSpPr txBox="1"/>
+          <p:nvPr/>
+        </p:nvSpPr>
+        <p:spPr>
+          <a:xfrm>
+            <a:off x="2861350" y="1484784"/>
+            <a:ext cx="1117957" cy="369332"/>
+          </a:xfrm>
+          <a:prstGeom prst="rect">
+            <a:avLst/>
+          </a:prstGeom>
+          <a:noFill/>
+          <a:ln w="28575">
+            <a:solidFill>
+              <a:schemeClr val="tx1"/>
+            </a:solidFill>
+          </a:ln>
+        </p:spPr>
+        <p:txBody>
+          <a:bodyPr wrap="square" rtlCol="0">
+            <a:spAutoFit/>
+          </a:bodyPr>
+          <a:lstStyle/>
+          <a:p>
+            <a:r>
+              <a:rPr lang="zh-CN" altLang="en-US" dirty="0" smtClean="0"/>
+              <a:t>访问网页</a:t>
+            </a:r>
+            <a:endParaRPr lang="zh-CN" altLang="en-US" dirty="0"/>
+          </a:p>
+        </p:txBody>
+      </p:sp>
+      <p:sp>
+        <p:nvSpPr>
+          <p:cNvPr id="10" name="TextBox 9"/>
+          <p:cNvSpPr txBox="1"/>
+          <p:nvPr/>
+        </p:nvSpPr>
+        <p:spPr>
+          <a:xfrm>
+            <a:off x="4535079" y="1484784"/>
+            <a:ext cx="1693105" cy="369332"/>
+          </a:xfrm>
+          <a:prstGeom prst="rect">
+            <a:avLst/>
+          </a:prstGeom>
+          <a:noFill/>
+          <a:ln w="28575">
+            <a:solidFill>
+              <a:schemeClr val="tx1"/>
+            </a:solidFill>
+          </a:ln>
+        </p:spPr>
+        <p:txBody>
+          <a:bodyPr wrap="square" rtlCol="0">
+            <a:spAutoFit/>
+          </a:bodyPr>
+          <a:lstStyle/>
+          <a:p>
+            <a:r>
+              <a:rPr lang="zh-CN" altLang="en-US" dirty="0" smtClean="0"/>
+              <a:t>返回</a:t>
+            </a:r>
+            <a:r>
+              <a:rPr lang="en-US" altLang="zh-CN" dirty="0" smtClean="0"/>
+              <a:t>home.html</a:t>
+            </a:r>
+            <a:endParaRPr lang="zh-CN" altLang="en-US" dirty="0"/>
+          </a:p>
+        </p:txBody>
+      </p:sp>
+      <p:sp>
+        <p:nvSpPr>
+          <p:cNvPr id="11" name="圆角矩形 10"/>
+          <p:cNvSpPr/>
+          <p:nvPr/>
+        </p:nvSpPr>
+        <p:spPr>
+          <a:xfrm>
+            <a:off x="7020272" y="1412776"/>
+            <a:ext cx="1152128" cy="513348"/>
+          </a:xfrm>
+          <a:prstGeom prst="roundRect">
+            <a:avLst/>
+          </a:prstGeom>
+          <a:solidFill>
+            <a:schemeClr val="bg1"/>
+          </a:solidFill>
+          <a:ln>
+            <a:solidFill>
+              <a:schemeClr val="tx1"/>
+            </a:solidFill>
+          </a:ln>
+        </p:spPr>
+        <p:style>
+          <a:lnRef idx="2">
+            <a:schemeClr val="accent1">
+              <a:shade val="50000"/>
+            </a:schemeClr>
+          </a:lnRef>
+          <a:fillRef idx="1">
+            <a:schemeClr val="accent1"/>
+          </a:fillRef>
+          <a:effectRef idx="0">
+            <a:schemeClr val="accent1"/>
+          </a:effectRef>
+          <a:fontRef idx="minor">
+            <a:schemeClr val="lt1"/>
+          </a:fontRef>
+        </p:style>
+        <p:txBody>
+          <a:bodyPr rtlCol="0" anchor="ctr"/>
+          <a:lstStyle/>
+          <a:p>
+            <a:pPr algn="ctr"/>
+            <a:endParaRPr lang="zh-CN" altLang="en-US"/>
+          </a:p>
+        </p:txBody>
+      </p:sp>
+      <p:sp>
+        <p:nvSpPr>
+          <p:cNvPr id="12" name="TextBox 11"/>
+          <p:cNvSpPr txBox="1"/>
+          <p:nvPr/>
+        </p:nvSpPr>
+        <p:spPr>
+          <a:xfrm>
+            <a:off x="7272300" y="1484784"/>
+            <a:ext cx="828092" cy="369332"/>
+          </a:xfrm>
+          <a:prstGeom prst="rect">
+            <a:avLst/>
+          </a:prstGeom>
+          <a:noFill/>
+          <a:ln>
+            <a:solidFill>
+              <a:schemeClr val="bg1"/>
+            </a:solidFill>
+          </a:ln>
+        </p:spPr>
+        <p:txBody>
+          <a:bodyPr wrap="square" rtlCol="0">
+            <a:spAutoFit/>
+          </a:bodyPr>
+          <a:lstStyle/>
+          <a:p>
+            <a:r>
+              <a:rPr lang="zh-CN" altLang="en-US" dirty="0"/>
+              <a:t>结束</a:t>
+            </a:r>
+          </a:p>
+        </p:txBody>
+      </p:sp>
+      <p:sp>
+        <p:nvSpPr>
+          <p:cNvPr id="13" name="TextBox 12"/>
+          <p:cNvSpPr txBox="1"/>
+          <p:nvPr/>
+        </p:nvSpPr>
+        <p:spPr>
+          <a:xfrm>
+            <a:off x="3851920" y="3068960"/>
+            <a:ext cx="2016224" cy="646331"/>
+          </a:xfrm>
+          <a:prstGeom prst="rect">
+            <a:avLst/>
+          </a:prstGeom>
+          <a:noFill/>
+          <a:ln w="28575">
+            <a:solidFill>
+              <a:schemeClr val="tx1"/>
+            </a:solidFill>
+          </a:ln>
+        </p:spPr>
+        <p:txBody>
+          <a:bodyPr wrap="square" rtlCol="0">
+            <a:spAutoFit/>
+          </a:bodyPr>
+          <a:lstStyle/>
+          <a:p>
+            <a:r>
+              <a:rPr lang="zh-CN" altLang="en-US" dirty="0" smtClean="0"/>
+              <a:t>接收用户上传文件，存放到特定路径</a:t>
+            </a:r>
+            <a:endParaRPr lang="zh-CN" altLang="en-US" dirty="0"/>
+          </a:p>
+        </p:txBody>
+      </p:sp>
+      <p:sp>
+        <p:nvSpPr>
+          <p:cNvPr id="14" name="TextBox 13"/>
+          <p:cNvSpPr txBox="1"/>
+          <p:nvPr/>
+        </p:nvSpPr>
+        <p:spPr>
+          <a:xfrm>
+            <a:off x="1039165" y="2985919"/>
+            <a:ext cx="2016224" cy="646331"/>
+          </a:xfrm>
+          <a:prstGeom prst="rect">
+            <a:avLst/>
+          </a:prstGeom>
+          <a:noFill/>
+          <a:ln w="28575">
+            <a:solidFill>
+              <a:schemeClr val="tx1"/>
+            </a:solidFill>
+          </a:ln>
+        </p:spPr>
+        <p:txBody>
+          <a:bodyPr wrap="square" rtlCol="0">
+            <a:spAutoFit/>
+          </a:bodyPr>
+          <a:lstStyle/>
+          <a:p>
+            <a:r>
+              <a:rPr lang="zh-CN" altLang="en-US" dirty="0" smtClean="0"/>
+              <a:t>接收数据并存放到数据库中</a:t>
+            </a:r>
+            <a:endParaRPr lang="zh-CN" altLang="en-US" dirty="0"/>
+          </a:p>
+        </p:txBody>
+      </p:sp>
+      <p:sp>
+        <p:nvSpPr>
+          <p:cNvPr id="15" name="TextBox 14"/>
+          <p:cNvSpPr txBox="1"/>
+          <p:nvPr/>
+        </p:nvSpPr>
+        <p:spPr>
+          <a:xfrm>
+            <a:off x="1039165" y="4005063"/>
+            <a:ext cx="2016224" cy="646331"/>
+          </a:xfrm>
+          <a:prstGeom prst="rect">
+            <a:avLst/>
+          </a:prstGeom>
+          <a:noFill/>
+          <a:ln w="28575">
+            <a:solidFill>
+              <a:schemeClr val="tx1"/>
+            </a:solidFill>
+          </a:ln>
+        </p:spPr>
+        <p:txBody>
+          <a:bodyPr wrap="square" rtlCol="0">
+            <a:spAutoFit/>
+          </a:bodyPr>
+          <a:lstStyle/>
+          <a:p>
+            <a:r>
+              <a:rPr lang="zh-CN" altLang="en-US" dirty="0" smtClean="0"/>
+              <a:t>封装命令行参数，调用</a:t>
+            </a:r>
+            <a:r>
+              <a:rPr lang="en-US" altLang="zh-CN" dirty="0" smtClean="0"/>
+              <a:t>shell</a:t>
+            </a:r>
+            <a:r>
+              <a:rPr lang="zh-CN" altLang="en-US" dirty="0" smtClean="0"/>
+              <a:t>脚本</a:t>
+            </a:r>
+            <a:endParaRPr lang="zh-CN" altLang="en-US" dirty="0"/>
+          </a:p>
+        </p:txBody>
+      </p:sp>
+      <p:sp>
+        <p:nvSpPr>
+          <p:cNvPr id="16" name="TextBox 15"/>
+          <p:cNvSpPr txBox="1"/>
+          <p:nvPr/>
+        </p:nvSpPr>
+        <p:spPr>
+          <a:xfrm>
+            <a:off x="684025" y="4941168"/>
+            <a:ext cx="2736304" cy="369332"/>
+          </a:xfrm>
+          <a:prstGeom prst="rect">
+            <a:avLst/>
+          </a:prstGeom>
+          <a:noFill/>
+          <a:ln w="28575">
+            <a:solidFill>
+              <a:schemeClr val="tx1"/>
+            </a:solidFill>
+          </a:ln>
+        </p:spPr>
+        <p:txBody>
+          <a:bodyPr wrap="square" rtlCol="0">
+            <a:spAutoFit/>
+          </a:bodyPr>
+          <a:lstStyle/>
+          <a:p>
+            <a:r>
+              <a:rPr lang="zh-CN" altLang="en-US" dirty="0" smtClean="0"/>
+              <a:t>开始训练，返回训练信息</a:t>
+            </a:r>
+            <a:endParaRPr lang="zh-CN" altLang="en-US" dirty="0"/>
+          </a:p>
+        </p:txBody>
+      </p:sp>
+      <p:sp>
+        <p:nvSpPr>
+          <p:cNvPr id="17" name="TextBox 16"/>
+          <p:cNvSpPr txBox="1"/>
+          <p:nvPr/>
+        </p:nvSpPr>
+        <p:spPr>
+          <a:xfrm>
+            <a:off x="683568" y="5651956"/>
+            <a:ext cx="2736304" cy="369332"/>
+          </a:xfrm>
+          <a:prstGeom prst="rect">
+            <a:avLst/>
+          </a:prstGeom>
+          <a:noFill/>
+          <a:ln w="28575">
+            <a:solidFill>
+              <a:schemeClr val="tx1"/>
+            </a:solidFill>
+          </a:ln>
+        </p:spPr>
+        <p:txBody>
+          <a:bodyPr wrap="square" rtlCol="0">
+            <a:spAutoFit/>
+          </a:bodyPr>
+          <a:lstStyle/>
+          <a:p>
+            <a:r>
+              <a:rPr lang="zh-CN" altLang="en-US" dirty="0" smtClean="0"/>
+              <a:t>结束训练，返回模型权重</a:t>
+            </a:r>
+            <a:endParaRPr lang="zh-CN" altLang="en-US" dirty="0"/>
+          </a:p>
+        </p:txBody>
+      </p:sp>
+      <p:cxnSp>
+        <p:nvCxnSpPr>
+          <p:cNvPr id="24" name="直接箭头连接符 23"/>
+          <p:cNvCxnSpPr>
+            <a:stCxn id="6" idx="2"/>
+            <a:endCxn id="9" idx="0"/>
+          </p:cNvCxnSpPr>
+          <p:nvPr/>
+        </p:nvCxnSpPr>
+        <p:spPr>
+          <a:xfrm>
+            <a:off x="3420329" y="990020"/>
+            <a:ext cx="0" cy="494764"/>
+          </a:xfrm>
+          <a:prstGeom prst="straightConnector1">
+            <a:avLst/>
+          </a:prstGeom>
+          <a:ln w="19050">
+            <a:solidFill>
+              <a:schemeClr val="tx1"/>
+            </a:solidFill>
+            <a:headEnd type="none"/>
+            <a:tailEnd type="triangle" w="lg" len="lg"/>
+          </a:ln>
+        </p:spPr>
+        <p:style>
+          <a:lnRef idx="1">
+            <a:schemeClr val="accent1"/>
+          </a:lnRef>
+          <a:fillRef idx="0">
+            <a:schemeClr val="accent1"/>
+          </a:fillRef>
+          <a:effectRef idx="0">
+            <a:schemeClr val="accent1"/>
+          </a:effectRef>
+          <a:fontRef idx="minor">
+            <a:schemeClr val="tx1"/>
+          </a:fontRef>
+        </p:style>
+      </p:cxnSp>
+      <p:cxnSp>
+        <p:nvCxnSpPr>
+          <p:cNvPr id="25" name="直接箭头连接符 24"/>
+          <p:cNvCxnSpPr>
+            <a:stCxn id="7" idx="2"/>
+            <a:endCxn id="13" idx="0"/>
+          </p:cNvCxnSpPr>
+          <p:nvPr/>
+        </p:nvCxnSpPr>
+        <p:spPr>
+          <a:xfrm>
+            <a:off x="4860032" y="2657754"/>
+            <a:ext cx="0" cy="411206"/>
+          </a:xfrm>
+          <a:prstGeom prst="straightConnector1">
+            <a:avLst/>
+          </a:prstGeom>
+          <a:ln w="19050">
+            <a:solidFill>
+              <a:schemeClr val="tx1"/>
+            </a:solidFill>
+            <a:headEnd type="none"/>
+            <a:tailEnd type="triangle" w="lg" len="lg"/>
+          </a:ln>
+        </p:spPr>
+        <p:style>
+          <a:lnRef idx="1">
+            <a:schemeClr val="accent1"/>
+          </a:lnRef>
+          <a:fillRef idx="0">
+            <a:schemeClr val="accent1"/>
+          </a:fillRef>
+          <a:effectRef idx="0">
+            <a:schemeClr val="accent1"/>
+          </a:effectRef>
+          <a:fontRef idx="minor">
+            <a:schemeClr val="tx1"/>
+          </a:fontRef>
+        </p:style>
+      </p:cxnSp>
+      <p:cxnSp>
+        <p:nvCxnSpPr>
+          <p:cNvPr id="31" name="直接箭头连接符 30"/>
+          <p:cNvCxnSpPr>
+            <a:endCxn id="14" idx="0"/>
+          </p:cNvCxnSpPr>
+          <p:nvPr/>
+        </p:nvCxnSpPr>
+        <p:spPr>
+          <a:xfrm>
+            <a:off x="2047277" y="2657754"/>
+            <a:ext cx="0" cy="328165"/>
+          </a:xfrm>
+          <a:prstGeom prst="straightConnector1">
+            <a:avLst/>
+          </a:prstGeom>
+          <a:ln w="19050">
+            <a:solidFill>
+              <a:schemeClr val="tx1"/>
+            </a:solidFill>
+            <a:headEnd type="none"/>
+            <a:tailEnd type="triangle" w="lg" len="lg"/>
+          </a:ln>
+        </p:spPr>
+        <p:style>
+          <a:lnRef idx="1">
+            <a:schemeClr val="accent1"/>
+          </a:lnRef>
+          <a:fillRef idx="0">
+            <a:schemeClr val="accent1"/>
+          </a:fillRef>
+          <a:effectRef idx="0">
+            <a:schemeClr val="accent1"/>
+          </a:effectRef>
+          <a:fontRef idx="minor">
+            <a:schemeClr val="tx1"/>
+          </a:fontRef>
+        </p:style>
+      </p:cxnSp>
+      <p:cxnSp>
+        <p:nvCxnSpPr>
+          <p:cNvPr id="33" name="直接箭头连接符 32"/>
+          <p:cNvCxnSpPr>
+            <a:stCxn id="14" idx="2"/>
+            <a:endCxn id="15" idx="0"/>
+          </p:cNvCxnSpPr>
+          <p:nvPr/>
+        </p:nvCxnSpPr>
+        <p:spPr>
+          <a:xfrm>
+            <a:off x="2047277" y="3632250"/>
+            <a:ext cx="0" cy="372813"/>
+          </a:xfrm>
+          <a:prstGeom prst="straightConnector1">
+            <a:avLst/>
+          </a:prstGeom>
+          <a:ln w="19050">
+            <a:solidFill>
+              <a:schemeClr val="tx1"/>
+            </a:solidFill>
+            <a:headEnd type="none"/>
+            <a:tailEnd type="triangle" w="lg" len="lg"/>
+          </a:ln>
+        </p:spPr>
+        <p:style>
+          <a:lnRef idx="1">
+            <a:schemeClr val="accent1"/>
+          </a:lnRef>
+          <a:fillRef idx="0">
+            <a:schemeClr val="accent1"/>
+          </a:fillRef>
+          <a:effectRef idx="0">
+            <a:schemeClr val="accent1"/>
+          </a:effectRef>
+          <a:fontRef idx="minor">
+            <a:schemeClr val="tx1"/>
+          </a:fontRef>
+        </p:style>
+      </p:cxnSp>
+      <p:cxnSp>
+        <p:nvCxnSpPr>
+          <p:cNvPr id="37" name="直接箭头连接符 36"/>
+          <p:cNvCxnSpPr>
+            <a:stCxn id="15" idx="2"/>
+            <a:endCxn id="16" idx="0"/>
+          </p:cNvCxnSpPr>
+          <p:nvPr/>
+        </p:nvCxnSpPr>
+        <p:spPr>
+          <a:xfrm>
+            <a:off x="2047277" y="4651394"/>
+            <a:ext cx="4900" cy="289774"/>
+          </a:xfrm>
+          <a:prstGeom prst="straightConnector1">
+            <a:avLst/>
+          </a:prstGeom>
+          <a:ln w="19050">
+            <a:solidFill>
+              <a:schemeClr val="tx1"/>
+            </a:solidFill>
+            <a:headEnd type="none"/>
+            <a:tailEnd type="triangle" w="lg" len="lg"/>
+          </a:ln>
+        </p:spPr>
+        <p:style>
+          <a:lnRef idx="1">
+            <a:schemeClr val="accent1"/>
+          </a:lnRef>
+          <a:fillRef idx="0">
+            <a:schemeClr val="accent1"/>
+          </a:fillRef>
+          <a:effectRef idx="0">
+            <a:schemeClr val="accent1"/>
+          </a:effectRef>
+          <a:fontRef idx="minor">
+            <a:schemeClr val="tx1"/>
+          </a:fontRef>
+        </p:style>
+      </p:cxnSp>
+      <p:cxnSp>
+        <p:nvCxnSpPr>
+          <p:cNvPr id="42" name="直接箭头连接符 41"/>
+          <p:cNvCxnSpPr>
+            <a:endCxn id="17" idx="0"/>
+          </p:cNvCxnSpPr>
+          <p:nvPr/>
+        </p:nvCxnSpPr>
+        <p:spPr>
+          <a:xfrm>
+            <a:off x="2047277" y="5310500"/>
+            <a:ext cx="4443" cy="341456"/>
+          </a:xfrm>
+          <a:prstGeom prst="straightConnector1">
+            <a:avLst/>
+          </a:prstGeom>
+          <a:ln w="19050">
+            <a:solidFill>
+              <a:schemeClr val="tx1"/>
+            </a:solidFill>
+            <a:headEnd type="none"/>
+            <a:tailEnd type="triangle" w="lg" len="lg"/>
+          </a:ln>
+        </p:spPr>
+        <p:style>
+          <a:lnRef idx="1">
+            <a:schemeClr val="accent1"/>
+          </a:lnRef>
+          <a:fillRef idx="0">
+            <a:schemeClr val="accent1"/>
+          </a:fillRef>
+          <a:effectRef idx="0">
+            <a:schemeClr val="accent1"/>
+          </a:effectRef>
+          <a:fontRef idx="minor">
+            <a:schemeClr val="tx1"/>
+          </a:fontRef>
+        </p:style>
+      </p:cxnSp>
+      <p:cxnSp>
+        <p:nvCxnSpPr>
+          <p:cNvPr id="44" name="直接箭头连接符 43"/>
+          <p:cNvCxnSpPr>
+            <a:endCxn id="10" idx="1"/>
+          </p:cNvCxnSpPr>
+          <p:nvPr/>
+        </p:nvCxnSpPr>
+        <p:spPr>
+          <a:xfrm>
+            <a:off x="3996393" y="1669450"/>
+            <a:ext cx="538686" cy="0"/>
+          </a:xfrm>
+          <a:prstGeom prst="straightConnector1">
+            <a:avLst/>
+          </a:prstGeom>
+          <a:ln w="19050">
+            <a:solidFill>
+              <a:schemeClr val="tx1"/>
+            </a:solidFill>
+            <a:headEnd type="none"/>
+            <a:tailEnd type="triangle" w="lg" len="lg"/>
+          </a:ln>
+        </p:spPr>
+        <p:style>
+          <a:lnRef idx="1">
+            <a:schemeClr val="accent1"/>
+          </a:lnRef>
+          <a:fillRef idx="0">
+            <a:schemeClr val="accent1"/>
+          </a:fillRef>
+          <a:effectRef idx="0">
+            <a:schemeClr val="accent1"/>
+          </a:effectRef>
+          <a:fontRef idx="minor">
+            <a:schemeClr val="tx1"/>
+          </a:fontRef>
+        </p:style>
+      </p:cxnSp>
+      <p:cxnSp>
+        <p:nvCxnSpPr>
+          <p:cNvPr id="47" name="直接箭头连接符 46"/>
+          <p:cNvCxnSpPr>
+            <a:endCxn id="11" idx="1"/>
+          </p:cNvCxnSpPr>
+          <p:nvPr/>
+        </p:nvCxnSpPr>
+        <p:spPr>
+          <a:xfrm flipV="1">
+            <a:off x="6228184" y="1669450"/>
+            <a:ext cx="792088" cy="3032"/>
+          </a:xfrm>
+          <a:prstGeom prst="straightConnector1">
+            <a:avLst/>
+          </a:prstGeom>
+          <a:ln w="19050">
+            <a:solidFill>
+              <a:schemeClr val="tx1"/>
+            </a:solidFill>
+            <a:headEnd type="none"/>
+            <a:tailEnd type="triangle" w="lg" len="lg"/>
+          </a:ln>
+        </p:spPr>
+        <p:style>
+          <a:lnRef idx="1">
+            <a:schemeClr val="accent1"/>
+          </a:lnRef>
+          <a:fillRef idx="0">
+            <a:schemeClr val="accent1"/>
+          </a:fillRef>
+          <a:effectRef idx="0">
+            <a:schemeClr val="accent1"/>
+          </a:effectRef>
+          <a:fontRef idx="minor">
+            <a:schemeClr val="tx1"/>
+          </a:fontRef>
+        </p:style>
+      </p:cxnSp>
+      <p:cxnSp>
+        <p:nvCxnSpPr>
+          <p:cNvPr id="57" name="肘形连接符 56"/>
+          <p:cNvCxnSpPr>
+            <a:stCxn id="17" idx="2"/>
+          </p:cNvCxnSpPr>
+          <p:nvPr/>
+        </p:nvCxnSpPr>
+        <p:spPr>
+          <a:xfrm rot="16200000" flipH="1">
+            <a:off x="4644008" y="3429000"/>
+            <a:ext cx="360040" cy="5544616"/>
+          </a:xfrm>
+          <a:prstGeom prst="bentConnector2">
+            <a:avLst/>
+          </a:prstGeom>
+          <a:ln w="19050">
+            <a:solidFill>
+              <a:schemeClr val="tx1"/>
+            </a:solidFill>
+          </a:ln>
+        </p:spPr>
+        <p:style>
+          <a:lnRef idx="1">
+            <a:schemeClr val="accent1"/>
+          </a:lnRef>
+          <a:fillRef idx="0">
+            <a:schemeClr val="accent1"/>
+          </a:fillRef>
+          <a:effectRef idx="0">
+            <a:schemeClr val="accent1"/>
+          </a:effectRef>
+          <a:fontRef idx="minor">
+            <a:schemeClr val="tx1"/>
+          </a:fontRef>
+        </p:style>
+      </p:cxnSp>
+      <p:cxnSp>
+        <p:nvCxnSpPr>
+          <p:cNvPr id="59" name="直接箭头连接符 58"/>
+          <p:cNvCxnSpPr/>
+          <p:nvPr/>
+        </p:nvCxnSpPr>
+        <p:spPr>
+          <a:xfrm flipV="1">
+            <a:off x="7596337" y="1904982"/>
+            <a:ext cx="0" cy="4476346"/>
+          </a:xfrm>
+          <a:prstGeom prst="straightConnector1">
+            <a:avLst/>
+          </a:prstGeom>
+          <a:ln w="19050">
+            <a:solidFill>
+              <a:schemeClr val="tx1"/>
+            </a:solidFill>
+            <a:headEnd type="none"/>
+            <a:tailEnd type="triangle" w="lg" len="lg"/>
+          </a:ln>
+        </p:spPr>
+        <p:style>
+          <a:lnRef idx="1">
+            <a:schemeClr val="accent1"/>
+          </a:lnRef>
+          <a:fillRef idx="0">
+            <a:schemeClr val="accent1"/>
+          </a:fillRef>
+          <a:effectRef idx="0">
+            <a:schemeClr val="accent1"/>
+          </a:effectRef>
+          <a:fontRef idx="minor">
+            <a:schemeClr val="tx1"/>
+          </a:fontRef>
+        </p:style>
+      </p:cxnSp>
+      <p:cxnSp>
+        <p:nvCxnSpPr>
+          <p:cNvPr id="68" name="直接连接符 67"/>
+          <p:cNvCxnSpPr>
+            <a:stCxn id="13" idx="2"/>
+          </p:cNvCxnSpPr>
+          <p:nvPr/>
+        </p:nvCxnSpPr>
+        <p:spPr>
+          <a:xfrm>
+            <a:off x="4860032" y="3715291"/>
+            <a:ext cx="0" cy="2666037"/>
+          </a:xfrm>
+          <a:prstGeom prst="line">
+            <a:avLst/>
+          </a:prstGeom>
+          <a:ln w="19050">
+            <a:solidFill>
+              <a:schemeClr val="tx1"/>
+            </a:solidFill>
+          </a:ln>
+        </p:spPr>
+        <p:style>
+          <a:lnRef idx="1">
+            <a:schemeClr val="accent1"/>
+          </a:lnRef>
+          <a:fillRef idx="0">
+            <a:schemeClr val="accent1"/>
+          </a:fillRef>
+          <a:effectRef idx="0">
+            <a:schemeClr val="accent1"/>
+          </a:effectRef>
+          <a:fontRef idx="minor">
+            <a:schemeClr val="tx1"/>
+          </a:fontRef>
+        </p:style>
+      </p:cxnSp>
+      <p:cxnSp>
+        <p:nvCxnSpPr>
+          <p:cNvPr id="71" name="直接连接符 70"/>
+          <p:cNvCxnSpPr>
+            <a:stCxn id="9" idx="2"/>
+          </p:cNvCxnSpPr>
+          <p:nvPr/>
+        </p:nvCxnSpPr>
+        <p:spPr>
+          <a:xfrm flipH="1">
+            <a:off x="3419872" y="1854116"/>
+            <a:ext cx="457" cy="134724"/>
+          </a:xfrm>
+          <a:prstGeom prst="line">
+            <a:avLst/>
+          </a:prstGeom>
+          <a:ln w="19050">
+            <a:solidFill>
+              <a:schemeClr val="tx1"/>
+            </a:solidFill>
+          </a:ln>
+        </p:spPr>
+        <p:style>
+          <a:lnRef idx="1">
+            <a:schemeClr val="accent1"/>
+          </a:lnRef>
+          <a:fillRef idx="0">
+            <a:schemeClr val="accent1"/>
+          </a:fillRef>
+          <a:effectRef idx="0">
+            <a:schemeClr val="accent1"/>
+          </a:effectRef>
+          <a:fontRef idx="minor">
+            <a:schemeClr val="tx1"/>
+          </a:fontRef>
+        </p:style>
+      </p:cxnSp>
+      <p:cxnSp>
+        <p:nvCxnSpPr>
+          <p:cNvPr id="76" name="直接连接符 75"/>
+          <p:cNvCxnSpPr/>
+          <p:nvPr/>
+        </p:nvCxnSpPr>
+        <p:spPr>
+          <a:xfrm>
+            <a:off x="2052177" y="1988840"/>
+            <a:ext cx="2807855" cy="0"/>
+          </a:xfrm>
+          <a:prstGeom prst="line">
+            <a:avLst/>
+          </a:prstGeom>
+          <a:ln w="19050">
+            <a:solidFill>
+              <a:schemeClr val="tx1"/>
+            </a:solidFill>
+          </a:ln>
+        </p:spPr>
+        <p:style>
+          <a:lnRef idx="1">
+            <a:schemeClr val="accent1"/>
+          </a:lnRef>
+          <a:fillRef idx="0">
+            <a:schemeClr val="accent1"/>
+          </a:fillRef>
+          <a:effectRef idx="0">
+            <a:schemeClr val="accent1"/>
+          </a:effectRef>
+          <a:fontRef idx="minor">
+            <a:schemeClr val="tx1"/>
+          </a:fontRef>
+        </p:style>
+      </p:cxnSp>
+      <p:cxnSp>
+        <p:nvCxnSpPr>
+          <p:cNvPr id="82" name="直接箭头连接符 81"/>
+          <p:cNvCxnSpPr>
+            <a:endCxn id="7" idx="0"/>
+          </p:cNvCxnSpPr>
+          <p:nvPr/>
+        </p:nvCxnSpPr>
+        <p:spPr>
+          <a:xfrm>
+            <a:off x="4860032" y="1988840"/>
+            <a:ext cx="0" cy="299582"/>
+          </a:xfrm>
+          <a:prstGeom prst="straightConnector1">
+            <a:avLst/>
+          </a:prstGeom>
+          <a:ln w="19050">
+            <a:solidFill>
+              <a:schemeClr val="tx1"/>
+            </a:solidFill>
+            <a:headEnd type="none"/>
+            <a:tailEnd type="triangle" w="lg" len="lg"/>
+          </a:ln>
+        </p:spPr>
+        <p:style>
+          <a:lnRef idx="1">
+            <a:schemeClr val="accent1"/>
+          </a:lnRef>
+          <a:fillRef idx="0">
+            <a:schemeClr val="accent1"/>
+          </a:fillRef>
+          <a:effectRef idx="0">
+            <a:schemeClr val="accent1"/>
+          </a:effectRef>
+          <a:fontRef idx="minor">
+            <a:schemeClr val="tx1"/>
+          </a:fontRef>
+        </p:style>
+      </p:cxnSp>
+      <p:cxnSp>
+        <p:nvCxnSpPr>
+          <p:cNvPr id="87" name="直接箭头连接符 86"/>
+          <p:cNvCxnSpPr>
+            <a:endCxn id="8" idx="0"/>
+          </p:cNvCxnSpPr>
+          <p:nvPr/>
+        </p:nvCxnSpPr>
+        <p:spPr>
+          <a:xfrm flipH="1">
+            <a:off x="2047277" y="1988840"/>
+            <a:ext cx="2221" cy="299582"/>
+          </a:xfrm>
+          <a:prstGeom prst="straightConnector1">
+            <a:avLst/>
+          </a:prstGeom>
+          <a:ln w="19050">
+            <a:solidFill>
+              <a:schemeClr val="tx1"/>
+            </a:solidFill>
+            <a:headEnd type="none"/>
+            <a:tailEnd type="triangle" w="lg" len="lg"/>
+          </a:ln>
+        </p:spPr>
+        <p:style>
+          <a:lnRef idx="1">
+            <a:schemeClr val="accent1"/>
+          </a:lnRef>
+          <a:fillRef idx="0">
+            <a:schemeClr val="accent1"/>
+          </a:fillRef>
+          <a:effectRef idx="0">
+            <a:schemeClr val="accent1"/>
+          </a:effectRef>
+          <a:fontRef idx="minor">
+            <a:schemeClr val="tx1"/>
+          </a:fontRef>
+        </p:style>
+      </p:cxnSp>
+    </p:spTree>
+    <p:extLst>
+      <p:ext uri="{BB962C8B-B14F-4D97-AF65-F5344CB8AC3E}">
+        <p14:creationId xmlns:p14="http://schemas.microsoft.com/office/powerpoint/2010/main" val="3253714131"/>
+      </p:ext>
+    </p:extLst>
+  </p:cSld>
+  <p:clrMapOvr>
+    <a:masterClrMapping/>
+  </p:clrMapOvr>
+</p:sld>
+</file>
+
+<file path=ppt/slides/slide7.xml><?xml version="1.0" encoding="utf-8"?>
+<p:sld xmlns:a="http://schemas.openxmlformats.org/drawingml/2006/main" xmlns:r="http://schemas.openxmlformats.org/officeDocument/2006/relationships" xmlns:p="http://schemas.openxmlformats.org/presentationml/2006/main">
+  <p:cSld>
+    <p:spTree>
+      <p:nvGrpSpPr>
+        <p:cNvPr id="1" name=""/>
+        <p:cNvGrpSpPr/>
+        <p:nvPr/>
+      </p:nvGrpSpPr>
+      <p:grpSpPr>
+        <a:xfrm>
+          <a:off x="0" y="0"/>
+          <a:ext cx="0" cy="0"/>
+          <a:chOff x="0" y="0"/>
+          <a:chExt cx="0" cy="0"/>
+        </a:xfrm>
+      </p:grpSpPr>
+      <p:sp>
+        <p:nvSpPr>
+          <p:cNvPr id="4" name="矩形 3"/>
+          <p:cNvSpPr/>
+          <p:nvPr/>
+        </p:nvSpPr>
+        <p:spPr>
+          <a:xfrm>
+            <a:off x="1259632" y="1772816"/>
+            <a:ext cx="1880592" cy="3168352"/>
+          </a:xfrm>
+          <a:prstGeom prst="rect">
+            <a:avLst/>
+          </a:prstGeom>
+          <a:noFill/>
+          <a:ln>
+            <a:solidFill>
+              <a:schemeClr val="tx1"/>
+            </a:solidFill>
+          </a:ln>
+        </p:spPr>
+        <p:style>
+          <a:lnRef idx="2">
+            <a:schemeClr val="accent1">
+              <a:shade val="50000"/>
+            </a:schemeClr>
+          </a:lnRef>
+          <a:fillRef idx="1">
+            <a:schemeClr val="accent1"/>
+          </a:fillRef>
+          <a:effectRef idx="0">
+            <a:schemeClr val="accent1"/>
+          </a:effectRef>
+          <a:fontRef idx="minor">
+            <a:schemeClr val="lt1"/>
+          </a:fontRef>
+        </p:style>
+        <p:txBody>
+          <a:bodyPr rtlCol="0" anchor="ctr"/>
+          <a:lstStyle/>
+          <a:p>
+            <a:pPr algn="ctr"/>
+            <a:endParaRPr lang="zh-CN" altLang="en-US"/>
+          </a:p>
+        </p:txBody>
+      </p:sp>
+      <p:sp>
+        <p:nvSpPr>
+          <p:cNvPr id="6" name="TextBox 5"/>
+          <p:cNvSpPr txBox="1"/>
+          <p:nvPr/>
+        </p:nvSpPr>
+        <p:spPr>
+          <a:xfrm>
+            <a:off x="1623864" y="2740278"/>
+            <a:ext cx="1152128" cy="369332"/>
+          </a:xfrm>
+          <a:prstGeom prst="rect">
+            <a:avLst/>
+          </a:prstGeom>
+          <a:noFill/>
+        </p:spPr>
+        <p:txBody>
+          <a:bodyPr wrap="square" rtlCol="0">
+            <a:spAutoFit/>
+          </a:bodyPr>
+          <a:lstStyle/>
+          <a:p>
+            <a:pPr algn="ctr"/>
+            <a:r>
+              <a:rPr lang="zh-CN" altLang="en-US" dirty="0"/>
+              <a:t>用户名</a:t>
+            </a:r>
+          </a:p>
+        </p:txBody>
+      </p:sp>
+      <p:sp>
+        <p:nvSpPr>
+          <p:cNvPr id="7" name="TextBox 6"/>
+          <p:cNvSpPr txBox="1"/>
+          <p:nvPr/>
+        </p:nvSpPr>
+        <p:spPr>
+          <a:xfrm>
+            <a:off x="1623864" y="2244307"/>
+            <a:ext cx="1152128" cy="369332"/>
+          </a:xfrm>
+          <a:prstGeom prst="rect">
+            <a:avLst/>
+          </a:prstGeom>
+          <a:noFill/>
+        </p:spPr>
+        <p:txBody>
+          <a:bodyPr wrap="square" rtlCol="0">
+            <a:spAutoFit/>
+          </a:bodyPr>
+          <a:lstStyle/>
+          <a:p>
+            <a:pPr algn="ctr"/>
+            <a:r>
+              <a:rPr lang="zh-CN" altLang="en-US" dirty="0" smtClean="0"/>
+              <a:t>用户</a:t>
+            </a:r>
+            <a:r>
+              <a:rPr lang="en-US" altLang="zh-CN" dirty="0" smtClean="0"/>
+              <a:t>id</a:t>
+            </a:r>
+            <a:endParaRPr lang="zh-CN" altLang="en-US" dirty="0"/>
+          </a:p>
+        </p:txBody>
+      </p:sp>
+      <p:sp>
+        <p:nvSpPr>
+          <p:cNvPr id="8" name="TextBox 7"/>
+          <p:cNvSpPr txBox="1"/>
+          <p:nvPr/>
+        </p:nvSpPr>
+        <p:spPr>
+          <a:xfrm>
+            <a:off x="1623864" y="3179332"/>
+            <a:ext cx="1152128" cy="369332"/>
+          </a:xfrm>
+          <a:prstGeom prst="rect">
+            <a:avLst/>
+          </a:prstGeom>
+          <a:noFill/>
+        </p:spPr>
+        <p:txBody>
+          <a:bodyPr wrap="square" rtlCol="0">
+            <a:spAutoFit/>
+          </a:bodyPr>
+          <a:lstStyle/>
+          <a:p>
+            <a:pPr algn="ctr"/>
+            <a:r>
+              <a:rPr lang="zh-CN" altLang="en-US" dirty="0"/>
+              <a:t>密码</a:t>
+            </a:r>
+          </a:p>
+        </p:txBody>
+      </p:sp>
+      <p:sp>
+        <p:nvSpPr>
+          <p:cNvPr id="9" name="TextBox 8"/>
+          <p:cNvSpPr txBox="1"/>
+          <p:nvPr/>
+        </p:nvSpPr>
+        <p:spPr>
+          <a:xfrm>
+            <a:off x="1623864" y="3657128"/>
+            <a:ext cx="1152128" cy="369332"/>
+          </a:xfrm>
+          <a:prstGeom prst="rect">
+            <a:avLst/>
+          </a:prstGeom>
+          <a:noFill/>
+        </p:spPr>
+        <p:txBody>
+          <a:bodyPr wrap="square" rtlCol="0">
+            <a:spAutoFit/>
+          </a:bodyPr>
+          <a:lstStyle/>
+          <a:p>
+            <a:pPr algn="ctr"/>
+            <a:r>
+              <a:rPr lang="zh-CN" altLang="en-US" dirty="0"/>
+              <a:t>公司名</a:t>
+            </a:r>
+          </a:p>
+        </p:txBody>
+      </p:sp>
+      <p:sp>
+        <p:nvSpPr>
+          <p:cNvPr id="10" name="TextBox 9"/>
+          <p:cNvSpPr txBox="1"/>
+          <p:nvPr/>
+        </p:nvSpPr>
+        <p:spPr>
+          <a:xfrm>
+            <a:off x="1547545" y="4139788"/>
+            <a:ext cx="1304765" cy="369332"/>
+          </a:xfrm>
+          <a:prstGeom prst="rect">
+            <a:avLst/>
+          </a:prstGeom>
+          <a:noFill/>
+        </p:spPr>
+        <p:txBody>
+          <a:bodyPr wrap="square" rtlCol="0">
+            <a:spAutoFit/>
+          </a:bodyPr>
+          <a:lstStyle/>
+          <a:p>
+            <a:pPr algn="ctr"/>
+            <a:r>
+              <a:rPr lang="zh-CN" altLang="en-US" dirty="0" smtClean="0"/>
+              <a:t>用户</a:t>
+            </a:r>
+            <a:r>
+              <a:rPr lang="en-US" altLang="zh-CN" dirty="0" smtClean="0"/>
+              <a:t>IP</a:t>
+            </a:r>
+            <a:r>
+              <a:rPr lang="zh-CN" altLang="en-US" dirty="0" smtClean="0"/>
+              <a:t>地址</a:t>
+            </a:r>
+            <a:endParaRPr lang="zh-CN" altLang="en-US" dirty="0"/>
+          </a:p>
+        </p:txBody>
+      </p:sp>
+      <p:sp>
+        <p:nvSpPr>
+          <p:cNvPr id="11" name="矩形 10"/>
+          <p:cNvSpPr/>
+          <p:nvPr/>
+        </p:nvSpPr>
+        <p:spPr>
+          <a:xfrm>
+            <a:off x="4211960" y="1779822"/>
+            <a:ext cx="3888432" cy="3168352"/>
+          </a:xfrm>
+          <a:prstGeom prst="rect">
+            <a:avLst/>
+          </a:prstGeom>
+          <a:noFill/>
+          <a:ln>
+            <a:solidFill>
+              <a:schemeClr val="tx1"/>
+            </a:solidFill>
+          </a:ln>
+        </p:spPr>
+        <p:style>
+          <a:lnRef idx="2">
+            <a:schemeClr val="accent1">
+              <a:shade val="50000"/>
+            </a:schemeClr>
+          </a:lnRef>
+          <a:fillRef idx="1">
+            <a:schemeClr val="accent1"/>
+          </a:fillRef>
+          <a:effectRef idx="0">
+            <a:schemeClr val="accent1"/>
+          </a:effectRef>
+          <a:fontRef idx="minor">
+            <a:schemeClr val="lt1"/>
+          </a:fontRef>
+        </p:style>
+        <p:txBody>
+          <a:bodyPr rtlCol="0" anchor="ctr"/>
+          <a:lstStyle/>
+          <a:p>
+            <a:pPr algn="ctr"/>
+            <a:endParaRPr lang="zh-CN" altLang="en-US"/>
+          </a:p>
+        </p:txBody>
+      </p:sp>
+      <p:sp>
+        <p:nvSpPr>
+          <p:cNvPr id="12" name="TextBox 11"/>
+          <p:cNvSpPr txBox="1"/>
+          <p:nvPr/>
+        </p:nvSpPr>
+        <p:spPr>
+          <a:xfrm>
+            <a:off x="4567689" y="2740278"/>
+            <a:ext cx="1304765" cy="369332"/>
+          </a:xfrm>
+          <a:prstGeom prst="rect">
+            <a:avLst/>
+          </a:prstGeom>
+          <a:noFill/>
+        </p:spPr>
+        <p:txBody>
+          <a:bodyPr wrap="square" rtlCol="0">
+            <a:spAutoFit/>
+          </a:bodyPr>
+          <a:lstStyle/>
+          <a:p>
+            <a:pPr algn="ctr"/>
+            <a:r>
+              <a:rPr lang="en-US" altLang="zh-CN" dirty="0" err="1" smtClean="0"/>
+              <a:t>Batch_size</a:t>
+            </a:r>
+            <a:endParaRPr lang="zh-CN" altLang="en-US" dirty="0"/>
+          </a:p>
+        </p:txBody>
+      </p:sp>
+      <p:sp>
+        <p:nvSpPr>
+          <p:cNvPr id="13" name="TextBox 12"/>
+          <p:cNvSpPr txBox="1"/>
+          <p:nvPr/>
+        </p:nvSpPr>
+        <p:spPr>
+          <a:xfrm>
+            <a:off x="4644008" y="2244307"/>
+            <a:ext cx="1152128" cy="369332"/>
+          </a:xfrm>
+          <a:prstGeom prst="rect">
+            <a:avLst/>
+          </a:prstGeom>
+          <a:noFill/>
+        </p:spPr>
+        <p:txBody>
+          <a:bodyPr wrap="square" rtlCol="0">
+            <a:spAutoFit/>
+          </a:bodyPr>
+          <a:lstStyle/>
+          <a:p>
+            <a:pPr algn="ctr"/>
+            <a:r>
+              <a:rPr lang="zh-CN" altLang="en-US" dirty="0" smtClean="0"/>
+              <a:t>用户</a:t>
+            </a:r>
+            <a:r>
+              <a:rPr lang="en-US" altLang="zh-CN" dirty="0" smtClean="0"/>
+              <a:t>id</a:t>
+            </a:r>
+            <a:endParaRPr lang="zh-CN" altLang="en-US" dirty="0"/>
+          </a:p>
+        </p:txBody>
+      </p:sp>
+      <p:sp>
+        <p:nvSpPr>
+          <p:cNvPr id="14" name="TextBox 13"/>
+          <p:cNvSpPr txBox="1"/>
+          <p:nvPr/>
+        </p:nvSpPr>
+        <p:spPr>
+          <a:xfrm>
+            <a:off x="4644008" y="3179332"/>
+            <a:ext cx="1152128" cy="369332"/>
+          </a:xfrm>
+          <a:prstGeom prst="rect">
+            <a:avLst/>
+          </a:prstGeom>
+          <a:noFill/>
+        </p:spPr>
+        <p:txBody>
+          <a:bodyPr wrap="square" rtlCol="0">
+            <a:spAutoFit/>
+          </a:bodyPr>
+          <a:lstStyle/>
+          <a:p>
+            <a:pPr algn="ctr"/>
+            <a:r>
+              <a:rPr lang="en-US" altLang="zh-CN" dirty="0" err="1" smtClean="0"/>
+              <a:t>epoches</a:t>
+            </a:r>
+            <a:endParaRPr lang="zh-CN" altLang="en-US" dirty="0"/>
+          </a:p>
+        </p:txBody>
+      </p:sp>
+      <p:sp>
+        <p:nvSpPr>
+          <p:cNvPr id="15" name="TextBox 14"/>
+          <p:cNvSpPr txBox="1"/>
+          <p:nvPr/>
+        </p:nvSpPr>
+        <p:spPr>
+          <a:xfrm>
+            <a:off x="4644008" y="3657128"/>
+            <a:ext cx="1152128" cy="369332"/>
+          </a:xfrm>
+          <a:prstGeom prst="rect">
+            <a:avLst/>
+          </a:prstGeom>
+          <a:noFill/>
+        </p:spPr>
+        <p:txBody>
+          <a:bodyPr wrap="square" rtlCol="0">
+            <a:spAutoFit/>
+          </a:bodyPr>
+          <a:lstStyle/>
+          <a:p>
+            <a:pPr algn="ctr"/>
+            <a:r>
+              <a:rPr lang="en-US" altLang="zh-CN" dirty="0" smtClean="0"/>
+              <a:t>classes</a:t>
+            </a:r>
+            <a:endParaRPr lang="zh-CN" altLang="en-US" dirty="0"/>
+          </a:p>
+        </p:txBody>
+      </p:sp>
+      <p:sp>
+        <p:nvSpPr>
+          <p:cNvPr id="16" name="TextBox 15"/>
+          <p:cNvSpPr txBox="1"/>
+          <p:nvPr/>
+        </p:nvSpPr>
+        <p:spPr>
+          <a:xfrm>
+            <a:off x="4567689" y="4139788"/>
+            <a:ext cx="1304765" cy="369332"/>
+          </a:xfrm>
+          <a:prstGeom prst="rect">
+            <a:avLst/>
+          </a:prstGeom>
+          <a:noFill/>
+        </p:spPr>
+        <p:txBody>
+          <a:bodyPr wrap="square" rtlCol="0">
+            <a:spAutoFit/>
+          </a:bodyPr>
+          <a:lstStyle/>
+          <a:p>
+            <a:pPr algn="ctr"/>
+            <a:r>
+              <a:rPr lang="en-US" altLang="zh-CN" dirty="0" smtClean="0"/>
+              <a:t>width</a:t>
+            </a:r>
+            <a:endParaRPr lang="zh-CN" altLang="en-US" dirty="0"/>
+          </a:p>
+        </p:txBody>
+      </p:sp>
+      <p:sp>
+        <p:nvSpPr>
+          <p:cNvPr id="17" name="TextBox 16"/>
+          <p:cNvSpPr txBox="1"/>
+          <p:nvPr/>
+        </p:nvSpPr>
+        <p:spPr>
+          <a:xfrm>
+            <a:off x="6655921" y="2740278"/>
+            <a:ext cx="1304765" cy="369332"/>
+          </a:xfrm>
+          <a:prstGeom prst="rect">
+            <a:avLst/>
+          </a:prstGeom>
+          <a:noFill/>
+        </p:spPr>
+        <p:txBody>
+          <a:bodyPr wrap="square" rtlCol="0">
+            <a:spAutoFit/>
+          </a:bodyPr>
+          <a:lstStyle/>
+          <a:p>
+            <a:pPr algn="ctr"/>
+            <a:r>
+              <a:rPr lang="en-US" altLang="zh-CN" dirty="0" smtClean="0"/>
+              <a:t>model</a:t>
+            </a:r>
+            <a:endParaRPr lang="zh-CN" altLang="en-US" dirty="0"/>
+          </a:p>
+        </p:txBody>
+      </p:sp>
+      <p:sp>
+        <p:nvSpPr>
+          <p:cNvPr id="18" name="TextBox 17"/>
+          <p:cNvSpPr txBox="1"/>
+          <p:nvPr/>
+        </p:nvSpPr>
+        <p:spPr>
+          <a:xfrm>
+            <a:off x="6732240" y="2244307"/>
+            <a:ext cx="1152128" cy="369332"/>
+          </a:xfrm>
+          <a:prstGeom prst="rect">
+            <a:avLst/>
+          </a:prstGeom>
+          <a:noFill/>
+        </p:spPr>
+        <p:txBody>
+          <a:bodyPr wrap="square" rtlCol="0">
+            <a:spAutoFit/>
+          </a:bodyPr>
+          <a:lstStyle/>
+          <a:p>
+            <a:pPr algn="ctr"/>
+            <a:r>
+              <a:rPr lang="en-US" altLang="zh-CN" dirty="0" smtClean="0"/>
+              <a:t>height</a:t>
+            </a:r>
+            <a:endParaRPr lang="zh-CN" altLang="en-US" dirty="0"/>
+          </a:p>
+        </p:txBody>
+      </p:sp>
+      <p:sp>
+        <p:nvSpPr>
+          <p:cNvPr id="19" name="TextBox 18"/>
+          <p:cNvSpPr txBox="1"/>
+          <p:nvPr/>
+        </p:nvSpPr>
+        <p:spPr>
+          <a:xfrm>
+            <a:off x="6732240" y="3179332"/>
+            <a:ext cx="1152128" cy="369332"/>
+          </a:xfrm>
+          <a:prstGeom prst="rect">
+            <a:avLst/>
+          </a:prstGeom>
+          <a:noFill/>
+        </p:spPr>
+        <p:txBody>
+          <a:bodyPr wrap="square" rtlCol="0">
+            <a:spAutoFit/>
+          </a:bodyPr>
+          <a:lstStyle/>
+          <a:p>
+            <a:pPr algn="ctr"/>
+            <a:r>
+              <a:rPr lang="en-US" altLang="zh-CN" dirty="0" smtClean="0"/>
+              <a:t>Data path</a:t>
+            </a:r>
+            <a:endParaRPr lang="zh-CN" altLang="en-US" dirty="0"/>
+          </a:p>
+        </p:txBody>
+      </p:sp>
+      <p:sp>
+        <p:nvSpPr>
+          <p:cNvPr id="20" name="TextBox 19"/>
+          <p:cNvSpPr txBox="1"/>
+          <p:nvPr/>
+        </p:nvSpPr>
+        <p:spPr>
+          <a:xfrm>
+            <a:off x="6655921" y="3657128"/>
+            <a:ext cx="1304765" cy="369332"/>
+          </a:xfrm>
+          <a:prstGeom prst="rect">
+            <a:avLst/>
+          </a:prstGeom>
+          <a:noFill/>
+        </p:spPr>
+        <p:txBody>
+          <a:bodyPr wrap="square" rtlCol="0">
+            <a:spAutoFit/>
+          </a:bodyPr>
+          <a:lstStyle/>
+          <a:p>
+            <a:pPr algn="ctr"/>
+            <a:r>
+              <a:rPr lang="en-US" altLang="zh-CN" dirty="0" smtClean="0"/>
+              <a:t>Model path</a:t>
+            </a:r>
+            <a:endParaRPr lang="zh-CN" altLang="en-US" dirty="0"/>
+          </a:p>
+        </p:txBody>
+      </p:sp>
+      <p:cxnSp>
+        <p:nvCxnSpPr>
+          <p:cNvPr id="23" name="直接连接符 22"/>
+          <p:cNvCxnSpPr>
+            <a:stCxn id="7" idx="3"/>
+            <a:endCxn id="13" idx="1"/>
+          </p:cNvCxnSpPr>
+          <p:nvPr/>
+        </p:nvCxnSpPr>
+        <p:spPr>
+          <a:xfrm>
+            <a:off x="2775992" y="2428973"/>
+            <a:ext cx="1868016" cy="0"/>
+          </a:xfrm>
+          <a:prstGeom prst="line">
+            <a:avLst/>
+          </a:prstGeom>
+          <a:ln w="19050">
+            <a:solidFill>
+              <a:schemeClr val="tx1"/>
+            </a:solidFill>
+          </a:ln>
+        </p:spPr>
+        <p:style>
+          <a:lnRef idx="1">
+            <a:schemeClr val="accent1"/>
+          </a:lnRef>
+          <a:fillRef idx="0">
+            <a:schemeClr val="accent1"/>
+          </a:fillRef>
+          <a:effectRef idx="0">
+            <a:schemeClr val="accent1"/>
+          </a:effectRef>
+          <a:fontRef idx="minor">
+            <a:schemeClr val="tx1"/>
+          </a:fontRef>
+        </p:style>
+      </p:cxnSp>
+      <p:sp>
+        <p:nvSpPr>
+          <p:cNvPr id="24" name="TextBox 23"/>
+          <p:cNvSpPr txBox="1"/>
+          <p:nvPr/>
+        </p:nvSpPr>
+        <p:spPr>
+          <a:xfrm>
+            <a:off x="1259632" y="1196752"/>
+            <a:ext cx="1728192" cy="461665"/>
+          </a:xfrm>
+          <a:prstGeom prst="rect">
+            <a:avLst/>
+          </a:prstGeom>
+          <a:noFill/>
+        </p:spPr>
+        <p:txBody>
+          <a:bodyPr wrap="square" rtlCol="0">
+            <a:spAutoFit/>
+          </a:bodyPr>
+          <a:lstStyle/>
+          <a:p>
+            <a:pPr algn="ctr"/>
+            <a:r>
+              <a:rPr lang="zh-CN" altLang="en-US" sz="2400" dirty="0" smtClean="0"/>
+              <a:t>用户信息表</a:t>
+            </a:r>
+            <a:endParaRPr lang="zh-CN" altLang="en-US" sz="2400" dirty="0"/>
+          </a:p>
+        </p:txBody>
+      </p:sp>
+      <p:sp>
+        <p:nvSpPr>
+          <p:cNvPr id="25" name="TextBox 24"/>
+          <p:cNvSpPr txBox="1"/>
+          <p:nvPr/>
+        </p:nvSpPr>
+        <p:spPr>
+          <a:xfrm>
+            <a:off x="5292080" y="1196751"/>
+            <a:ext cx="1728192" cy="461665"/>
+          </a:xfrm>
+          <a:prstGeom prst="rect">
+            <a:avLst/>
+          </a:prstGeom>
+          <a:noFill/>
+        </p:spPr>
+        <p:txBody>
+          <a:bodyPr wrap="square" rtlCol="0">
+            <a:spAutoFit/>
+          </a:bodyPr>
+          <a:lstStyle/>
+          <a:p>
+            <a:pPr algn="ctr"/>
+            <a:r>
+              <a:rPr lang="zh-CN" altLang="en-US" sz="2400" dirty="0" smtClean="0"/>
+              <a:t>模型配置表</a:t>
+            </a:r>
+            <a:endParaRPr lang="zh-CN" altLang="en-US" sz="2400" dirty="0"/>
+          </a:p>
+        </p:txBody>
+      </p:sp>
+    </p:spTree>
+    <p:extLst>
+      <p:ext uri="{BB962C8B-B14F-4D97-AF65-F5344CB8AC3E}">
+        <p14:creationId xmlns:p14="http://schemas.microsoft.com/office/powerpoint/2010/main" val="3488630644"/>
+      </p:ext>
+    </p:extLst>
+  </p:cSld>
+  <p:clrMapOvr>
+    <a:masterClrMapping/>
+  </p:clrMapOvr>
+</p:sld>
+</file>
+
+<file path=ppt/slides/slide8.xml><?xml version="1.0" encoding="utf-8"?>
+<p:sld xmlns:a="http://schemas.openxmlformats.org/drawingml/2006/main" xmlns:r="http://schemas.openxmlformats.org/officeDocument/2006/relationships" xmlns:p="http://schemas.openxmlformats.org/presentationml/2006/main">
+  <p:cSld>
+    <p:spTree>
+      <p:nvGrpSpPr>
+        <p:cNvPr id="1" name=""/>
+        <p:cNvGrpSpPr/>
+        <p:nvPr/>
+      </p:nvGrpSpPr>
+      <p:grpSpPr>
+        <a:xfrm>
+          <a:off x="0" y="0"/>
+          <a:ext cx="0" cy="0"/>
+          <a:chOff x="0" y="0"/>
+          <a:chExt cx="0" cy="0"/>
+        </a:xfrm>
+      </p:grpSpPr>
+      <p:sp>
+        <p:nvSpPr>
+          <p:cNvPr id="53" name="矩形 52"/>
+          <p:cNvSpPr/>
+          <p:nvPr/>
+        </p:nvSpPr>
+        <p:spPr>
+          <a:xfrm>
+            <a:off x="323528" y="2126987"/>
+            <a:ext cx="8639944" cy="2022093"/>
+          </a:xfrm>
+          <a:prstGeom prst="rect">
+            <a:avLst/>
+          </a:prstGeom>
+          <a:solidFill>
+            <a:schemeClr val="tx2">
+              <a:lumMod val="20000"/>
+              <a:lumOff val="80000"/>
+            </a:schemeClr>
+          </a:solidFill>
+          <a:ln>
+            <a:solidFill>
+              <a:schemeClr val="tx2">
+                <a:lumMod val="20000"/>
+                <a:lumOff val="80000"/>
+              </a:schemeClr>
+            </a:solidFill>
+          </a:ln>
+        </p:spPr>
+        <p:style>
+          <a:lnRef idx="2">
+            <a:schemeClr val="accent1">
+              <a:shade val="50000"/>
+            </a:schemeClr>
+          </a:lnRef>
+          <a:fillRef idx="1">
+            <a:schemeClr val="accent1"/>
+          </a:fillRef>
+          <a:effectRef idx="0">
+            <a:schemeClr val="accent1"/>
+          </a:effectRef>
+          <a:fontRef idx="minor">
+            <a:schemeClr val="lt1"/>
+          </a:fontRef>
+        </p:style>
+        <p:txBody>
+          <a:bodyPr rtlCol="0" anchor="ctr"/>
+          <a:lstStyle/>
+          <a:p>
+            <a:pPr algn="ctr"/>
+            <a:endParaRPr lang="zh-CN" altLang="en-US"/>
+          </a:p>
+        </p:txBody>
+      </p:sp>
+      <p:sp>
+        <p:nvSpPr>
+          <p:cNvPr id="52" name="矩形 51"/>
+          <p:cNvSpPr/>
+          <p:nvPr/>
+        </p:nvSpPr>
+        <p:spPr>
+          <a:xfrm>
+            <a:off x="323528" y="4314710"/>
+            <a:ext cx="7199784" cy="986498"/>
+          </a:xfrm>
+          <a:prstGeom prst="rect">
+            <a:avLst/>
+          </a:prstGeom>
+          <a:solidFill>
+            <a:schemeClr val="tx2">
+              <a:lumMod val="20000"/>
+              <a:lumOff val="80000"/>
+            </a:schemeClr>
+          </a:solidFill>
+          <a:ln>
+            <a:solidFill>
+              <a:schemeClr val="tx2">
+                <a:lumMod val="20000"/>
+                <a:lumOff val="80000"/>
+              </a:schemeClr>
+            </a:solidFill>
+          </a:ln>
+        </p:spPr>
+        <p:style>
+          <a:lnRef idx="2">
+            <a:schemeClr val="accent1">
+              <a:shade val="50000"/>
+            </a:schemeClr>
+          </a:lnRef>
+          <a:fillRef idx="1">
+            <a:schemeClr val="accent1"/>
+          </a:fillRef>
+          <a:effectRef idx="0">
+            <a:schemeClr val="accent1"/>
+          </a:effectRef>
+          <a:fontRef idx="minor">
+            <a:schemeClr val="lt1"/>
+          </a:fontRef>
+        </p:style>
+        <p:txBody>
+          <a:bodyPr rtlCol="0" anchor="ctr"/>
+          <a:lstStyle/>
+          <a:p>
+            <a:pPr algn="ctr"/>
+            <a:endParaRPr lang="zh-CN" altLang="en-US"/>
+          </a:p>
+        </p:txBody>
+      </p:sp>
+      <p:sp>
+        <p:nvSpPr>
+          <p:cNvPr id="51" name="矩形 50"/>
+          <p:cNvSpPr/>
+          <p:nvPr/>
+        </p:nvSpPr>
+        <p:spPr>
+          <a:xfrm>
+            <a:off x="323528" y="836712"/>
+            <a:ext cx="8639944" cy="1188132"/>
+          </a:xfrm>
+          <a:prstGeom prst="rect">
+            <a:avLst/>
+          </a:prstGeom>
+          <a:solidFill>
+            <a:schemeClr val="tx2">
+              <a:lumMod val="20000"/>
+              <a:lumOff val="80000"/>
+            </a:schemeClr>
+          </a:solidFill>
+          <a:ln>
+            <a:solidFill>
+              <a:schemeClr val="tx2">
+                <a:lumMod val="20000"/>
+                <a:lumOff val="80000"/>
+              </a:schemeClr>
+            </a:solidFill>
+          </a:ln>
+        </p:spPr>
+        <p:style>
+          <a:lnRef idx="2">
+            <a:schemeClr val="accent1">
+              <a:shade val="50000"/>
+            </a:schemeClr>
+          </a:lnRef>
+          <a:fillRef idx="1">
+            <a:schemeClr val="accent1"/>
+          </a:fillRef>
+          <a:effectRef idx="0">
+            <a:schemeClr val="accent1"/>
+          </a:effectRef>
+          <a:fontRef idx="minor">
+            <a:schemeClr val="lt1"/>
+          </a:fontRef>
+        </p:style>
+        <p:txBody>
+          <a:bodyPr rtlCol="0" anchor="ctr"/>
+          <a:lstStyle/>
+          <a:p>
+            <a:pPr algn="ctr"/>
+            <a:endParaRPr lang="zh-CN" altLang="en-US"/>
+          </a:p>
+        </p:txBody>
+      </p:sp>
+      <p:sp>
+        <p:nvSpPr>
+          <p:cNvPr id="4" name="TextBox 3"/>
+          <p:cNvSpPr txBox="1"/>
+          <p:nvPr/>
+        </p:nvSpPr>
+        <p:spPr>
+          <a:xfrm>
+            <a:off x="7739336" y="2786014"/>
+            <a:ext cx="917776" cy="276999"/>
+          </a:xfrm>
+          <a:prstGeom prst="rect">
+            <a:avLst/>
+          </a:prstGeom>
+          <a:noFill/>
+          <a:ln>
+            <a:solidFill>
+              <a:schemeClr val="tx1"/>
+            </a:solidFill>
+          </a:ln>
+        </p:spPr>
+        <p:txBody>
+          <a:bodyPr wrap="square" rtlCol="0">
+            <a:spAutoFit/>
+          </a:bodyPr>
+          <a:lstStyle/>
+          <a:p>
+            <a:r>
+              <a:rPr lang="en-US" altLang="zh-CN" sz="1200" dirty="0" smtClean="0"/>
+              <a:t>title</a:t>
+            </a:r>
+            <a:endParaRPr lang="zh-CN" altLang="en-US" sz="1200" dirty="0"/>
+          </a:p>
+        </p:txBody>
+      </p:sp>
+      <p:sp>
+        <p:nvSpPr>
+          <p:cNvPr id="7" name="TextBox 6"/>
+          <p:cNvSpPr txBox="1"/>
+          <p:nvPr/>
+        </p:nvSpPr>
+        <p:spPr>
+          <a:xfrm>
+            <a:off x="683096" y="2771080"/>
+            <a:ext cx="720080" cy="276999"/>
+          </a:xfrm>
+          <a:prstGeom prst="rect">
+            <a:avLst/>
+          </a:prstGeom>
+          <a:noFill/>
+          <a:ln>
+            <a:solidFill>
+              <a:schemeClr val="tx1"/>
+            </a:solidFill>
+          </a:ln>
+        </p:spPr>
+        <p:txBody>
+          <a:bodyPr wrap="square" rtlCol="0">
+            <a:spAutoFit/>
+          </a:bodyPr>
+          <a:lstStyle/>
+          <a:p>
+            <a:r>
+              <a:rPr lang="en-US" altLang="zh-CN" sz="1200" dirty="0" smtClean="0"/>
+              <a:t>model</a:t>
+            </a:r>
+            <a:endParaRPr lang="zh-CN" altLang="en-US" sz="1200" dirty="0"/>
+          </a:p>
+        </p:txBody>
+      </p:sp>
+      <p:sp>
+        <p:nvSpPr>
+          <p:cNvPr id="8" name="TextBox 7"/>
+          <p:cNvSpPr txBox="1"/>
+          <p:nvPr/>
+        </p:nvSpPr>
+        <p:spPr>
+          <a:xfrm>
+            <a:off x="3110000" y="2766473"/>
+            <a:ext cx="1008112" cy="276999"/>
+          </a:xfrm>
+          <a:prstGeom prst="rect">
+            <a:avLst/>
+          </a:prstGeom>
+          <a:noFill/>
+          <a:ln>
+            <a:solidFill>
+              <a:schemeClr val="tx1"/>
+            </a:solidFill>
+          </a:ln>
+        </p:spPr>
+        <p:txBody>
+          <a:bodyPr wrap="square" rtlCol="0">
+            <a:spAutoFit/>
+          </a:bodyPr>
+          <a:lstStyle/>
+          <a:p>
+            <a:r>
+              <a:rPr lang="en-US" altLang="zh-CN" sz="1200" dirty="0" err="1" smtClean="0"/>
+              <a:t>Batch_size</a:t>
+            </a:r>
+            <a:endParaRPr lang="zh-CN" altLang="en-US" sz="1200" dirty="0"/>
+          </a:p>
+        </p:txBody>
+      </p:sp>
+      <p:sp>
+        <p:nvSpPr>
+          <p:cNvPr id="9" name="TextBox 8"/>
+          <p:cNvSpPr txBox="1"/>
+          <p:nvPr/>
+        </p:nvSpPr>
+        <p:spPr>
+          <a:xfrm>
+            <a:off x="1830624" y="2754965"/>
+            <a:ext cx="1008112" cy="276999"/>
+          </a:xfrm>
+          <a:prstGeom prst="rect">
+            <a:avLst/>
+          </a:prstGeom>
+          <a:noFill/>
+          <a:ln>
+            <a:solidFill>
+              <a:schemeClr val="tx1"/>
+            </a:solidFill>
+          </a:ln>
+        </p:spPr>
+        <p:txBody>
+          <a:bodyPr wrap="square" rtlCol="0">
+            <a:spAutoFit/>
+          </a:bodyPr>
+          <a:lstStyle/>
+          <a:p>
+            <a:r>
+              <a:rPr lang="en-US" altLang="zh-CN" sz="1200" dirty="0" smtClean="0"/>
+              <a:t>Labeled data</a:t>
+            </a:r>
+            <a:endParaRPr lang="zh-CN" altLang="en-US" sz="1200" dirty="0"/>
+          </a:p>
+        </p:txBody>
+      </p:sp>
+      <p:sp>
+        <p:nvSpPr>
+          <p:cNvPr id="10" name="TextBox 9"/>
+          <p:cNvSpPr txBox="1"/>
+          <p:nvPr/>
+        </p:nvSpPr>
+        <p:spPr>
+          <a:xfrm>
+            <a:off x="4262128" y="2771081"/>
+            <a:ext cx="720080" cy="276999"/>
+          </a:xfrm>
+          <a:prstGeom prst="rect">
+            <a:avLst/>
+          </a:prstGeom>
+          <a:noFill/>
+          <a:ln>
+            <a:solidFill>
+              <a:schemeClr val="tx1"/>
+            </a:solidFill>
+          </a:ln>
+        </p:spPr>
+        <p:txBody>
+          <a:bodyPr wrap="square" rtlCol="0">
+            <a:spAutoFit/>
+          </a:bodyPr>
+          <a:lstStyle/>
+          <a:p>
+            <a:r>
+              <a:rPr lang="en-US" altLang="zh-CN" sz="1200" dirty="0" err="1" smtClean="0"/>
+              <a:t>epoches</a:t>
+            </a:r>
+            <a:endParaRPr lang="zh-CN" altLang="en-US" sz="1200" dirty="0"/>
+          </a:p>
+        </p:txBody>
+      </p:sp>
+      <p:sp>
+        <p:nvSpPr>
+          <p:cNvPr id="11" name="TextBox 10"/>
+          <p:cNvSpPr txBox="1"/>
+          <p:nvPr/>
+        </p:nvSpPr>
+        <p:spPr>
+          <a:xfrm>
+            <a:off x="5126224" y="2775490"/>
+            <a:ext cx="648072" cy="276999"/>
+          </a:xfrm>
+          <a:prstGeom prst="rect">
+            <a:avLst/>
+          </a:prstGeom>
+          <a:noFill/>
+          <a:ln>
+            <a:solidFill>
+              <a:schemeClr val="tx1"/>
+            </a:solidFill>
+          </a:ln>
+        </p:spPr>
+        <p:txBody>
+          <a:bodyPr wrap="square" rtlCol="0">
+            <a:spAutoFit/>
+          </a:bodyPr>
+          <a:lstStyle/>
+          <a:p>
+            <a:r>
+              <a:rPr lang="en-US" altLang="zh-CN" sz="1200" dirty="0" smtClean="0"/>
+              <a:t>classes</a:t>
+            </a:r>
+            <a:endParaRPr lang="zh-CN" altLang="en-US" sz="1200" dirty="0"/>
+          </a:p>
+        </p:txBody>
+      </p:sp>
+      <p:sp>
+        <p:nvSpPr>
+          <p:cNvPr id="12" name="TextBox 11"/>
+          <p:cNvSpPr txBox="1"/>
+          <p:nvPr/>
+        </p:nvSpPr>
+        <p:spPr>
+          <a:xfrm>
+            <a:off x="5926696" y="2786499"/>
+            <a:ext cx="648072" cy="276999"/>
+          </a:xfrm>
+          <a:prstGeom prst="rect">
+            <a:avLst/>
+          </a:prstGeom>
+          <a:noFill/>
+          <a:ln>
+            <a:solidFill>
+              <a:schemeClr val="tx1"/>
+            </a:solidFill>
+          </a:ln>
+        </p:spPr>
+        <p:txBody>
+          <a:bodyPr wrap="square" rtlCol="0">
+            <a:spAutoFit/>
+          </a:bodyPr>
+          <a:lstStyle/>
+          <a:p>
+            <a:r>
+              <a:rPr lang="en-US" altLang="zh-CN" sz="1200" dirty="0" smtClean="0"/>
+              <a:t>width</a:t>
+            </a:r>
+            <a:endParaRPr lang="zh-CN" altLang="en-US" sz="1200" dirty="0"/>
+          </a:p>
+        </p:txBody>
+      </p:sp>
+      <p:sp>
+        <p:nvSpPr>
+          <p:cNvPr id="13" name="TextBox 12"/>
+          <p:cNvSpPr txBox="1"/>
+          <p:nvPr/>
+        </p:nvSpPr>
+        <p:spPr>
+          <a:xfrm>
+            <a:off x="6727168" y="2774812"/>
+            <a:ext cx="648072" cy="276999"/>
+          </a:xfrm>
+          <a:prstGeom prst="rect">
+            <a:avLst/>
+          </a:prstGeom>
+          <a:noFill/>
+          <a:ln>
+            <a:solidFill>
+              <a:schemeClr val="tx1"/>
+            </a:solidFill>
+          </a:ln>
+        </p:spPr>
+        <p:txBody>
+          <a:bodyPr wrap="square" rtlCol="0">
+            <a:spAutoFit/>
+          </a:bodyPr>
+          <a:lstStyle/>
+          <a:p>
+            <a:r>
+              <a:rPr lang="en-US" altLang="zh-CN" sz="1200" dirty="0" smtClean="0"/>
+              <a:t>height</a:t>
+            </a:r>
+            <a:endParaRPr lang="zh-CN" altLang="en-US" sz="1200" dirty="0"/>
+          </a:p>
+        </p:txBody>
+      </p:sp>
+      <p:sp>
+        <p:nvSpPr>
+          <p:cNvPr id="14" name="TextBox 13"/>
+          <p:cNvSpPr txBox="1"/>
+          <p:nvPr/>
+        </p:nvSpPr>
+        <p:spPr>
+          <a:xfrm>
+            <a:off x="7622160" y="3578804"/>
+            <a:ext cx="1152128" cy="276999"/>
+          </a:xfrm>
+          <a:prstGeom prst="rect">
+            <a:avLst/>
+          </a:prstGeom>
+          <a:noFill/>
+          <a:ln>
+            <a:solidFill>
+              <a:schemeClr val="tx1"/>
+            </a:solidFill>
+          </a:ln>
+        </p:spPr>
+        <p:txBody>
+          <a:bodyPr wrap="square" rtlCol="0">
+            <a:spAutoFit/>
+          </a:bodyPr>
+          <a:lstStyle/>
+          <a:p>
+            <a:r>
+              <a:rPr lang="en-US" altLang="zh-CN" sz="1200" dirty="0" err="1" smtClean="0"/>
+              <a:t>Nvabar</a:t>
+            </a:r>
+            <a:r>
+              <a:rPr lang="en-US" altLang="zh-CN" sz="1200" dirty="0" smtClean="0"/>
+              <a:t>-header</a:t>
+            </a:r>
+            <a:endParaRPr lang="zh-CN" altLang="en-US" sz="1200" dirty="0"/>
+          </a:p>
+        </p:txBody>
+      </p:sp>
+      <p:sp>
+        <p:nvSpPr>
+          <p:cNvPr id="15" name="TextBox 14"/>
+          <p:cNvSpPr txBox="1"/>
+          <p:nvPr/>
+        </p:nvSpPr>
+        <p:spPr>
+          <a:xfrm>
+            <a:off x="538536" y="3543280"/>
+            <a:ext cx="1009200" cy="276999"/>
+          </a:xfrm>
+          <a:prstGeom prst="rect">
+            <a:avLst/>
+          </a:prstGeom>
+          <a:noFill/>
+          <a:ln>
+            <a:solidFill>
+              <a:schemeClr val="tx1"/>
+            </a:solidFill>
+          </a:ln>
+        </p:spPr>
+        <p:txBody>
+          <a:bodyPr wrap="square" rtlCol="0">
+            <a:spAutoFit/>
+          </a:bodyPr>
+          <a:lstStyle/>
+          <a:p>
+            <a:r>
+              <a:rPr lang="en-US" altLang="zh-CN" sz="1200" dirty="0" smtClean="0"/>
+              <a:t>Form-control</a:t>
+            </a:r>
+            <a:endParaRPr lang="zh-CN" altLang="en-US" sz="1200" dirty="0"/>
+          </a:p>
+        </p:txBody>
+      </p:sp>
+      <p:sp>
+        <p:nvSpPr>
+          <p:cNvPr id="16" name="TextBox 15"/>
+          <p:cNvSpPr txBox="1"/>
+          <p:nvPr/>
+        </p:nvSpPr>
+        <p:spPr>
+          <a:xfrm>
+            <a:off x="1830624" y="3543279"/>
+            <a:ext cx="1008112" cy="276999"/>
+          </a:xfrm>
+          <a:prstGeom prst="rect">
+            <a:avLst/>
+          </a:prstGeom>
+          <a:noFill/>
+          <a:ln>
+            <a:solidFill>
+              <a:schemeClr val="tx1"/>
+            </a:solidFill>
+          </a:ln>
+        </p:spPr>
+        <p:txBody>
+          <a:bodyPr wrap="square" rtlCol="0">
+            <a:spAutoFit/>
+          </a:bodyPr>
+          <a:lstStyle/>
+          <a:p>
+            <a:r>
+              <a:rPr lang="en-US" altLang="zh-CN" sz="1200" dirty="0" smtClean="0"/>
+              <a:t>Form-post</a:t>
+            </a:r>
+            <a:endParaRPr lang="zh-CN" altLang="en-US" sz="1200" dirty="0"/>
+          </a:p>
+        </p:txBody>
+      </p:sp>
+      <p:sp>
+        <p:nvSpPr>
+          <p:cNvPr id="17" name="TextBox 16"/>
+          <p:cNvSpPr txBox="1"/>
+          <p:nvPr/>
+        </p:nvSpPr>
+        <p:spPr>
+          <a:xfrm>
+            <a:off x="4946204" y="3568478"/>
+            <a:ext cx="1008112" cy="276999"/>
+          </a:xfrm>
+          <a:prstGeom prst="rect">
+            <a:avLst/>
+          </a:prstGeom>
+          <a:noFill/>
+          <a:ln>
+            <a:solidFill>
+              <a:schemeClr val="tx1"/>
+            </a:solidFill>
+          </a:ln>
+        </p:spPr>
+        <p:txBody>
+          <a:bodyPr wrap="square" rtlCol="0">
+            <a:spAutoFit/>
+          </a:bodyPr>
+          <a:lstStyle/>
+          <a:p>
+            <a:r>
+              <a:rPr lang="en-US" altLang="zh-CN" sz="1200" dirty="0" smtClean="0"/>
+              <a:t>Form-text</a:t>
+            </a:r>
+            <a:endParaRPr lang="zh-CN" altLang="en-US" sz="1200" dirty="0"/>
+          </a:p>
+        </p:txBody>
+      </p:sp>
+      <p:sp>
+        <p:nvSpPr>
+          <p:cNvPr id="18" name="TextBox 17"/>
+          <p:cNvSpPr txBox="1"/>
+          <p:nvPr/>
+        </p:nvSpPr>
+        <p:spPr>
+          <a:xfrm>
+            <a:off x="1664024" y="1553049"/>
+            <a:ext cx="1008112" cy="276999"/>
+          </a:xfrm>
+          <a:prstGeom prst="rect">
+            <a:avLst/>
+          </a:prstGeom>
+          <a:noFill/>
+          <a:ln>
+            <a:solidFill>
+              <a:schemeClr val="tx1"/>
+            </a:solidFill>
+          </a:ln>
+        </p:spPr>
+        <p:txBody>
+          <a:bodyPr wrap="square" rtlCol="0">
+            <a:spAutoFit/>
+          </a:bodyPr>
+          <a:lstStyle/>
+          <a:p>
+            <a:pPr algn="ctr"/>
+            <a:r>
+              <a:rPr lang="zh-CN" altLang="en-US" sz="1200" dirty="0" smtClean="0"/>
+              <a:t>字体</a:t>
+            </a:r>
+            <a:endParaRPr lang="zh-CN" altLang="en-US" sz="1200" dirty="0"/>
+          </a:p>
+        </p:txBody>
+      </p:sp>
+      <p:sp>
+        <p:nvSpPr>
+          <p:cNvPr id="19" name="TextBox 18"/>
+          <p:cNvSpPr txBox="1"/>
+          <p:nvPr/>
+        </p:nvSpPr>
+        <p:spPr>
+          <a:xfrm>
+            <a:off x="5895296" y="1553963"/>
+            <a:ext cx="1008112" cy="276999"/>
+          </a:xfrm>
+          <a:prstGeom prst="rect">
+            <a:avLst/>
+          </a:prstGeom>
+          <a:noFill/>
+          <a:ln>
+            <a:solidFill>
+              <a:schemeClr val="tx1"/>
+            </a:solidFill>
+          </a:ln>
+        </p:spPr>
+        <p:txBody>
+          <a:bodyPr wrap="square" rtlCol="0">
+            <a:spAutoFit/>
+          </a:bodyPr>
+          <a:lstStyle/>
+          <a:p>
+            <a:pPr algn="ctr"/>
+            <a:r>
+              <a:rPr lang="zh-CN" altLang="en-US" sz="1200" dirty="0"/>
+              <a:t>颜色</a:t>
+            </a:r>
+          </a:p>
+        </p:txBody>
+      </p:sp>
+      <p:sp>
+        <p:nvSpPr>
+          <p:cNvPr id="21" name="TextBox 20"/>
+          <p:cNvSpPr txBox="1"/>
+          <p:nvPr/>
+        </p:nvSpPr>
+        <p:spPr>
+          <a:xfrm>
+            <a:off x="3779912" y="1546879"/>
+            <a:ext cx="1008112" cy="276999"/>
+          </a:xfrm>
+          <a:prstGeom prst="rect">
+            <a:avLst/>
+          </a:prstGeom>
+          <a:noFill/>
+          <a:ln>
+            <a:solidFill>
+              <a:schemeClr val="tx1"/>
+            </a:solidFill>
+          </a:ln>
+        </p:spPr>
+        <p:txBody>
+          <a:bodyPr wrap="square" rtlCol="0">
+            <a:spAutoFit/>
+          </a:bodyPr>
+          <a:lstStyle/>
+          <a:p>
+            <a:pPr algn="ctr"/>
+            <a:r>
+              <a:rPr lang="zh-CN" altLang="en-US" sz="1200" dirty="0" smtClean="0"/>
+              <a:t>位置</a:t>
+            </a:r>
+            <a:endParaRPr lang="zh-CN" altLang="en-US" sz="1200" dirty="0"/>
+          </a:p>
+        </p:txBody>
+      </p:sp>
+      <p:cxnSp>
+        <p:nvCxnSpPr>
+          <p:cNvPr id="23" name="直接连接符 22"/>
+          <p:cNvCxnSpPr>
+            <a:stCxn id="4" idx="2"/>
+            <a:endCxn id="14" idx="0"/>
+          </p:cNvCxnSpPr>
+          <p:nvPr/>
+        </p:nvCxnSpPr>
+        <p:spPr>
+          <a:xfrm>
+            <a:off x="8198224" y="3063013"/>
+            <a:ext cx="0" cy="515791"/>
+          </a:xfrm>
+          <a:prstGeom prst="line">
+            <a:avLst/>
+          </a:prstGeom>
+          <a:ln w="12700">
+            <a:solidFill>
+              <a:schemeClr val="tx1"/>
+            </a:solidFill>
+          </a:ln>
+        </p:spPr>
+        <p:style>
+          <a:lnRef idx="1">
+            <a:schemeClr val="accent1"/>
+          </a:lnRef>
+          <a:fillRef idx="0">
+            <a:schemeClr val="accent1"/>
+          </a:fillRef>
+          <a:effectRef idx="0">
+            <a:schemeClr val="accent1"/>
+          </a:effectRef>
+          <a:fontRef idx="minor">
+            <a:schemeClr val="tx1"/>
+          </a:fontRef>
+        </p:style>
+      </p:cxnSp>
+      <p:cxnSp>
+        <p:nvCxnSpPr>
+          <p:cNvPr id="24" name="直接连接符 23"/>
+          <p:cNvCxnSpPr/>
+          <p:nvPr/>
+        </p:nvCxnSpPr>
+        <p:spPr>
+          <a:xfrm>
+            <a:off x="1069264" y="3043472"/>
+            <a:ext cx="0" cy="515791"/>
+          </a:xfrm>
+          <a:prstGeom prst="line">
+            <a:avLst/>
+          </a:prstGeom>
+          <a:ln w="12700">
+            <a:solidFill>
+              <a:schemeClr val="tx1"/>
+            </a:solidFill>
+          </a:ln>
+        </p:spPr>
+        <p:style>
+          <a:lnRef idx="1">
+            <a:schemeClr val="accent1"/>
+          </a:lnRef>
+          <a:fillRef idx="0">
+            <a:schemeClr val="accent1"/>
+          </a:fillRef>
+          <a:effectRef idx="0">
+            <a:schemeClr val="accent1"/>
+          </a:effectRef>
+          <a:fontRef idx="minor">
+            <a:schemeClr val="tx1"/>
+          </a:fontRef>
+        </p:style>
+      </p:cxnSp>
+      <p:cxnSp>
+        <p:nvCxnSpPr>
+          <p:cNvPr id="25" name="直接连接符 24"/>
+          <p:cNvCxnSpPr>
+            <a:stCxn id="9" idx="2"/>
+          </p:cNvCxnSpPr>
+          <p:nvPr/>
+        </p:nvCxnSpPr>
+        <p:spPr>
+          <a:xfrm flipH="1">
+            <a:off x="2333816" y="3031964"/>
+            <a:ext cx="864" cy="531907"/>
+          </a:xfrm>
+          <a:prstGeom prst="line">
+            <a:avLst/>
+          </a:prstGeom>
+          <a:ln w="12700">
+            <a:solidFill>
+              <a:schemeClr val="tx1"/>
+            </a:solidFill>
+          </a:ln>
+        </p:spPr>
+        <p:style>
+          <a:lnRef idx="1">
+            <a:schemeClr val="accent1"/>
+          </a:lnRef>
+          <a:fillRef idx="0">
+            <a:schemeClr val="accent1"/>
+          </a:fillRef>
+          <a:effectRef idx="0">
+            <a:schemeClr val="accent1"/>
+          </a:effectRef>
+          <a:fontRef idx="minor">
+            <a:schemeClr val="tx1"/>
+          </a:fontRef>
+        </p:style>
+      </p:cxnSp>
+      <p:cxnSp>
+        <p:nvCxnSpPr>
+          <p:cNvPr id="28" name="直接连接符 27"/>
+          <p:cNvCxnSpPr>
+            <a:stCxn id="17" idx="0"/>
+          </p:cNvCxnSpPr>
+          <p:nvPr/>
+        </p:nvCxnSpPr>
+        <p:spPr>
+          <a:xfrm flipV="1">
+            <a:off x="5450260" y="3424462"/>
+            <a:ext cx="0" cy="144016"/>
+          </a:xfrm>
+          <a:prstGeom prst="line">
+            <a:avLst/>
+          </a:prstGeom>
+          <a:ln w="12700">
+            <a:solidFill>
+              <a:schemeClr val="tx1"/>
+            </a:solidFill>
+          </a:ln>
+        </p:spPr>
+        <p:style>
+          <a:lnRef idx="1">
+            <a:schemeClr val="accent1"/>
+          </a:lnRef>
+          <a:fillRef idx="0">
+            <a:schemeClr val="accent1"/>
+          </a:fillRef>
+          <a:effectRef idx="0">
+            <a:schemeClr val="accent1"/>
+          </a:effectRef>
+          <a:fontRef idx="minor">
+            <a:schemeClr val="tx1"/>
+          </a:fontRef>
+        </p:style>
+      </p:cxnSp>
+      <p:cxnSp>
+        <p:nvCxnSpPr>
+          <p:cNvPr id="30" name="直接连接符 29"/>
+          <p:cNvCxnSpPr/>
+          <p:nvPr/>
+        </p:nvCxnSpPr>
+        <p:spPr>
+          <a:xfrm>
+            <a:off x="3614056" y="3415248"/>
+            <a:ext cx="3437148" cy="0"/>
+          </a:xfrm>
+          <a:prstGeom prst="line">
+            <a:avLst/>
+          </a:prstGeom>
+          <a:ln w="12700">
+            <a:solidFill>
+              <a:schemeClr val="tx1"/>
+            </a:solidFill>
+          </a:ln>
+        </p:spPr>
+        <p:style>
+          <a:lnRef idx="1">
+            <a:schemeClr val="accent1"/>
+          </a:lnRef>
+          <a:fillRef idx="0">
+            <a:schemeClr val="accent1"/>
+          </a:fillRef>
+          <a:effectRef idx="0">
+            <a:schemeClr val="accent1"/>
+          </a:effectRef>
+          <a:fontRef idx="minor">
+            <a:schemeClr val="tx1"/>
+          </a:fontRef>
+        </p:style>
+      </p:cxnSp>
+      <p:cxnSp>
+        <p:nvCxnSpPr>
+          <p:cNvPr id="36" name="直接连接符 35"/>
+          <p:cNvCxnSpPr>
+            <a:stCxn id="8" idx="2"/>
+          </p:cNvCxnSpPr>
+          <p:nvPr/>
+        </p:nvCxnSpPr>
+        <p:spPr>
+          <a:xfrm>
+            <a:off x="3614056" y="3043472"/>
+            <a:ext cx="0" cy="371776"/>
+          </a:xfrm>
+          <a:prstGeom prst="line">
+            <a:avLst/>
+          </a:prstGeom>
+          <a:ln w="12700">
+            <a:solidFill>
+              <a:schemeClr val="tx1"/>
+            </a:solidFill>
+          </a:ln>
+        </p:spPr>
+        <p:style>
+          <a:lnRef idx="1">
+            <a:schemeClr val="accent1"/>
+          </a:lnRef>
+          <a:fillRef idx="0">
+            <a:schemeClr val="accent1"/>
+          </a:fillRef>
+          <a:effectRef idx="0">
+            <a:schemeClr val="accent1"/>
+          </a:effectRef>
+          <a:fontRef idx="minor">
+            <a:schemeClr val="tx1"/>
+          </a:fontRef>
+        </p:style>
+      </p:cxnSp>
+      <p:cxnSp>
+        <p:nvCxnSpPr>
+          <p:cNvPr id="39" name="直接连接符 38"/>
+          <p:cNvCxnSpPr>
+            <a:stCxn id="10" idx="2"/>
+          </p:cNvCxnSpPr>
+          <p:nvPr/>
+        </p:nvCxnSpPr>
+        <p:spPr>
+          <a:xfrm>
+            <a:off x="4622168" y="3048080"/>
+            <a:ext cx="0" cy="367168"/>
+          </a:xfrm>
+          <a:prstGeom prst="line">
+            <a:avLst/>
+          </a:prstGeom>
+          <a:ln w="12700">
+            <a:solidFill>
+              <a:schemeClr val="tx1"/>
+            </a:solidFill>
+          </a:ln>
+        </p:spPr>
+        <p:style>
+          <a:lnRef idx="1">
+            <a:schemeClr val="accent1"/>
+          </a:lnRef>
+          <a:fillRef idx="0">
+            <a:schemeClr val="accent1"/>
+          </a:fillRef>
+          <a:effectRef idx="0">
+            <a:schemeClr val="accent1"/>
+          </a:effectRef>
+          <a:fontRef idx="minor">
+            <a:schemeClr val="tx1"/>
+          </a:fontRef>
+        </p:style>
+      </p:cxnSp>
+      <p:cxnSp>
+        <p:nvCxnSpPr>
+          <p:cNvPr id="42" name="直接连接符 41"/>
+          <p:cNvCxnSpPr>
+            <a:stCxn id="11" idx="2"/>
+          </p:cNvCxnSpPr>
+          <p:nvPr/>
+        </p:nvCxnSpPr>
+        <p:spPr>
+          <a:xfrm>
+            <a:off x="5450260" y="3052489"/>
+            <a:ext cx="0" cy="362759"/>
+          </a:xfrm>
+          <a:prstGeom prst="line">
+            <a:avLst/>
+          </a:prstGeom>
+          <a:ln w="12700">
+            <a:solidFill>
+              <a:schemeClr val="tx1"/>
+            </a:solidFill>
+          </a:ln>
+        </p:spPr>
+        <p:style>
+          <a:lnRef idx="1">
+            <a:schemeClr val="accent1"/>
+          </a:lnRef>
+          <a:fillRef idx="0">
+            <a:schemeClr val="accent1"/>
+          </a:fillRef>
+          <a:effectRef idx="0">
+            <a:schemeClr val="accent1"/>
+          </a:effectRef>
+          <a:fontRef idx="minor">
+            <a:schemeClr val="tx1"/>
+          </a:fontRef>
+        </p:style>
+      </p:cxnSp>
+      <p:cxnSp>
+        <p:nvCxnSpPr>
+          <p:cNvPr id="44" name="直接连接符 43"/>
+          <p:cNvCxnSpPr>
+            <a:stCxn id="12" idx="2"/>
+          </p:cNvCxnSpPr>
+          <p:nvPr/>
+        </p:nvCxnSpPr>
+        <p:spPr>
+          <a:xfrm>
+            <a:off x="6250732" y="3063498"/>
+            <a:ext cx="0" cy="351750"/>
+          </a:xfrm>
+          <a:prstGeom prst="line">
+            <a:avLst/>
+          </a:prstGeom>
+          <a:ln w="12700">
+            <a:solidFill>
+              <a:schemeClr val="tx1"/>
+            </a:solidFill>
+          </a:ln>
+        </p:spPr>
+        <p:style>
+          <a:lnRef idx="1">
+            <a:schemeClr val="accent1"/>
+          </a:lnRef>
+          <a:fillRef idx="0">
+            <a:schemeClr val="accent1"/>
+          </a:fillRef>
+          <a:effectRef idx="0">
+            <a:schemeClr val="accent1"/>
+          </a:effectRef>
+          <a:fontRef idx="minor">
+            <a:schemeClr val="tx1"/>
+          </a:fontRef>
+        </p:style>
+      </p:cxnSp>
+      <p:cxnSp>
+        <p:nvCxnSpPr>
+          <p:cNvPr id="46" name="直接连接符 45"/>
+          <p:cNvCxnSpPr>
+            <a:stCxn id="13" idx="2"/>
+          </p:cNvCxnSpPr>
+          <p:nvPr/>
+        </p:nvCxnSpPr>
+        <p:spPr>
+          <a:xfrm>
+            <a:off x="7051204" y="3051811"/>
+            <a:ext cx="0" cy="363437"/>
+          </a:xfrm>
+          <a:prstGeom prst="line">
+            <a:avLst/>
+          </a:prstGeom>
+          <a:ln w="12700">
+            <a:solidFill>
+              <a:schemeClr val="tx1"/>
+            </a:solidFill>
+          </a:ln>
+        </p:spPr>
+        <p:style>
+          <a:lnRef idx="1">
+            <a:schemeClr val="accent1"/>
+          </a:lnRef>
+          <a:fillRef idx="0">
+            <a:schemeClr val="accent1"/>
+          </a:fillRef>
+          <a:effectRef idx="0">
+            <a:schemeClr val="accent1"/>
+          </a:effectRef>
+          <a:fontRef idx="minor">
+            <a:schemeClr val="tx1"/>
+          </a:fontRef>
+        </p:style>
+      </p:cxnSp>
+      <p:sp>
+        <p:nvSpPr>
+          <p:cNvPr id="49" name="TextBox 48"/>
+          <p:cNvSpPr txBox="1"/>
+          <p:nvPr/>
+        </p:nvSpPr>
+        <p:spPr>
+          <a:xfrm>
+            <a:off x="1675264" y="4530960"/>
+            <a:ext cx="1269304" cy="276999"/>
+          </a:xfrm>
+          <a:prstGeom prst="rect">
+            <a:avLst/>
+          </a:prstGeom>
+          <a:noFill/>
+          <a:ln>
+            <a:solidFill>
+              <a:schemeClr val="tx1"/>
+            </a:solidFill>
+          </a:ln>
+        </p:spPr>
+        <p:txBody>
+          <a:bodyPr wrap="square" rtlCol="0">
+            <a:spAutoFit/>
+          </a:bodyPr>
+          <a:lstStyle/>
+          <a:p>
+            <a:r>
+              <a:rPr lang="zh-CN" altLang="en-US" sz="1200" dirty="0"/>
+              <a:t>表</a:t>
+            </a:r>
+            <a:r>
+              <a:rPr lang="zh-CN" altLang="en-US" sz="1200" dirty="0" smtClean="0"/>
+              <a:t>单信息收集</a:t>
+            </a:r>
+            <a:endParaRPr lang="zh-CN" altLang="en-US" sz="1200" dirty="0"/>
+          </a:p>
+        </p:txBody>
+      </p:sp>
+      <p:sp>
+        <p:nvSpPr>
+          <p:cNvPr id="50" name="TextBox 49"/>
+          <p:cNvSpPr txBox="1"/>
+          <p:nvPr/>
+        </p:nvSpPr>
+        <p:spPr>
+          <a:xfrm>
+            <a:off x="3987516" y="4536979"/>
+            <a:ext cx="1269304" cy="276999"/>
+          </a:xfrm>
+          <a:prstGeom prst="rect">
+            <a:avLst/>
+          </a:prstGeom>
+          <a:noFill/>
+          <a:ln>
+            <a:solidFill>
+              <a:schemeClr val="tx1"/>
+            </a:solidFill>
+          </a:ln>
+        </p:spPr>
+        <p:txBody>
+          <a:bodyPr wrap="square" rtlCol="0">
+            <a:spAutoFit/>
+          </a:bodyPr>
+          <a:lstStyle/>
+          <a:p>
+            <a:r>
+              <a:rPr lang="zh-CN" altLang="en-US" sz="1200" dirty="0" smtClean="0"/>
+              <a:t>数据打包与发送</a:t>
+            </a:r>
+            <a:endParaRPr lang="zh-CN" altLang="en-US" sz="1200" dirty="0"/>
+          </a:p>
+        </p:txBody>
+      </p:sp>
+      <p:cxnSp>
+        <p:nvCxnSpPr>
+          <p:cNvPr id="66" name="直接连接符 65"/>
+          <p:cNvCxnSpPr/>
+          <p:nvPr/>
+        </p:nvCxnSpPr>
+        <p:spPr>
+          <a:xfrm>
+            <a:off x="7523312" y="2136402"/>
+            <a:ext cx="0" cy="2022093"/>
+          </a:xfrm>
+          <a:prstGeom prst="line">
+            <a:avLst/>
+          </a:prstGeom>
+          <a:ln w="38100">
+            <a:prstDash val="sysDot"/>
+          </a:ln>
+        </p:spPr>
+        <p:style>
+          <a:lnRef idx="1">
+            <a:schemeClr val="accent1"/>
+          </a:lnRef>
+          <a:fillRef idx="0">
+            <a:schemeClr val="accent1"/>
+          </a:fillRef>
+          <a:effectRef idx="0">
+            <a:schemeClr val="accent1"/>
+          </a:effectRef>
+          <a:fontRef idx="minor">
+            <a:schemeClr val="tx1"/>
+          </a:fontRef>
+        </p:style>
+      </p:cxnSp>
+      <p:sp>
+        <p:nvSpPr>
+          <p:cNvPr id="76" name="TextBox 75"/>
+          <p:cNvSpPr txBox="1"/>
+          <p:nvPr/>
+        </p:nvSpPr>
+        <p:spPr>
+          <a:xfrm>
+            <a:off x="426808" y="906718"/>
+            <a:ext cx="1907008" cy="369332"/>
+          </a:xfrm>
+          <a:prstGeom prst="rect">
+            <a:avLst/>
+          </a:prstGeom>
+          <a:noFill/>
+        </p:spPr>
+        <p:txBody>
+          <a:bodyPr wrap="square" rtlCol="0">
+            <a:spAutoFit/>
+          </a:bodyPr>
+          <a:lstStyle/>
+          <a:p>
+            <a:r>
+              <a:rPr lang="zh-CN" altLang="en-US" dirty="0" smtClean="0"/>
+              <a:t>表示层（</a:t>
+            </a:r>
+            <a:r>
+              <a:rPr lang="en-US" altLang="zh-CN" dirty="0" smtClean="0"/>
+              <a:t>CSS</a:t>
+            </a:r>
+            <a:r>
+              <a:rPr lang="zh-CN" altLang="en-US" dirty="0" smtClean="0"/>
+              <a:t>）</a:t>
+            </a:r>
+            <a:endParaRPr lang="zh-CN" altLang="en-US" dirty="0"/>
+          </a:p>
+        </p:txBody>
+      </p:sp>
+      <p:sp>
+        <p:nvSpPr>
+          <p:cNvPr id="77" name="TextBox 76"/>
+          <p:cNvSpPr txBox="1"/>
+          <p:nvPr/>
+        </p:nvSpPr>
+        <p:spPr>
+          <a:xfrm>
+            <a:off x="427672" y="2204864"/>
+            <a:ext cx="1907008" cy="369332"/>
+          </a:xfrm>
+          <a:prstGeom prst="rect">
+            <a:avLst/>
+          </a:prstGeom>
+          <a:noFill/>
+        </p:spPr>
+        <p:txBody>
+          <a:bodyPr wrap="square" rtlCol="0">
+            <a:spAutoFit/>
+          </a:bodyPr>
+          <a:lstStyle/>
+          <a:p>
+            <a:r>
+              <a:rPr lang="zh-CN" altLang="en-US" dirty="0"/>
+              <a:t>结构层</a:t>
+            </a:r>
+            <a:r>
+              <a:rPr lang="zh-CN" altLang="en-US" dirty="0" smtClean="0"/>
+              <a:t>（</a:t>
+            </a:r>
+            <a:r>
+              <a:rPr lang="en-US" altLang="zh-CN" dirty="0" smtClean="0"/>
+              <a:t>HTML</a:t>
+            </a:r>
+            <a:r>
+              <a:rPr lang="zh-CN" altLang="en-US" dirty="0" smtClean="0"/>
+              <a:t>）</a:t>
+            </a:r>
+            <a:endParaRPr lang="zh-CN" altLang="en-US" dirty="0"/>
+          </a:p>
+        </p:txBody>
+      </p:sp>
+      <p:sp>
+        <p:nvSpPr>
+          <p:cNvPr id="78" name="TextBox 77"/>
+          <p:cNvSpPr txBox="1"/>
+          <p:nvPr/>
+        </p:nvSpPr>
+        <p:spPr>
+          <a:xfrm>
+            <a:off x="323528" y="4930134"/>
+            <a:ext cx="2515208" cy="369332"/>
+          </a:xfrm>
+          <a:prstGeom prst="rect">
+            <a:avLst/>
+          </a:prstGeom>
+          <a:noFill/>
+        </p:spPr>
+        <p:txBody>
+          <a:bodyPr wrap="square" rtlCol="0">
+            <a:spAutoFit/>
+          </a:bodyPr>
+          <a:lstStyle/>
+          <a:p>
+            <a:r>
+              <a:rPr lang="zh-CN" altLang="en-US" dirty="0" smtClean="0"/>
+              <a:t>行为层（</a:t>
+            </a:r>
+            <a:r>
+              <a:rPr lang="en-US" altLang="zh-CN" dirty="0" err="1" smtClean="0"/>
+              <a:t>Javascript</a:t>
+            </a:r>
+            <a:r>
+              <a:rPr lang="zh-CN" altLang="en-US" dirty="0" smtClean="0"/>
+              <a:t>）</a:t>
+            </a:r>
+            <a:endParaRPr lang="zh-CN" altLang="en-US" dirty="0"/>
+          </a:p>
+        </p:txBody>
+      </p:sp>
+    </p:spTree>
+    <p:extLst>
+      <p:ext uri="{BB962C8B-B14F-4D97-AF65-F5344CB8AC3E}">
+        <p14:creationId xmlns:p14="http://schemas.microsoft.com/office/powerpoint/2010/main" val="2420509492"/>
       </p:ext>
     </p:extLst>
   </p:cSld>

--- a/graph.pptx
+++ b/graph.pptx
@@ -13,6 +13,8 @@
     <p:sldId id="261" r:id="rId7"/>
     <p:sldId id="262" r:id="rId8"/>
     <p:sldId id="263" r:id="rId9"/>
+    <p:sldId id="264" r:id="rId10"/>
+    <p:sldId id="265" r:id="rId11"/>
   </p:sldIdLst>
   <p:sldSz cx="9144000" cy="6858000" type="screen4x3"/>
   <p:notesSz cx="6858000" cy="9144000"/>
@@ -295,7 +297,7 @@
           <a:p>
             <a:fld id="{530820CF-B880-4189-942D-D702A7CBA730}" type="datetimeFigureOut">
               <a:rPr lang="zh-CN" altLang="en-US" smtClean="0"/>
-              <a:t>2018/12/27</a:t>
+              <a:t>2019/1/2</a:t>
             </a:fld>
             <a:endParaRPr lang="zh-CN" altLang="en-US"/>
           </a:p>
@@ -460,7 +462,7 @@
           <a:p>
             <a:fld id="{530820CF-B880-4189-942D-D702A7CBA730}" type="datetimeFigureOut">
               <a:rPr lang="zh-CN" altLang="en-US" smtClean="0"/>
-              <a:t>2018/12/27</a:t>
+              <a:t>2019/1/2</a:t>
             </a:fld>
             <a:endParaRPr lang="zh-CN" altLang="en-US"/>
           </a:p>
@@ -635,7 +637,7 @@
           <a:p>
             <a:fld id="{530820CF-B880-4189-942D-D702A7CBA730}" type="datetimeFigureOut">
               <a:rPr lang="zh-CN" altLang="en-US" smtClean="0"/>
-              <a:t>2018/12/27</a:t>
+              <a:t>2019/1/2</a:t>
             </a:fld>
             <a:endParaRPr lang="zh-CN" altLang="en-US"/>
           </a:p>
@@ -800,7 +802,7 @@
           <a:p>
             <a:fld id="{530820CF-B880-4189-942D-D702A7CBA730}" type="datetimeFigureOut">
               <a:rPr lang="zh-CN" altLang="en-US" smtClean="0"/>
-              <a:t>2018/12/27</a:t>
+              <a:t>2019/1/2</a:t>
             </a:fld>
             <a:endParaRPr lang="zh-CN" altLang="en-US"/>
           </a:p>
@@ -1041,7 +1043,7 @@
           <a:p>
             <a:fld id="{530820CF-B880-4189-942D-D702A7CBA730}" type="datetimeFigureOut">
               <a:rPr lang="zh-CN" altLang="en-US" smtClean="0"/>
-              <a:t>2018/12/27</a:t>
+              <a:t>2019/1/2</a:t>
             </a:fld>
             <a:endParaRPr lang="zh-CN" altLang="en-US"/>
           </a:p>
@@ -1324,7 +1326,7 @@
           <a:p>
             <a:fld id="{530820CF-B880-4189-942D-D702A7CBA730}" type="datetimeFigureOut">
               <a:rPr lang="zh-CN" altLang="en-US" smtClean="0"/>
-              <a:t>2018/12/27</a:t>
+              <a:t>2019/1/2</a:t>
             </a:fld>
             <a:endParaRPr lang="zh-CN" altLang="en-US"/>
           </a:p>
@@ -1741,7 +1743,7 @@
           <a:p>
             <a:fld id="{530820CF-B880-4189-942D-D702A7CBA730}" type="datetimeFigureOut">
               <a:rPr lang="zh-CN" altLang="en-US" smtClean="0"/>
-              <a:t>2018/12/27</a:t>
+              <a:t>2019/1/2</a:t>
             </a:fld>
             <a:endParaRPr lang="zh-CN" altLang="en-US"/>
           </a:p>
@@ -1854,7 +1856,7 @@
           <a:p>
             <a:fld id="{530820CF-B880-4189-942D-D702A7CBA730}" type="datetimeFigureOut">
               <a:rPr lang="zh-CN" altLang="en-US" smtClean="0"/>
-              <a:t>2018/12/27</a:t>
+              <a:t>2019/1/2</a:t>
             </a:fld>
             <a:endParaRPr lang="zh-CN" altLang="en-US"/>
           </a:p>
@@ -1944,7 +1946,7 @@
           <a:p>
             <a:fld id="{530820CF-B880-4189-942D-D702A7CBA730}" type="datetimeFigureOut">
               <a:rPr lang="zh-CN" altLang="en-US" smtClean="0"/>
-              <a:t>2018/12/27</a:t>
+              <a:t>2019/1/2</a:t>
             </a:fld>
             <a:endParaRPr lang="zh-CN" altLang="en-US"/>
           </a:p>
@@ -2216,7 +2218,7 @@
           <a:p>
             <a:fld id="{530820CF-B880-4189-942D-D702A7CBA730}" type="datetimeFigureOut">
               <a:rPr lang="zh-CN" altLang="en-US" smtClean="0"/>
-              <a:t>2018/12/27</a:t>
+              <a:t>2019/1/2</a:t>
             </a:fld>
             <a:endParaRPr lang="zh-CN" altLang="en-US"/>
           </a:p>
@@ -2464,7 +2466,7 @@
           <a:p>
             <a:fld id="{530820CF-B880-4189-942D-D702A7CBA730}" type="datetimeFigureOut">
               <a:rPr lang="zh-CN" altLang="en-US" smtClean="0"/>
-              <a:t>2018/12/27</a:t>
+              <a:t>2019/1/2</a:t>
             </a:fld>
             <a:endParaRPr lang="zh-CN" altLang="en-US"/>
           </a:p>
@@ -2672,7 +2674,7 @@
           <a:p>
             <a:fld id="{530820CF-B880-4189-942D-D702A7CBA730}" type="datetimeFigureOut">
               <a:rPr lang="zh-CN" altLang="en-US" smtClean="0"/>
-              <a:t>2018/12/27</a:t>
+              <a:t>2019/1/2</a:t>
             </a:fld>
             <a:endParaRPr lang="zh-CN" altLang="en-US"/>
           </a:p>
@@ -3758,6 +3760,927 @@
 </p:sld>
 </file>
 
+<file path=ppt/slides/slide10.xml><?xml version="1.0" encoding="utf-8"?>
+<p:sld xmlns:a="http://schemas.openxmlformats.org/drawingml/2006/main" xmlns:r="http://schemas.openxmlformats.org/officeDocument/2006/relationships" xmlns:p="http://schemas.openxmlformats.org/presentationml/2006/main">
+  <p:cSld>
+    <p:spTree>
+      <p:nvGrpSpPr>
+        <p:cNvPr id="1" name=""/>
+        <p:cNvGrpSpPr/>
+        <p:nvPr/>
+      </p:nvGrpSpPr>
+      <p:grpSpPr>
+        <a:xfrm>
+          <a:off x="0" y="0"/>
+          <a:ext cx="0" cy="0"/>
+          <a:chOff x="0" y="0"/>
+          <a:chExt cx="0" cy="0"/>
+        </a:xfrm>
+      </p:grpSpPr>
+      <p:sp>
+        <p:nvSpPr>
+          <p:cNvPr id="4" name="椭圆 3"/>
+          <p:cNvSpPr/>
+          <p:nvPr/>
+        </p:nvSpPr>
+        <p:spPr>
+          <a:xfrm>
+            <a:off x="5292080" y="1916440"/>
+            <a:ext cx="1008112" cy="504056"/>
+          </a:xfrm>
+          <a:prstGeom prst="ellipse">
+            <a:avLst/>
+          </a:prstGeom>
+          <a:solidFill>
+            <a:schemeClr val="bg1"/>
+          </a:solidFill>
+          <a:ln>
+            <a:solidFill>
+              <a:schemeClr val="tx1"/>
+            </a:solidFill>
+          </a:ln>
+        </p:spPr>
+        <p:style>
+          <a:lnRef idx="2">
+            <a:schemeClr val="accent1">
+              <a:shade val="50000"/>
+            </a:schemeClr>
+          </a:lnRef>
+          <a:fillRef idx="1">
+            <a:schemeClr val="accent1"/>
+          </a:fillRef>
+          <a:effectRef idx="0">
+            <a:schemeClr val="accent1"/>
+          </a:effectRef>
+          <a:fontRef idx="minor">
+            <a:schemeClr val="lt1"/>
+          </a:fontRef>
+        </p:style>
+        <p:txBody>
+          <a:bodyPr rtlCol="0" anchor="ctr"/>
+          <a:lstStyle/>
+          <a:p>
+            <a:pPr algn="ctr"/>
+            <a:endParaRPr lang="zh-CN" altLang="en-US"/>
+          </a:p>
+        </p:txBody>
+      </p:sp>
+      <p:sp>
+        <p:nvSpPr>
+          <p:cNvPr id="5" name="椭圆 4"/>
+          <p:cNvSpPr/>
+          <p:nvPr/>
+        </p:nvSpPr>
+        <p:spPr>
+          <a:xfrm>
+            <a:off x="2539032" y="1916832"/>
+            <a:ext cx="1960960" cy="504056"/>
+          </a:xfrm>
+          <a:prstGeom prst="ellipse">
+            <a:avLst/>
+          </a:prstGeom>
+          <a:solidFill>
+            <a:schemeClr val="bg1"/>
+          </a:solidFill>
+          <a:ln>
+            <a:solidFill>
+              <a:schemeClr val="tx1"/>
+            </a:solidFill>
+          </a:ln>
+        </p:spPr>
+        <p:style>
+          <a:lnRef idx="2">
+            <a:schemeClr val="accent1">
+              <a:shade val="50000"/>
+            </a:schemeClr>
+          </a:lnRef>
+          <a:fillRef idx="1">
+            <a:schemeClr val="accent1"/>
+          </a:fillRef>
+          <a:effectRef idx="0">
+            <a:schemeClr val="accent1"/>
+          </a:effectRef>
+          <a:fontRef idx="minor">
+            <a:schemeClr val="lt1"/>
+          </a:fontRef>
+        </p:style>
+        <p:txBody>
+          <a:bodyPr rtlCol="0" anchor="ctr"/>
+          <a:lstStyle/>
+          <a:p>
+            <a:pPr algn="ctr"/>
+            <a:endParaRPr lang="zh-CN" altLang="en-US"/>
+          </a:p>
+        </p:txBody>
+      </p:sp>
+      <p:sp>
+        <p:nvSpPr>
+          <p:cNvPr id="6" name="椭圆 5"/>
+          <p:cNvSpPr/>
+          <p:nvPr/>
+        </p:nvSpPr>
+        <p:spPr>
+          <a:xfrm>
+            <a:off x="323528" y="1988840"/>
+            <a:ext cx="1512168" cy="470375"/>
+          </a:xfrm>
+          <a:prstGeom prst="ellipse">
+            <a:avLst/>
+          </a:prstGeom>
+          <a:solidFill>
+            <a:schemeClr val="bg1"/>
+          </a:solidFill>
+          <a:ln>
+            <a:solidFill>
+              <a:schemeClr val="tx1"/>
+            </a:solidFill>
+          </a:ln>
+        </p:spPr>
+        <p:style>
+          <a:lnRef idx="2">
+            <a:schemeClr val="accent1">
+              <a:shade val="50000"/>
+            </a:schemeClr>
+          </a:lnRef>
+          <a:fillRef idx="1">
+            <a:schemeClr val="accent1"/>
+          </a:fillRef>
+          <a:effectRef idx="0">
+            <a:schemeClr val="accent1"/>
+          </a:effectRef>
+          <a:fontRef idx="minor">
+            <a:schemeClr val="lt1"/>
+          </a:fontRef>
+        </p:style>
+        <p:txBody>
+          <a:bodyPr rtlCol="0" anchor="ctr"/>
+          <a:lstStyle/>
+          <a:p>
+            <a:pPr algn="ctr"/>
+            <a:endParaRPr lang="zh-CN" altLang="en-US"/>
+          </a:p>
+        </p:txBody>
+      </p:sp>
+      <p:sp>
+        <p:nvSpPr>
+          <p:cNvPr id="7" name="椭圆 6"/>
+          <p:cNvSpPr/>
+          <p:nvPr/>
+        </p:nvSpPr>
+        <p:spPr>
+          <a:xfrm>
+            <a:off x="7164288" y="1916832"/>
+            <a:ext cx="1656184" cy="504056"/>
+          </a:xfrm>
+          <a:prstGeom prst="ellipse">
+            <a:avLst/>
+          </a:prstGeom>
+          <a:solidFill>
+            <a:schemeClr val="bg1"/>
+          </a:solidFill>
+          <a:ln>
+            <a:solidFill>
+              <a:schemeClr val="tx1"/>
+            </a:solidFill>
+          </a:ln>
+        </p:spPr>
+        <p:style>
+          <a:lnRef idx="2">
+            <a:schemeClr val="accent1">
+              <a:shade val="50000"/>
+            </a:schemeClr>
+          </a:lnRef>
+          <a:fillRef idx="1">
+            <a:schemeClr val="accent1"/>
+          </a:fillRef>
+          <a:effectRef idx="0">
+            <a:schemeClr val="accent1"/>
+          </a:effectRef>
+          <a:fontRef idx="minor">
+            <a:schemeClr val="lt1"/>
+          </a:fontRef>
+        </p:style>
+        <p:txBody>
+          <a:bodyPr rtlCol="0" anchor="ctr"/>
+          <a:lstStyle/>
+          <a:p>
+            <a:pPr algn="ctr"/>
+            <a:endParaRPr lang="zh-CN" altLang="en-US"/>
+          </a:p>
+        </p:txBody>
+      </p:sp>
+      <p:sp>
+        <p:nvSpPr>
+          <p:cNvPr id="8" name="椭圆 7"/>
+          <p:cNvSpPr/>
+          <p:nvPr/>
+        </p:nvSpPr>
+        <p:spPr>
+          <a:xfrm>
+            <a:off x="4303408" y="548680"/>
+            <a:ext cx="1008112" cy="631108"/>
+          </a:xfrm>
+          <a:prstGeom prst="ellipse">
+            <a:avLst/>
+          </a:prstGeom>
+          <a:solidFill>
+            <a:schemeClr val="bg1"/>
+          </a:solidFill>
+          <a:ln>
+            <a:solidFill>
+              <a:schemeClr val="tx1"/>
+            </a:solidFill>
+          </a:ln>
+        </p:spPr>
+        <p:style>
+          <a:lnRef idx="2">
+            <a:schemeClr val="accent1">
+              <a:shade val="50000"/>
+            </a:schemeClr>
+          </a:lnRef>
+          <a:fillRef idx="1">
+            <a:schemeClr val="accent1"/>
+          </a:fillRef>
+          <a:effectRef idx="0">
+            <a:schemeClr val="accent1"/>
+          </a:effectRef>
+          <a:fontRef idx="minor">
+            <a:schemeClr val="lt1"/>
+          </a:fontRef>
+        </p:style>
+        <p:txBody>
+          <a:bodyPr rtlCol="0" anchor="ctr"/>
+          <a:lstStyle/>
+          <a:p>
+            <a:pPr algn="ctr"/>
+            <a:endParaRPr lang="zh-CN" altLang="en-US"/>
+          </a:p>
+        </p:txBody>
+      </p:sp>
+      <p:sp>
+        <p:nvSpPr>
+          <p:cNvPr id="9" name="TextBox 8"/>
+          <p:cNvSpPr txBox="1"/>
+          <p:nvPr/>
+        </p:nvSpPr>
+        <p:spPr>
+          <a:xfrm>
+            <a:off x="4402840" y="679568"/>
+            <a:ext cx="864096" cy="369332"/>
+          </a:xfrm>
+          <a:prstGeom prst="rect">
+            <a:avLst/>
+          </a:prstGeom>
+          <a:noFill/>
+          <a:ln>
+            <a:noFill/>
+          </a:ln>
+        </p:spPr>
+        <p:txBody>
+          <a:bodyPr wrap="square" rtlCol="0">
+            <a:spAutoFit/>
+          </a:bodyPr>
+          <a:lstStyle/>
+          <a:p>
+            <a:r>
+              <a:rPr lang="en-US" altLang="zh-CN" dirty="0" smtClean="0"/>
+              <a:t>Master</a:t>
+            </a:r>
+          </a:p>
+        </p:txBody>
+      </p:sp>
+      <p:sp>
+        <p:nvSpPr>
+          <p:cNvPr id="10" name="TextBox 9"/>
+          <p:cNvSpPr txBox="1"/>
+          <p:nvPr/>
+        </p:nvSpPr>
+        <p:spPr>
+          <a:xfrm>
+            <a:off x="395536" y="2051164"/>
+            <a:ext cx="1512168" cy="369332"/>
+          </a:xfrm>
+          <a:prstGeom prst="rect">
+            <a:avLst/>
+          </a:prstGeom>
+          <a:noFill/>
+          <a:ln>
+            <a:noFill/>
+          </a:ln>
+        </p:spPr>
+        <p:txBody>
+          <a:bodyPr wrap="square" rtlCol="0">
+            <a:spAutoFit/>
+          </a:bodyPr>
+          <a:lstStyle/>
+          <a:p>
+            <a:r>
+              <a:rPr lang="en-US" altLang="zh-CN" dirty="0" err="1" smtClean="0"/>
+              <a:t>Usb_camera</a:t>
+            </a:r>
+            <a:endParaRPr lang="en-US" altLang="zh-CN" dirty="0" smtClean="0"/>
+          </a:p>
+        </p:txBody>
+      </p:sp>
+      <p:sp>
+        <p:nvSpPr>
+          <p:cNvPr id="11" name="TextBox 10"/>
+          <p:cNvSpPr txBox="1"/>
+          <p:nvPr/>
+        </p:nvSpPr>
+        <p:spPr>
+          <a:xfrm>
+            <a:off x="2611040" y="1984194"/>
+            <a:ext cx="1888952" cy="369332"/>
+          </a:xfrm>
+          <a:prstGeom prst="rect">
+            <a:avLst/>
+          </a:prstGeom>
+          <a:noFill/>
+          <a:ln>
+            <a:noFill/>
+          </a:ln>
+        </p:spPr>
+        <p:txBody>
+          <a:bodyPr wrap="square" rtlCol="0">
+            <a:spAutoFit/>
+          </a:bodyPr>
+          <a:lstStyle/>
+          <a:p>
+            <a:r>
+              <a:rPr lang="en-US" altLang="zh-CN" dirty="0" err="1" smtClean="0"/>
+              <a:t>Image_preprocess</a:t>
+            </a:r>
+            <a:endParaRPr lang="en-US" altLang="zh-CN" dirty="0" smtClean="0"/>
+          </a:p>
+        </p:txBody>
+      </p:sp>
+      <p:sp>
+        <p:nvSpPr>
+          <p:cNvPr id="12" name="TextBox 11"/>
+          <p:cNvSpPr txBox="1"/>
+          <p:nvPr/>
+        </p:nvSpPr>
+        <p:spPr>
+          <a:xfrm>
+            <a:off x="5364088" y="1983802"/>
+            <a:ext cx="864096" cy="369332"/>
+          </a:xfrm>
+          <a:prstGeom prst="rect">
+            <a:avLst/>
+          </a:prstGeom>
+          <a:noFill/>
+          <a:ln>
+            <a:noFill/>
+          </a:ln>
+        </p:spPr>
+        <p:txBody>
+          <a:bodyPr wrap="square" rtlCol="0">
+            <a:spAutoFit/>
+          </a:bodyPr>
+          <a:lstStyle/>
+          <a:p>
+            <a:r>
+              <a:rPr lang="en-US" altLang="zh-CN" dirty="0" smtClean="0"/>
+              <a:t>yolov3</a:t>
+            </a:r>
+          </a:p>
+        </p:txBody>
+      </p:sp>
+      <p:sp>
+        <p:nvSpPr>
+          <p:cNvPr id="13" name="TextBox 12"/>
+          <p:cNvSpPr txBox="1"/>
+          <p:nvPr/>
+        </p:nvSpPr>
+        <p:spPr>
+          <a:xfrm>
+            <a:off x="7236296" y="1984194"/>
+            <a:ext cx="1584176" cy="369332"/>
+          </a:xfrm>
+          <a:prstGeom prst="rect">
+            <a:avLst/>
+          </a:prstGeom>
+          <a:noFill/>
+          <a:ln>
+            <a:noFill/>
+          </a:ln>
+        </p:spPr>
+        <p:txBody>
+          <a:bodyPr wrap="square" rtlCol="0">
+            <a:spAutoFit/>
+          </a:bodyPr>
+          <a:lstStyle/>
+          <a:p>
+            <a:r>
+              <a:rPr lang="en-US" altLang="zh-CN" dirty="0" err="1" smtClean="0"/>
+              <a:t>Robot_control</a:t>
+            </a:r>
+            <a:endParaRPr lang="en-US" altLang="zh-CN" dirty="0" smtClean="0"/>
+          </a:p>
+        </p:txBody>
+      </p:sp>
+      <p:sp>
+        <p:nvSpPr>
+          <p:cNvPr id="14" name="TextBox 13"/>
+          <p:cNvSpPr txBox="1"/>
+          <p:nvPr/>
+        </p:nvSpPr>
+        <p:spPr>
+          <a:xfrm>
+            <a:off x="1475656" y="3635732"/>
+            <a:ext cx="1368152" cy="369332"/>
+          </a:xfrm>
+          <a:prstGeom prst="rect">
+            <a:avLst/>
+          </a:prstGeom>
+          <a:noFill/>
+          <a:ln>
+            <a:solidFill>
+              <a:schemeClr val="tx1"/>
+            </a:solidFill>
+          </a:ln>
+        </p:spPr>
+        <p:txBody>
+          <a:bodyPr wrap="square" rtlCol="0">
+            <a:spAutoFit/>
+          </a:bodyPr>
+          <a:lstStyle/>
+          <a:p>
+            <a:r>
+              <a:rPr lang="en-US" altLang="zh-CN" dirty="0" smtClean="0"/>
+              <a:t>/</a:t>
+            </a:r>
+            <a:r>
+              <a:rPr lang="en-US" altLang="zh-CN" dirty="0" err="1" smtClean="0"/>
+              <a:t>image_raw</a:t>
+            </a:r>
+            <a:endParaRPr lang="zh-CN" altLang="en-US" dirty="0"/>
+          </a:p>
+        </p:txBody>
+      </p:sp>
+      <p:sp>
+        <p:nvSpPr>
+          <p:cNvPr id="17" name="TextBox 16"/>
+          <p:cNvSpPr txBox="1"/>
+          <p:nvPr/>
+        </p:nvSpPr>
+        <p:spPr>
+          <a:xfrm>
+            <a:off x="4123388" y="3635732"/>
+            <a:ext cx="1368152" cy="369332"/>
+          </a:xfrm>
+          <a:prstGeom prst="rect">
+            <a:avLst/>
+          </a:prstGeom>
+          <a:noFill/>
+          <a:ln>
+            <a:solidFill>
+              <a:schemeClr val="tx1"/>
+            </a:solidFill>
+          </a:ln>
+        </p:spPr>
+        <p:txBody>
+          <a:bodyPr wrap="square" rtlCol="0">
+            <a:spAutoFit/>
+          </a:bodyPr>
+          <a:lstStyle/>
+          <a:p>
+            <a:r>
+              <a:rPr lang="en-US" altLang="zh-CN" dirty="0" smtClean="0"/>
+              <a:t>/</a:t>
+            </a:r>
+            <a:r>
+              <a:rPr lang="en-US" altLang="zh-CN" dirty="0" err="1" smtClean="0"/>
+              <a:t>image_pro</a:t>
+            </a:r>
+            <a:endParaRPr lang="zh-CN" altLang="en-US" dirty="0"/>
+          </a:p>
+        </p:txBody>
+      </p:sp>
+      <p:sp>
+        <p:nvSpPr>
+          <p:cNvPr id="18" name="TextBox 17"/>
+          <p:cNvSpPr txBox="1"/>
+          <p:nvPr/>
+        </p:nvSpPr>
+        <p:spPr>
+          <a:xfrm>
+            <a:off x="6228184" y="3635732"/>
+            <a:ext cx="1764196" cy="369332"/>
+          </a:xfrm>
+          <a:prstGeom prst="rect">
+            <a:avLst/>
+          </a:prstGeom>
+          <a:noFill/>
+          <a:ln>
+            <a:solidFill>
+              <a:schemeClr val="tx1"/>
+            </a:solidFill>
+          </a:ln>
+        </p:spPr>
+        <p:txBody>
+          <a:bodyPr wrap="square" rtlCol="0">
+            <a:spAutoFit/>
+          </a:bodyPr>
+          <a:lstStyle/>
+          <a:p>
+            <a:r>
+              <a:rPr lang="en-US" altLang="zh-CN" dirty="0" smtClean="0"/>
+              <a:t>/</a:t>
+            </a:r>
+            <a:r>
+              <a:rPr lang="en-US" altLang="zh-CN" dirty="0" err="1" smtClean="0"/>
+              <a:t>boundingboxes</a:t>
+            </a:r>
+            <a:endParaRPr lang="zh-CN" altLang="en-US" dirty="0"/>
+          </a:p>
+        </p:txBody>
+      </p:sp>
+      <p:cxnSp>
+        <p:nvCxnSpPr>
+          <p:cNvPr id="20" name="直接箭头连接符 19"/>
+          <p:cNvCxnSpPr>
+            <a:stCxn id="6" idx="4"/>
+          </p:cNvCxnSpPr>
+          <p:nvPr/>
+        </p:nvCxnSpPr>
+        <p:spPr>
+          <a:xfrm>
+            <a:off x="1079612" y="2459215"/>
+            <a:ext cx="756084" cy="1176517"/>
+          </a:xfrm>
+          <a:prstGeom prst="straightConnector1">
+            <a:avLst/>
+          </a:prstGeom>
+          <a:ln w="12700">
+            <a:solidFill>
+              <a:schemeClr val="tx1"/>
+            </a:solidFill>
+            <a:tailEnd type="arrow"/>
+          </a:ln>
+        </p:spPr>
+        <p:style>
+          <a:lnRef idx="1">
+            <a:schemeClr val="accent1"/>
+          </a:lnRef>
+          <a:fillRef idx="0">
+            <a:schemeClr val="accent1"/>
+          </a:fillRef>
+          <a:effectRef idx="0">
+            <a:schemeClr val="accent1"/>
+          </a:effectRef>
+          <a:fontRef idx="minor">
+            <a:schemeClr val="tx1"/>
+          </a:fontRef>
+        </p:style>
+      </p:cxnSp>
+      <p:cxnSp>
+        <p:nvCxnSpPr>
+          <p:cNvPr id="23" name="直接箭头连接符 22"/>
+          <p:cNvCxnSpPr/>
+          <p:nvPr/>
+        </p:nvCxnSpPr>
+        <p:spPr>
+          <a:xfrm flipV="1">
+            <a:off x="2411760" y="2420888"/>
+            <a:ext cx="792088" cy="1214844"/>
+          </a:xfrm>
+          <a:prstGeom prst="straightConnector1">
+            <a:avLst/>
+          </a:prstGeom>
+          <a:ln w="12700">
+            <a:solidFill>
+              <a:schemeClr val="tx1"/>
+            </a:solidFill>
+            <a:tailEnd type="arrow"/>
+          </a:ln>
+        </p:spPr>
+        <p:style>
+          <a:lnRef idx="1">
+            <a:schemeClr val="accent1"/>
+          </a:lnRef>
+          <a:fillRef idx="0">
+            <a:schemeClr val="accent1"/>
+          </a:fillRef>
+          <a:effectRef idx="0">
+            <a:schemeClr val="accent1"/>
+          </a:effectRef>
+          <a:fontRef idx="minor">
+            <a:schemeClr val="tx1"/>
+          </a:fontRef>
+        </p:style>
+      </p:cxnSp>
+      <p:cxnSp>
+        <p:nvCxnSpPr>
+          <p:cNvPr id="25" name="直接箭头连接符 24"/>
+          <p:cNvCxnSpPr/>
+          <p:nvPr/>
+        </p:nvCxnSpPr>
+        <p:spPr>
+          <a:xfrm>
+            <a:off x="3851920" y="2420888"/>
+            <a:ext cx="648072" cy="1214844"/>
+          </a:xfrm>
+          <a:prstGeom prst="straightConnector1">
+            <a:avLst/>
+          </a:prstGeom>
+          <a:ln w="12700">
+            <a:solidFill>
+              <a:schemeClr val="tx1"/>
+            </a:solidFill>
+            <a:tailEnd type="arrow"/>
+          </a:ln>
+        </p:spPr>
+        <p:style>
+          <a:lnRef idx="1">
+            <a:schemeClr val="accent1"/>
+          </a:lnRef>
+          <a:fillRef idx="0">
+            <a:schemeClr val="accent1"/>
+          </a:fillRef>
+          <a:effectRef idx="0">
+            <a:schemeClr val="accent1"/>
+          </a:effectRef>
+          <a:fontRef idx="minor">
+            <a:schemeClr val="tx1"/>
+          </a:fontRef>
+        </p:style>
+      </p:cxnSp>
+      <p:cxnSp>
+        <p:nvCxnSpPr>
+          <p:cNvPr id="27" name="直接箭头连接符 26"/>
+          <p:cNvCxnSpPr/>
+          <p:nvPr/>
+        </p:nvCxnSpPr>
+        <p:spPr>
+          <a:xfrm flipV="1">
+            <a:off x="5148064" y="2434080"/>
+            <a:ext cx="504056" cy="1201652"/>
+          </a:xfrm>
+          <a:prstGeom prst="straightConnector1">
+            <a:avLst/>
+          </a:prstGeom>
+          <a:ln w="12700">
+            <a:solidFill>
+              <a:schemeClr val="tx1"/>
+            </a:solidFill>
+            <a:tailEnd type="arrow"/>
+          </a:ln>
+        </p:spPr>
+        <p:style>
+          <a:lnRef idx="1">
+            <a:schemeClr val="accent1"/>
+          </a:lnRef>
+          <a:fillRef idx="0">
+            <a:schemeClr val="accent1"/>
+          </a:fillRef>
+          <a:effectRef idx="0">
+            <a:schemeClr val="accent1"/>
+          </a:effectRef>
+          <a:fontRef idx="minor">
+            <a:schemeClr val="tx1"/>
+          </a:fontRef>
+        </p:style>
+      </p:cxnSp>
+      <p:cxnSp>
+        <p:nvCxnSpPr>
+          <p:cNvPr id="30" name="直接箭头连接符 29"/>
+          <p:cNvCxnSpPr>
+            <a:stCxn id="4" idx="5"/>
+          </p:cNvCxnSpPr>
+          <p:nvPr/>
+        </p:nvCxnSpPr>
+        <p:spPr>
+          <a:xfrm>
+            <a:off x="6152557" y="2346679"/>
+            <a:ext cx="651691" cy="1289053"/>
+          </a:xfrm>
+          <a:prstGeom prst="straightConnector1">
+            <a:avLst/>
+          </a:prstGeom>
+          <a:ln w="12700">
+            <a:solidFill>
+              <a:schemeClr val="tx1"/>
+            </a:solidFill>
+            <a:tailEnd type="arrow"/>
+          </a:ln>
+        </p:spPr>
+        <p:style>
+          <a:lnRef idx="1">
+            <a:schemeClr val="accent1"/>
+          </a:lnRef>
+          <a:fillRef idx="0">
+            <a:schemeClr val="accent1"/>
+          </a:fillRef>
+          <a:effectRef idx="0">
+            <a:schemeClr val="accent1"/>
+          </a:effectRef>
+          <a:fontRef idx="minor">
+            <a:schemeClr val="tx1"/>
+          </a:fontRef>
+        </p:style>
+      </p:cxnSp>
+      <p:cxnSp>
+        <p:nvCxnSpPr>
+          <p:cNvPr id="32" name="直接箭头连接符 31"/>
+          <p:cNvCxnSpPr/>
+          <p:nvPr/>
+        </p:nvCxnSpPr>
+        <p:spPr>
+          <a:xfrm flipV="1">
+            <a:off x="7308304" y="2420496"/>
+            <a:ext cx="432048" cy="1215236"/>
+          </a:xfrm>
+          <a:prstGeom prst="straightConnector1">
+            <a:avLst/>
+          </a:prstGeom>
+          <a:ln w="12700">
+            <a:solidFill>
+              <a:schemeClr val="tx1"/>
+            </a:solidFill>
+            <a:tailEnd type="arrow"/>
+          </a:ln>
+        </p:spPr>
+        <p:style>
+          <a:lnRef idx="1">
+            <a:schemeClr val="accent1"/>
+          </a:lnRef>
+          <a:fillRef idx="0">
+            <a:schemeClr val="accent1"/>
+          </a:fillRef>
+          <a:effectRef idx="0">
+            <a:schemeClr val="accent1"/>
+          </a:effectRef>
+          <a:fontRef idx="minor">
+            <a:schemeClr val="tx1"/>
+          </a:fontRef>
+        </p:style>
+      </p:cxnSp>
+      <p:cxnSp>
+        <p:nvCxnSpPr>
+          <p:cNvPr id="35" name="直接连接符 34"/>
+          <p:cNvCxnSpPr>
+            <a:endCxn id="8" idx="2"/>
+          </p:cNvCxnSpPr>
+          <p:nvPr/>
+        </p:nvCxnSpPr>
+        <p:spPr>
+          <a:xfrm flipV="1">
+            <a:off x="827584" y="864234"/>
+            <a:ext cx="3475824" cy="1124606"/>
+          </a:xfrm>
+          <a:prstGeom prst="line">
+            <a:avLst/>
+          </a:prstGeom>
+          <a:ln w="12700">
+            <a:solidFill>
+              <a:schemeClr val="tx1"/>
+            </a:solidFill>
+          </a:ln>
+        </p:spPr>
+        <p:style>
+          <a:lnRef idx="1">
+            <a:schemeClr val="accent1"/>
+          </a:lnRef>
+          <a:fillRef idx="0">
+            <a:schemeClr val="accent1"/>
+          </a:fillRef>
+          <a:effectRef idx="0">
+            <a:schemeClr val="accent1"/>
+          </a:effectRef>
+          <a:fontRef idx="minor">
+            <a:schemeClr val="tx1"/>
+          </a:fontRef>
+        </p:style>
+      </p:cxnSp>
+      <p:cxnSp>
+        <p:nvCxnSpPr>
+          <p:cNvPr id="37" name="直接连接符 36"/>
+          <p:cNvCxnSpPr>
+            <a:stCxn id="5" idx="0"/>
+            <a:endCxn id="8" idx="3"/>
+          </p:cNvCxnSpPr>
+          <p:nvPr/>
+        </p:nvCxnSpPr>
+        <p:spPr>
+          <a:xfrm flipV="1">
+            <a:off x="3519512" y="1087364"/>
+            <a:ext cx="931531" cy="829468"/>
+          </a:xfrm>
+          <a:prstGeom prst="line">
+            <a:avLst/>
+          </a:prstGeom>
+          <a:ln w="12700">
+            <a:solidFill>
+              <a:schemeClr val="tx1"/>
+            </a:solidFill>
+          </a:ln>
+        </p:spPr>
+        <p:style>
+          <a:lnRef idx="1">
+            <a:schemeClr val="accent1"/>
+          </a:lnRef>
+          <a:fillRef idx="0">
+            <a:schemeClr val="accent1"/>
+          </a:fillRef>
+          <a:effectRef idx="0">
+            <a:schemeClr val="accent1"/>
+          </a:effectRef>
+          <a:fontRef idx="minor">
+            <a:schemeClr val="tx1"/>
+          </a:fontRef>
+        </p:style>
+      </p:cxnSp>
+      <p:cxnSp>
+        <p:nvCxnSpPr>
+          <p:cNvPr id="39" name="直接连接符 38"/>
+          <p:cNvCxnSpPr>
+            <a:stCxn id="4" idx="0"/>
+            <a:endCxn id="8" idx="5"/>
+          </p:cNvCxnSpPr>
+          <p:nvPr/>
+        </p:nvCxnSpPr>
+        <p:spPr>
+          <a:xfrm flipH="1" flipV="1">
+            <a:off x="5163885" y="1087364"/>
+            <a:ext cx="632251" cy="829076"/>
+          </a:xfrm>
+          <a:prstGeom prst="line">
+            <a:avLst/>
+          </a:prstGeom>
+          <a:ln w="12700">
+            <a:solidFill>
+              <a:schemeClr val="tx1"/>
+            </a:solidFill>
+          </a:ln>
+        </p:spPr>
+        <p:style>
+          <a:lnRef idx="1">
+            <a:schemeClr val="accent1"/>
+          </a:lnRef>
+          <a:fillRef idx="0">
+            <a:schemeClr val="accent1"/>
+          </a:fillRef>
+          <a:effectRef idx="0">
+            <a:schemeClr val="accent1"/>
+          </a:effectRef>
+          <a:fontRef idx="minor">
+            <a:schemeClr val="tx1"/>
+          </a:fontRef>
+        </p:style>
+      </p:cxnSp>
+      <p:cxnSp>
+        <p:nvCxnSpPr>
+          <p:cNvPr id="41" name="直接连接符 40"/>
+          <p:cNvCxnSpPr>
+            <a:stCxn id="7" idx="0"/>
+            <a:endCxn id="8" idx="6"/>
+          </p:cNvCxnSpPr>
+          <p:nvPr/>
+        </p:nvCxnSpPr>
+        <p:spPr>
+          <a:xfrm flipH="1" flipV="1">
+            <a:off x="5311520" y="864234"/>
+            <a:ext cx="2680860" cy="1052598"/>
+          </a:xfrm>
+          <a:prstGeom prst="line">
+            <a:avLst/>
+          </a:prstGeom>
+          <a:ln w="12700">
+            <a:solidFill>
+              <a:schemeClr val="tx1"/>
+            </a:solidFill>
+          </a:ln>
+        </p:spPr>
+        <p:style>
+          <a:lnRef idx="1">
+            <a:schemeClr val="accent1"/>
+          </a:lnRef>
+          <a:fillRef idx="0">
+            <a:schemeClr val="accent1"/>
+          </a:fillRef>
+          <a:effectRef idx="0">
+            <a:schemeClr val="accent1"/>
+          </a:effectRef>
+          <a:fontRef idx="minor">
+            <a:schemeClr val="tx1"/>
+          </a:fontRef>
+        </p:style>
+      </p:cxnSp>
+    </p:spTree>
+    <p:extLst>
+      <p:ext uri="{BB962C8B-B14F-4D97-AF65-F5344CB8AC3E}">
+        <p14:creationId xmlns:p14="http://schemas.microsoft.com/office/powerpoint/2010/main" val="819522927"/>
+      </p:ext>
+    </p:extLst>
+  </p:cSld>
+  <p:clrMapOvr>
+    <a:masterClrMapping/>
+  </p:clrMapOvr>
+</p:sld>
+</file>
+
 <file path=ppt/slides/slide2.xml><?xml version="1.0" encoding="utf-8"?>
 <p:sld xmlns:a="http://schemas.openxmlformats.org/drawingml/2006/main" xmlns:r="http://schemas.openxmlformats.org/officeDocument/2006/relationships" xmlns:p="http://schemas.openxmlformats.org/presentationml/2006/main">
   <p:cSld>
@@ -11485,6 +12408,1166 @@
     <p:extLst>
       <p:ext uri="{BB962C8B-B14F-4D97-AF65-F5344CB8AC3E}">
         <p14:creationId xmlns:p14="http://schemas.microsoft.com/office/powerpoint/2010/main" val="2420509492"/>
+      </p:ext>
+    </p:extLst>
+  </p:cSld>
+  <p:clrMapOvr>
+    <a:masterClrMapping/>
+  </p:clrMapOvr>
+</p:sld>
+</file>
+
+<file path=ppt/slides/slide9.xml><?xml version="1.0" encoding="utf-8"?>
+<p:sld xmlns:a="http://schemas.openxmlformats.org/drawingml/2006/main" xmlns:r="http://schemas.openxmlformats.org/officeDocument/2006/relationships" xmlns:p="http://schemas.openxmlformats.org/presentationml/2006/main">
+  <p:cSld>
+    <p:spTree>
+      <p:nvGrpSpPr>
+        <p:cNvPr id="1" name=""/>
+        <p:cNvGrpSpPr/>
+        <p:nvPr/>
+      </p:nvGrpSpPr>
+      <p:grpSpPr>
+        <a:xfrm>
+          <a:off x="0" y="0"/>
+          <a:ext cx="0" cy="0"/>
+          <a:chOff x="0" y="0"/>
+          <a:chExt cx="0" cy="0"/>
+        </a:xfrm>
+      </p:grpSpPr>
+      <p:pic>
+        <p:nvPicPr>
+          <p:cNvPr id="1027" name="Picture 3" descr="F:\研究生\研究生\云制造\毕业论文\毕业论文latex\pic\chap2\jetson_tx2.jpg"/>
+          <p:cNvPicPr>
+            <a:picLocks noChangeAspect="1" noChangeArrowheads="1"/>
+          </p:cNvPicPr>
+          <p:nvPr/>
+        </p:nvPicPr>
+        <p:blipFill>
+          <a:blip r:embed="rId2" cstate="print">
+            <a:extLst>
+              <a:ext uri="{28A0092B-C50C-407E-A947-70E740481C1C}">
+                <a14:useLocalDpi xmlns:a14="http://schemas.microsoft.com/office/drawing/2010/main" val="0"/>
+              </a:ext>
+            </a:extLst>
+          </a:blip>
+          <a:srcRect/>
+          <a:stretch>
+            <a:fillRect/>
+          </a:stretch>
+        </p:blipFill>
+        <p:spPr bwMode="auto">
+          <a:xfrm>
+            <a:off x="3656735" y="2348880"/>
+            <a:ext cx="1588284" cy="892086"/>
+          </a:xfrm>
+          <a:prstGeom prst="rect">
+            <a:avLst/>
+          </a:prstGeom>
+          <a:noFill/>
+          <a:extLst>
+            <a:ext uri="{909E8E84-426E-40DD-AFC4-6F175D3DCCD1}">
+              <a14:hiddenFill xmlns:a14="http://schemas.microsoft.com/office/drawing/2010/main">
+                <a:solidFill>
+                  <a:srgbClr val="FFFFFF"/>
+                </a:solidFill>
+              </a14:hiddenFill>
+            </a:ext>
+          </a:extLst>
+        </p:spPr>
+      </p:pic>
+      <p:pic>
+        <p:nvPicPr>
+          <p:cNvPr id="1028" name="Picture 4" descr="F:\研究生\研究生\云制造\毕业论文\毕业论文latex\pic\chap2\printer.jpg"/>
+          <p:cNvPicPr>
+            <a:picLocks noChangeAspect="1" noChangeArrowheads="1"/>
+          </p:cNvPicPr>
+          <p:nvPr/>
+        </p:nvPicPr>
+        <p:blipFill>
+          <a:blip r:embed="rId3" cstate="print">
+            <a:extLst>
+              <a:ext uri="{28A0092B-C50C-407E-A947-70E740481C1C}">
+                <a14:useLocalDpi xmlns:a14="http://schemas.microsoft.com/office/drawing/2010/main" val="0"/>
+              </a:ext>
+            </a:extLst>
+          </a:blip>
+          <a:srcRect/>
+          <a:stretch>
+            <a:fillRect/>
+          </a:stretch>
+        </p:blipFill>
+        <p:spPr bwMode="auto">
+          <a:xfrm>
+            <a:off x="3878071" y="5641205"/>
+            <a:ext cx="1082841" cy="812131"/>
+          </a:xfrm>
+          <a:prstGeom prst="rect">
+            <a:avLst/>
+          </a:prstGeom>
+          <a:noFill/>
+          <a:extLst>
+            <a:ext uri="{909E8E84-426E-40DD-AFC4-6F175D3DCCD1}">
+              <a14:hiddenFill xmlns:a14="http://schemas.microsoft.com/office/drawing/2010/main">
+                <a:solidFill>
+                  <a:srgbClr val="FFFFFF"/>
+                </a:solidFill>
+              </a14:hiddenFill>
+            </a:ext>
+          </a:extLst>
+        </p:spPr>
+      </p:pic>
+      <p:pic>
+        <p:nvPicPr>
+          <p:cNvPr id="1029" name="Picture 5" descr="F:\研究生\研究生\云制造\毕业论文\毕业论文latex\pic\chap2\robot.jpg"/>
+          <p:cNvPicPr>
+            <a:picLocks noChangeAspect="1" noChangeArrowheads="1"/>
+          </p:cNvPicPr>
+          <p:nvPr/>
+        </p:nvPicPr>
+        <p:blipFill>
+          <a:blip r:embed="rId4" cstate="print">
+            <a:extLst>
+              <a:ext uri="{28A0092B-C50C-407E-A947-70E740481C1C}">
+                <a14:useLocalDpi xmlns:a14="http://schemas.microsoft.com/office/drawing/2010/main" val="0"/>
+              </a:ext>
+            </a:extLst>
+          </a:blip>
+          <a:srcRect/>
+          <a:stretch>
+            <a:fillRect/>
+          </a:stretch>
+        </p:blipFill>
+        <p:spPr bwMode="auto">
+          <a:xfrm>
+            <a:off x="1115616" y="3523543"/>
+            <a:ext cx="1577083" cy="1383078"/>
+          </a:xfrm>
+          <a:prstGeom prst="rect">
+            <a:avLst/>
+          </a:prstGeom>
+          <a:noFill/>
+          <a:extLst>
+            <a:ext uri="{909E8E84-426E-40DD-AFC4-6F175D3DCCD1}">
+              <a14:hiddenFill xmlns:a14="http://schemas.microsoft.com/office/drawing/2010/main">
+                <a:solidFill>
+                  <a:srgbClr val="FFFFFF"/>
+                </a:solidFill>
+              </a14:hiddenFill>
+            </a:ext>
+          </a:extLst>
+        </p:spPr>
+      </p:pic>
+      <p:pic>
+        <p:nvPicPr>
+          <p:cNvPr id="1030" name="Picture 6" descr="F:\研究生\研究生\云制造\毕业论文\毕业论文latex\pic\chap2\server.jpg"/>
+          <p:cNvPicPr>
+            <a:picLocks noChangeAspect="1" noChangeArrowheads="1"/>
+          </p:cNvPicPr>
+          <p:nvPr/>
+        </p:nvPicPr>
+        <p:blipFill>
+          <a:blip r:embed="rId5" cstate="print">
+            <a:extLst>
+              <a:ext uri="{28A0092B-C50C-407E-A947-70E740481C1C}">
+                <a14:useLocalDpi xmlns:a14="http://schemas.microsoft.com/office/drawing/2010/main" val="0"/>
+              </a:ext>
+            </a:extLst>
+          </a:blip>
+          <a:srcRect/>
+          <a:stretch>
+            <a:fillRect/>
+          </a:stretch>
+        </p:blipFill>
+        <p:spPr bwMode="auto">
+          <a:xfrm>
+            <a:off x="6180415" y="404664"/>
+            <a:ext cx="1437233" cy="1077925"/>
+          </a:xfrm>
+          <a:prstGeom prst="rect">
+            <a:avLst/>
+          </a:prstGeom>
+          <a:noFill/>
+          <a:extLst>
+            <a:ext uri="{909E8E84-426E-40DD-AFC4-6F175D3DCCD1}">
+              <a14:hiddenFill xmlns:a14="http://schemas.microsoft.com/office/drawing/2010/main">
+                <a:solidFill>
+                  <a:srgbClr val="FFFFFF"/>
+                </a:solidFill>
+              </a14:hiddenFill>
+            </a:ext>
+          </a:extLst>
+        </p:spPr>
+      </p:pic>
+      <p:pic>
+        <p:nvPicPr>
+          <p:cNvPr id="1031" name="Picture 7" descr="F:\研究生\研究生\云制造\毕业论文\毕业论文latex\pic\chap2\USB_camera.jpg"/>
+          <p:cNvPicPr>
+            <a:picLocks noChangeAspect="1" noChangeArrowheads="1"/>
+          </p:cNvPicPr>
+          <p:nvPr/>
+        </p:nvPicPr>
+        <p:blipFill>
+          <a:blip r:embed="rId6" cstate="print">
+            <a:extLst>
+              <a:ext uri="{28A0092B-C50C-407E-A947-70E740481C1C}">
+                <a14:useLocalDpi xmlns:a14="http://schemas.microsoft.com/office/drawing/2010/main" val="0"/>
+              </a:ext>
+            </a:extLst>
+          </a:blip>
+          <a:srcRect/>
+          <a:stretch>
+            <a:fillRect/>
+          </a:stretch>
+        </p:blipFill>
+        <p:spPr bwMode="auto">
+          <a:xfrm>
+            <a:off x="6459392" y="3778314"/>
+            <a:ext cx="879280" cy="907715"/>
+          </a:xfrm>
+          <a:prstGeom prst="rect">
+            <a:avLst/>
+          </a:prstGeom>
+          <a:noFill/>
+          <a:extLst>
+            <a:ext uri="{909E8E84-426E-40DD-AFC4-6F175D3DCCD1}">
+              <a14:hiddenFill xmlns:a14="http://schemas.microsoft.com/office/drawing/2010/main">
+                <a:solidFill>
+                  <a:srgbClr val="FFFFFF"/>
+                </a:solidFill>
+              </a14:hiddenFill>
+            </a:ext>
+          </a:extLst>
+        </p:spPr>
+      </p:pic>
+      <p:cxnSp>
+        <p:nvCxnSpPr>
+          <p:cNvPr id="5" name="直接连接符 4"/>
+          <p:cNvCxnSpPr>
+            <a:stCxn id="1028" idx="3"/>
+          </p:cNvCxnSpPr>
+          <p:nvPr/>
+        </p:nvCxnSpPr>
+        <p:spPr>
+          <a:xfrm>
+            <a:off x="4960912" y="6047271"/>
+            <a:ext cx="1938120" cy="1"/>
+          </a:xfrm>
+          <a:prstGeom prst="line">
+            <a:avLst/>
+          </a:prstGeom>
+          <a:ln w="19050">
+            <a:solidFill>
+              <a:schemeClr val="tx1"/>
+            </a:solidFill>
+          </a:ln>
+        </p:spPr>
+        <p:style>
+          <a:lnRef idx="1">
+            <a:schemeClr val="accent1"/>
+          </a:lnRef>
+          <a:fillRef idx="0">
+            <a:schemeClr val="accent1"/>
+          </a:fillRef>
+          <a:effectRef idx="0">
+            <a:schemeClr val="accent1"/>
+          </a:effectRef>
+          <a:fontRef idx="minor">
+            <a:schemeClr val="tx1"/>
+          </a:fontRef>
+        </p:style>
+      </p:cxnSp>
+      <p:cxnSp>
+        <p:nvCxnSpPr>
+          <p:cNvPr id="7" name="直接箭头连接符 6"/>
+          <p:cNvCxnSpPr>
+            <a:endCxn id="1031" idx="2"/>
+          </p:cNvCxnSpPr>
+          <p:nvPr/>
+        </p:nvCxnSpPr>
+        <p:spPr>
+          <a:xfrm flipV="1">
+            <a:off x="6899032" y="4686028"/>
+            <a:ext cx="0" cy="1368000"/>
+          </a:xfrm>
+          <a:prstGeom prst="straightConnector1">
+            <a:avLst/>
+          </a:prstGeom>
+          <a:ln w="19050">
+            <a:solidFill>
+              <a:schemeClr val="tx1"/>
+            </a:solidFill>
+            <a:tailEnd type="arrow"/>
+          </a:ln>
+        </p:spPr>
+        <p:style>
+          <a:lnRef idx="1">
+            <a:schemeClr val="accent1"/>
+          </a:lnRef>
+          <a:fillRef idx="0">
+            <a:schemeClr val="accent1"/>
+          </a:fillRef>
+          <a:effectRef idx="0">
+            <a:schemeClr val="accent1"/>
+          </a:effectRef>
+          <a:fontRef idx="minor">
+            <a:schemeClr val="tx1"/>
+          </a:fontRef>
+        </p:style>
+      </p:cxnSp>
+      <p:cxnSp>
+        <p:nvCxnSpPr>
+          <p:cNvPr id="16" name="直接箭头连接符 15"/>
+          <p:cNvCxnSpPr>
+            <a:stCxn id="1031" idx="0"/>
+            <a:endCxn id="1030" idx="2"/>
+          </p:cNvCxnSpPr>
+          <p:nvPr/>
+        </p:nvCxnSpPr>
+        <p:spPr>
+          <a:xfrm flipV="1">
+            <a:off x="6899032" y="1482589"/>
+            <a:ext cx="0" cy="2295725"/>
+          </a:xfrm>
+          <a:prstGeom prst="straightConnector1">
+            <a:avLst/>
+          </a:prstGeom>
+          <a:ln w="19050">
+            <a:solidFill>
+              <a:schemeClr val="tx1"/>
+            </a:solidFill>
+            <a:tailEnd type="arrow"/>
+          </a:ln>
+        </p:spPr>
+        <p:style>
+          <a:lnRef idx="1">
+            <a:schemeClr val="accent1"/>
+          </a:lnRef>
+          <a:fillRef idx="0">
+            <a:schemeClr val="accent1"/>
+          </a:fillRef>
+          <a:effectRef idx="0">
+            <a:schemeClr val="accent1"/>
+          </a:effectRef>
+          <a:fontRef idx="minor">
+            <a:schemeClr val="tx1"/>
+          </a:fontRef>
+        </p:style>
+      </p:cxnSp>
+      <p:cxnSp>
+        <p:nvCxnSpPr>
+          <p:cNvPr id="11" name="直接连接符 10"/>
+          <p:cNvCxnSpPr>
+            <a:stCxn id="1029" idx="2"/>
+          </p:cNvCxnSpPr>
+          <p:nvPr/>
+        </p:nvCxnSpPr>
+        <p:spPr>
+          <a:xfrm flipH="1">
+            <a:off x="1904157" y="4906621"/>
+            <a:ext cx="1" cy="1140649"/>
+          </a:xfrm>
+          <a:prstGeom prst="line">
+            <a:avLst/>
+          </a:prstGeom>
+          <a:ln w="19050">
+            <a:solidFill>
+              <a:schemeClr val="tx1"/>
+            </a:solidFill>
+          </a:ln>
+        </p:spPr>
+        <p:style>
+          <a:lnRef idx="1">
+            <a:schemeClr val="accent1"/>
+          </a:lnRef>
+          <a:fillRef idx="0">
+            <a:schemeClr val="accent1"/>
+          </a:fillRef>
+          <a:effectRef idx="0">
+            <a:schemeClr val="accent1"/>
+          </a:effectRef>
+          <a:fontRef idx="minor">
+            <a:schemeClr val="tx1"/>
+          </a:fontRef>
+        </p:style>
+      </p:cxnSp>
+      <p:cxnSp>
+        <p:nvCxnSpPr>
+          <p:cNvPr id="20" name="直接箭头连接符 19"/>
+          <p:cNvCxnSpPr>
+            <a:endCxn id="1028" idx="1"/>
+          </p:cNvCxnSpPr>
+          <p:nvPr/>
+        </p:nvCxnSpPr>
+        <p:spPr>
+          <a:xfrm flipV="1">
+            <a:off x="1904157" y="6047271"/>
+            <a:ext cx="1973914" cy="0"/>
+          </a:xfrm>
+          <a:prstGeom prst="straightConnector1">
+            <a:avLst/>
+          </a:prstGeom>
+          <a:ln w="19050">
+            <a:solidFill>
+              <a:schemeClr val="tx1"/>
+            </a:solidFill>
+            <a:tailEnd type="arrow"/>
+          </a:ln>
+        </p:spPr>
+        <p:style>
+          <a:lnRef idx="1">
+            <a:schemeClr val="accent1"/>
+          </a:lnRef>
+          <a:fillRef idx="0">
+            <a:schemeClr val="accent1"/>
+          </a:fillRef>
+          <a:effectRef idx="0">
+            <a:schemeClr val="accent1"/>
+          </a:effectRef>
+          <a:fontRef idx="minor">
+            <a:schemeClr val="tx1"/>
+          </a:fontRef>
+        </p:style>
+      </p:cxnSp>
+      <p:cxnSp>
+        <p:nvCxnSpPr>
+          <p:cNvPr id="17" name="直接箭头连接符 16"/>
+          <p:cNvCxnSpPr>
+            <a:endCxn id="1027" idx="3"/>
+          </p:cNvCxnSpPr>
+          <p:nvPr/>
+        </p:nvCxnSpPr>
+        <p:spPr>
+          <a:xfrm flipH="1">
+            <a:off x="5245019" y="2794923"/>
+            <a:ext cx="1654013" cy="0"/>
+          </a:xfrm>
+          <a:prstGeom prst="straightConnector1">
+            <a:avLst/>
+          </a:prstGeom>
+          <a:ln w="19050">
+            <a:solidFill>
+              <a:schemeClr val="tx1"/>
+            </a:solidFill>
+            <a:tailEnd type="arrow"/>
+          </a:ln>
+        </p:spPr>
+        <p:style>
+          <a:lnRef idx="1">
+            <a:schemeClr val="accent1"/>
+          </a:lnRef>
+          <a:fillRef idx="0">
+            <a:schemeClr val="accent1"/>
+          </a:fillRef>
+          <a:effectRef idx="0">
+            <a:schemeClr val="accent1"/>
+          </a:effectRef>
+          <a:fontRef idx="minor">
+            <a:schemeClr val="tx1"/>
+          </a:fontRef>
+        </p:style>
+      </p:cxnSp>
+      <p:cxnSp>
+        <p:nvCxnSpPr>
+          <p:cNvPr id="22" name="直接连接符 21"/>
+          <p:cNvCxnSpPr>
+            <a:stCxn id="1027" idx="1"/>
+          </p:cNvCxnSpPr>
+          <p:nvPr/>
+        </p:nvCxnSpPr>
+        <p:spPr>
+          <a:xfrm flipH="1">
+            <a:off x="1904158" y="2794923"/>
+            <a:ext cx="1752577" cy="0"/>
+          </a:xfrm>
+          <a:prstGeom prst="line">
+            <a:avLst/>
+          </a:prstGeom>
+          <a:ln w="19050">
+            <a:solidFill>
+              <a:schemeClr val="tx1"/>
+            </a:solidFill>
+          </a:ln>
+        </p:spPr>
+        <p:style>
+          <a:lnRef idx="1">
+            <a:schemeClr val="accent1"/>
+          </a:lnRef>
+          <a:fillRef idx="0">
+            <a:schemeClr val="accent1"/>
+          </a:fillRef>
+          <a:effectRef idx="0">
+            <a:schemeClr val="accent1"/>
+          </a:effectRef>
+          <a:fontRef idx="minor">
+            <a:schemeClr val="tx1"/>
+          </a:fontRef>
+        </p:style>
+      </p:cxnSp>
+      <p:cxnSp>
+        <p:nvCxnSpPr>
+          <p:cNvPr id="25" name="直接箭头连接符 24"/>
+          <p:cNvCxnSpPr>
+            <a:endCxn id="1029" idx="0"/>
+          </p:cNvCxnSpPr>
+          <p:nvPr/>
+        </p:nvCxnSpPr>
+        <p:spPr>
+          <a:xfrm>
+            <a:off x="1904158" y="2794923"/>
+            <a:ext cx="0" cy="728620"/>
+          </a:xfrm>
+          <a:prstGeom prst="straightConnector1">
+            <a:avLst/>
+          </a:prstGeom>
+          <a:ln w="19050">
+            <a:solidFill>
+              <a:schemeClr val="tx1"/>
+            </a:solidFill>
+            <a:tailEnd type="arrow"/>
+          </a:ln>
+        </p:spPr>
+        <p:style>
+          <a:lnRef idx="1">
+            <a:schemeClr val="accent1"/>
+          </a:lnRef>
+          <a:fillRef idx="0">
+            <a:schemeClr val="accent1"/>
+          </a:fillRef>
+          <a:effectRef idx="0">
+            <a:schemeClr val="accent1"/>
+          </a:effectRef>
+          <a:fontRef idx="minor">
+            <a:schemeClr val="tx1"/>
+          </a:fontRef>
+        </p:style>
+      </p:cxnSp>
+      <p:cxnSp>
+        <p:nvCxnSpPr>
+          <p:cNvPr id="1024" name="直接连接符 1023"/>
+          <p:cNvCxnSpPr>
+            <a:stCxn id="1030" idx="1"/>
+          </p:cNvCxnSpPr>
+          <p:nvPr/>
+        </p:nvCxnSpPr>
+        <p:spPr>
+          <a:xfrm flipH="1">
+            <a:off x="4450877" y="943627"/>
+            <a:ext cx="1729538" cy="0"/>
+          </a:xfrm>
+          <a:prstGeom prst="line">
+            <a:avLst/>
+          </a:prstGeom>
+          <a:ln w="19050">
+            <a:solidFill>
+              <a:schemeClr val="tx1"/>
+            </a:solidFill>
+          </a:ln>
+        </p:spPr>
+        <p:style>
+          <a:lnRef idx="1">
+            <a:schemeClr val="accent1"/>
+          </a:lnRef>
+          <a:fillRef idx="0">
+            <a:schemeClr val="accent1"/>
+          </a:fillRef>
+          <a:effectRef idx="0">
+            <a:schemeClr val="accent1"/>
+          </a:effectRef>
+          <a:fontRef idx="minor">
+            <a:schemeClr val="tx1"/>
+          </a:fontRef>
+        </p:style>
+      </p:cxnSp>
+      <p:cxnSp>
+        <p:nvCxnSpPr>
+          <p:cNvPr id="1032" name="直接箭头连接符 1031"/>
+          <p:cNvCxnSpPr>
+            <a:endCxn id="1027" idx="0"/>
+          </p:cNvCxnSpPr>
+          <p:nvPr/>
+        </p:nvCxnSpPr>
+        <p:spPr>
+          <a:xfrm>
+            <a:off x="4450877" y="943627"/>
+            <a:ext cx="0" cy="1405253"/>
+          </a:xfrm>
+          <a:prstGeom prst="straightConnector1">
+            <a:avLst/>
+          </a:prstGeom>
+          <a:ln w="19050">
+            <a:solidFill>
+              <a:schemeClr val="tx1"/>
+            </a:solidFill>
+            <a:tailEnd type="arrow"/>
+          </a:ln>
+        </p:spPr>
+        <p:style>
+          <a:lnRef idx="1">
+            <a:schemeClr val="accent1"/>
+          </a:lnRef>
+          <a:fillRef idx="0">
+            <a:schemeClr val="accent1"/>
+          </a:fillRef>
+          <a:effectRef idx="0">
+            <a:schemeClr val="accent1"/>
+          </a:effectRef>
+          <a:fontRef idx="minor">
+            <a:schemeClr val="tx1"/>
+          </a:fontRef>
+        </p:style>
+      </p:cxnSp>
+      <p:sp>
+        <p:nvSpPr>
+          <p:cNvPr id="1036" name="TextBox 1035"/>
+          <p:cNvSpPr txBox="1"/>
+          <p:nvPr/>
+        </p:nvSpPr>
+        <p:spPr>
+          <a:xfrm>
+            <a:off x="7668344" y="764704"/>
+            <a:ext cx="936104" cy="369332"/>
+          </a:xfrm>
+          <a:prstGeom prst="rect">
+            <a:avLst/>
+          </a:prstGeom>
+          <a:noFill/>
+        </p:spPr>
+        <p:txBody>
+          <a:bodyPr wrap="square" rtlCol="0">
+            <a:spAutoFit/>
+          </a:bodyPr>
+          <a:lstStyle/>
+          <a:p>
+            <a:r>
+              <a:rPr lang="zh-CN" altLang="en-US" dirty="0" smtClean="0"/>
+              <a:t>服务器</a:t>
+            </a:r>
+            <a:endParaRPr lang="zh-CN" altLang="en-US" dirty="0"/>
+          </a:p>
+        </p:txBody>
+      </p:sp>
+      <p:sp>
+        <p:nvSpPr>
+          <p:cNvPr id="45" name="TextBox 44"/>
+          <p:cNvSpPr txBox="1"/>
+          <p:nvPr/>
+        </p:nvSpPr>
+        <p:spPr>
+          <a:xfrm>
+            <a:off x="7452320" y="4047505"/>
+            <a:ext cx="936104" cy="369332"/>
+          </a:xfrm>
+          <a:prstGeom prst="rect">
+            <a:avLst/>
+          </a:prstGeom>
+          <a:noFill/>
+        </p:spPr>
+        <p:txBody>
+          <a:bodyPr wrap="square" rtlCol="0">
+            <a:spAutoFit/>
+          </a:bodyPr>
+          <a:lstStyle/>
+          <a:p>
+            <a:r>
+              <a:rPr lang="zh-CN" altLang="en-US" dirty="0" smtClean="0"/>
+              <a:t>摄像头</a:t>
+            </a:r>
+            <a:endParaRPr lang="zh-CN" altLang="en-US" dirty="0"/>
+          </a:p>
+        </p:txBody>
+      </p:sp>
+      <p:sp>
+        <p:nvSpPr>
+          <p:cNvPr id="46" name="TextBox 45"/>
+          <p:cNvSpPr txBox="1"/>
+          <p:nvPr/>
+        </p:nvSpPr>
+        <p:spPr>
+          <a:xfrm>
+            <a:off x="4139952" y="5209639"/>
+            <a:ext cx="936104" cy="369332"/>
+          </a:xfrm>
+          <a:prstGeom prst="rect">
+            <a:avLst/>
+          </a:prstGeom>
+          <a:noFill/>
+        </p:spPr>
+        <p:txBody>
+          <a:bodyPr wrap="square" rtlCol="0">
+            <a:spAutoFit/>
+          </a:bodyPr>
+          <a:lstStyle/>
+          <a:p>
+            <a:r>
+              <a:rPr lang="zh-CN" altLang="en-US" dirty="0" smtClean="0"/>
+              <a:t>工件</a:t>
+            </a:r>
+            <a:endParaRPr lang="zh-CN" altLang="en-US" dirty="0"/>
+          </a:p>
+        </p:txBody>
+      </p:sp>
+      <p:sp>
+        <p:nvSpPr>
+          <p:cNvPr id="47" name="TextBox 46"/>
+          <p:cNvSpPr txBox="1"/>
+          <p:nvPr/>
+        </p:nvSpPr>
+        <p:spPr>
+          <a:xfrm>
+            <a:off x="3039898" y="2348880"/>
+            <a:ext cx="1233673" cy="369332"/>
+          </a:xfrm>
+          <a:prstGeom prst="rect">
+            <a:avLst/>
+          </a:prstGeom>
+          <a:noFill/>
+        </p:spPr>
+        <p:txBody>
+          <a:bodyPr wrap="square" rtlCol="0">
+            <a:spAutoFit/>
+          </a:bodyPr>
+          <a:lstStyle/>
+          <a:p>
+            <a:r>
+              <a:rPr lang="en-US" altLang="zh-CN" dirty="0" smtClean="0"/>
+              <a:t>Jetson TX2</a:t>
+            </a:r>
+            <a:endParaRPr lang="zh-CN" altLang="en-US" dirty="0"/>
+          </a:p>
+        </p:txBody>
+      </p:sp>
+      <p:sp>
+        <p:nvSpPr>
+          <p:cNvPr id="48" name="TextBox 47"/>
+          <p:cNvSpPr txBox="1"/>
+          <p:nvPr/>
+        </p:nvSpPr>
+        <p:spPr>
+          <a:xfrm>
+            <a:off x="755576" y="3056300"/>
+            <a:ext cx="936104" cy="369332"/>
+          </a:xfrm>
+          <a:prstGeom prst="rect">
+            <a:avLst/>
+          </a:prstGeom>
+          <a:noFill/>
+        </p:spPr>
+        <p:txBody>
+          <a:bodyPr wrap="square" rtlCol="0">
+            <a:spAutoFit/>
+          </a:bodyPr>
+          <a:lstStyle/>
+          <a:p>
+            <a:r>
+              <a:rPr lang="zh-CN" altLang="en-US" dirty="0"/>
+              <a:t>机械臂</a:t>
+            </a:r>
+          </a:p>
+        </p:txBody>
+      </p:sp>
+      <p:sp>
+        <p:nvSpPr>
+          <p:cNvPr id="50" name="TextBox 49"/>
+          <p:cNvSpPr txBox="1"/>
+          <p:nvPr/>
+        </p:nvSpPr>
+        <p:spPr>
+          <a:xfrm>
+            <a:off x="2267744" y="5713511"/>
+            <a:ext cx="1224136" cy="307777"/>
+          </a:xfrm>
+          <a:prstGeom prst="rect">
+            <a:avLst/>
+          </a:prstGeom>
+          <a:noFill/>
+        </p:spPr>
+        <p:txBody>
+          <a:bodyPr wrap="square" rtlCol="0">
+            <a:spAutoFit/>
+          </a:bodyPr>
+          <a:lstStyle/>
+          <a:p>
+            <a:r>
+              <a:rPr lang="zh-CN" altLang="en-US" sz="1400" b="1" dirty="0" smtClean="0">
+                <a:latin typeface="+mj-ea"/>
+                <a:ea typeface="+mj-ea"/>
+              </a:rPr>
+              <a:t>抓取动作</a:t>
+            </a:r>
+            <a:endParaRPr lang="zh-CN" altLang="en-US" sz="1400" b="1" dirty="0">
+              <a:latin typeface="+mj-ea"/>
+              <a:ea typeface="+mj-ea"/>
+            </a:endParaRPr>
+          </a:p>
+        </p:txBody>
+      </p:sp>
+      <p:sp>
+        <p:nvSpPr>
+          <p:cNvPr id="51" name="TextBox 50"/>
+          <p:cNvSpPr txBox="1"/>
+          <p:nvPr/>
+        </p:nvSpPr>
+        <p:spPr>
+          <a:xfrm>
+            <a:off x="5436096" y="5713511"/>
+            <a:ext cx="1224136" cy="307777"/>
+          </a:xfrm>
+          <a:prstGeom prst="rect">
+            <a:avLst/>
+          </a:prstGeom>
+          <a:noFill/>
+        </p:spPr>
+        <p:txBody>
+          <a:bodyPr wrap="square" rtlCol="0">
+            <a:spAutoFit/>
+          </a:bodyPr>
+          <a:lstStyle/>
+          <a:p>
+            <a:r>
+              <a:rPr lang="zh-CN" altLang="en-US" sz="1400" b="1" dirty="0" smtClean="0">
+                <a:latin typeface="+mj-ea"/>
+                <a:ea typeface="+mj-ea"/>
+              </a:rPr>
+              <a:t>图像信息</a:t>
+            </a:r>
+            <a:endParaRPr lang="zh-CN" altLang="en-US" sz="1400" b="1" dirty="0">
+              <a:latin typeface="+mj-ea"/>
+              <a:ea typeface="+mj-ea"/>
+            </a:endParaRPr>
+          </a:p>
+        </p:txBody>
+      </p:sp>
+      <p:sp>
+        <p:nvSpPr>
+          <p:cNvPr id="52" name="TextBox 51"/>
+          <p:cNvSpPr txBox="1"/>
+          <p:nvPr/>
+        </p:nvSpPr>
+        <p:spPr>
+          <a:xfrm>
+            <a:off x="2080631" y="2851456"/>
+            <a:ext cx="1224136" cy="307777"/>
+          </a:xfrm>
+          <a:prstGeom prst="rect">
+            <a:avLst/>
+          </a:prstGeom>
+          <a:noFill/>
+        </p:spPr>
+        <p:txBody>
+          <a:bodyPr wrap="square" rtlCol="0">
+            <a:spAutoFit/>
+          </a:bodyPr>
+          <a:lstStyle/>
+          <a:p>
+            <a:r>
+              <a:rPr lang="zh-CN" altLang="en-US" sz="1400" b="1" dirty="0" smtClean="0">
+                <a:latin typeface="+mj-ea"/>
+                <a:ea typeface="+mj-ea"/>
+              </a:rPr>
+              <a:t>控制指令</a:t>
+            </a:r>
+            <a:endParaRPr lang="zh-CN" altLang="en-US" sz="1400" b="1" dirty="0">
+              <a:latin typeface="+mj-ea"/>
+              <a:ea typeface="+mj-ea"/>
+            </a:endParaRPr>
+          </a:p>
+        </p:txBody>
+      </p:sp>
+      <p:sp>
+        <p:nvSpPr>
+          <p:cNvPr id="53" name="TextBox 52"/>
+          <p:cNvSpPr txBox="1"/>
+          <p:nvPr/>
+        </p:nvSpPr>
+        <p:spPr>
+          <a:xfrm>
+            <a:off x="4644008" y="591769"/>
+            <a:ext cx="1224136" cy="307777"/>
+          </a:xfrm>
+          <a:prstGeom prst="rect">
+            <a:avLst/>
+          </a:prstGeom>
+          <a:noFill/>
+        </p:spPr>
+        <p:txBody>
+          <a:bodyPr wrap="square" rtlCol="0">
+            <a:spAutoFit/>
+          </a:bodyPr>
+          <a:lstStyle/>
+          <a:p>
+            <a:r>
+              <a:rPr lang="zh-CN" altLang="en-US" sz="1400" b="1" dirty="0" smtClean="0">
+                <a:latin typeface="+mj-ea"/>
+                <a:ea typeface="+mj-ea"/>
+              </a:rPr>
+              <a:t>模型部署</a:t>
+            </a:r>
+            <a:endParaRPr lang="zh-CN" altLang="en-US" sz="1400" b="1" dirty="0">
+              <a:latin typeface="+mj-ea"/>
+              <a:ea typeface="+mj-ea"/>
+            </a:endParaRPr>
+          </a:p>
+        </p:txBody>
+      </p:sp>
+      <p:cxnSp>
+        <p:nvCxnSpPr>
+          <p:cNvPr id="1039" name="直接箭头连接符 1038"/>
+          <p:cNvCxnSpPr>
+            <a:stCxn id="60" idx="0"/>
+            <a:endCxn id="1027" idx="2"/>
+          </p:cNvCxnSpPr>
+          <p:nvPr/>
+        </p:nvCxnSpPr>
+        <p:spPr>
+          <a:xfrm flipH="1" flipV="1">
+            <a:off x="4450877" y="3240966"/>
+            <a:ext cx="4355" cy="387215"/>
+          </a:xfrm>
+          <a:prstGeom prst="straightConnector1">
+            <a:avLst/>
+          </a:prstGeom>
+          <a:ln w="12700">
+            <a:solidFill>
+              <a:schemeClr val="tx1"/>
+            </a:solidFill>
+            <a:prstDash val="lgDash"/>
+            <a:tailEnd type="arrow"/>
+          </a:ln>
+        </p:spPr>
+        <p:style>
+          <a:lnRef idx="1">
+            <a:schemeClr val="accent1"/>
+          </a:lnRef>
+          <a:fillRef idx="0">
+            <a:schemeClr val="accent1"/>
+          </a:fillRef>
+          <a:effectRef idx="0">
+            <a:schemeClr val="accent1"/>
+          </a:effectRef>
+          <a:fontRef idx="minor">
+            <a:schemeClr val="tx1"/>
+          </a:fontRef>
+        </p:style>
+      </p:cxnSp>
+      <p:sp>
+        <p:nvSpPr>
+          <p:cNvPr id="1043" name="TextBox 1042"/>
+          <p:cNvSpPr txBox="1"/>
+          <p:nvPr/>
+        </p:nvSpPr>
+        <p:spPr>
+          <a:xfrm>
+            <a:off x="3350129" y="3627311"/>
+            <a:ext cx="351968" cy="1384995"/>
+          </a:xfrm>
+          <a:prstGeom prst="rect">
+            <a:avLst/>
+          </a:prstGeom>
+          <a:noFill/>
+          <a:ln>
+            <a:solidFill>
+              <a:schemeClr val="tx1"/>
+            </a:solidFill>
+          </a:ln>
+        </p:spPr>
+        <p:txBody>
+          <a:bodyPr wrap="square" rtlCol="0">
+            <a:spAutoFit/>
+          </a:bodyPr>
+          <a:lstStyle/>
+          <a:p>
+            <a:r>
+              <a:rPr lang="zh-CN" altLang="en-US" sz="1200" dirty="0" smtClean="0"/>
+              <a:t>机械臂控制模块</a:t>
+            </a:r>
+            <a:endParaRPr lang="zh-CN" altLang="en-US" sz="1200" dirty="0"/>
+          </a:p>
+        </p:txBody>
+      </p:sp>
+      <p:sp>
+        <p:nvSpPr>
+          <p:cNvPr id="60" name="TextBox 59"/>
+          <p:cNvSpPr txBox="1"/>
+          <p:nvPr/>
+        </p:nvSpPr>
+        <p:spPr>
+          <a:xfrm>
+            <a:off x="4279248" y="3628181"/>
+            <a:ext cx="351968" cy="1200329"/>
+          </a:xfrm>
+          <a:prstGeom prst="rect">
+            <a:avLst/>
+          </a:prstGeom>
+          <a:noFill/>
+          <a:ln>
+            <a:solidFill>
+              <a:schemeClr val="tx1"/>
+            </a:solidFill>
+          </a:ln>
+        </p:spPr>
+        <p:txBody>
+          <a:bodyPr wrap="square" rtlCol="0">
+            <a:spAutoFit/>
+          </a:bodyPr>
+          <a:lstStyle/>
+          <a:p>
+            <a:r>
+              <a:rPr lang="zh-CN" altLang="en-US" sz="1200" dirty="0" smtClean="0"/>
+              <a:t>目标检测模块</a:t>
+            </a:r>
+            <a:endParaRPr lang="zh-CN" altLang="en-US" sz="1200" dirty="0"/>
+          </a:p>
+        </p:txBody>
+      </p:sp>
+      <p:sp>
+        <p:nvSpPr>
+          <p:cNvPr id="61" name="TextBox 60"/>
+          <p:cNvSpPr txBox="1"/>
+          <p:nvPr/>
+        </p:nvSpPr>
+        <p:spPr>
+          <a:xfrm>
+            <a:off x="5084128" y="3628181"/>
+            <a:ext cx="351968" cy="1384995"/>
+          </a:xfrm>
+          <a:prstGeom prst="rect">
+            <a:avLst/>
+          </a:prstGeom>
+          <a:noFill/>
+          <a:ln>
+            <a:solidFill>
+              <a:schemeClr val="tx1"/>
+            </a:solidFill>
+          </a:ln>
+        </p:spPr>
+        <p:txBody>
+          <a:bodyPr wrap="square" rtlCol="0">
+            <a:spAutoFit/>
+          </a:bodyPr>
+          <a:lstStyle/>
+          <a:p>
+            <a:r>
+              <a:rPr lang="zh-CN" altLang="en-US" sz="1200" dirty="0" smtClean="0"/>
+              <a:t>图像预处理模块</a:t>
+            </a:r>
+            <a:endParaRPr lang="zh-CN" altLang="en-US" sz="1200" dirty="0"/>
+          </a:p>
+        </p:txBody>
+      </p:sp>
+      <p:cxnSp>
+        <p:nvCxnSpPr>
+          <p:cNvPr id="1046" name="直接连接符 1045"/>
+          <p:cNvCxnSpPr>
+            <a:stCxn id="1043" idx="0"/>
+          </p:cNvCxnSpPr>
+          <p:nvPr/>
+        </p:nvCxnSpPr>
+        <p:spPr>
+          <a:xfrm flipV="1">
+            <a:off x="3526113" y="3434573"/>
+            <a:ext cx="0" cy="192738"/>
+          </a:xfrm>
+          <a:prstGeom prst="line">
+            <a:avLst/>
+          </a:prstGeom>
+          <a:ln w="12700">
+            <a:solidFill>
+              <a:schemeClr val="tx1"/>
+            </a:solidFill>
+            <a:prstDash val="lgDash"/>
+          </a:ln>
+        </p:spPr>
+        <p:style>
+          <a:lnRef idx="1">
+            <a:schemeClr val="accent1"/>
+          </a:lnRef>
+          <a:fillRef idx="0">
+            <a:schemeClr val="accent1"/>
+          </a:fillRef>
+          <a:effectRef idx="0">
+            <a:schemeClr val="accent1"/>
+          </a:effectRef>
+          <a:fontRef idx="minor">
+            <a:schemeClr val="tx1"/>
+          </a:fontRef>
+        </p:style>
+      </p:cxnSp>
+      <p:cxnSp>
+        <p:nvCxnSpPr>
+          <p:cNvPr id="1049" name="直接连接符 1048"/>
+          <p:cNvCxnSpPr/>
+          <p:nvPr/>
+        </p:nvCxnSpPr>
+        <p:spPr>
+          <a:xfrm>
+            <a:off x="3526113" y="3425632"/>
+            <a:ext cx="1729963" cy="0"/>
+          </a:xfrm>
+          <a:prstGeom prst="line">
+            <a:avLst/>
+          </a:prstGeom>
+          <a:ln w="12700">
+            <a:solidFill>
+              <a:schemeClr val="tx1"/>
+            </a:solidFill>
+            <a:prstDash val="lgDash"/>
+          </a:ln>
+        </p:spPr>
+        <p:style>
+          <a:lnRef idx="1">
+            <a:schemeClr val="accent1"/>
+          </a:lnRef>
+          <a:fillRef idx="0">
+            <a:schemeClr val="accent1"/>
+          </a:fillRef>
+          <a:effectRef idx="0">
+            <a:schemeClr val="accent1"/>
+          </a:effectRef>
+          <a:fontRef idx="minor">
+            <a:schemeClr val="tx1"/>
+          </a:fontRef>
+        </p:style>
+      </p:cxnSp>
+      <p:cxnSp>
+        <p:nvCxnSpPr>
+          <p:cNvPr id="68" name="直接连接符 67"/>
+          <p:cNvCxnSpPr/>
+          <p:nvPr/>
+        </p:nvCxnSpPr>
+        <p:spPr>
+          <a:xfrm flipV="1">
+            <a:off x="5260112" y="3425632"/>
+            <a:ext cx="0" cy="192738"/>
+          </a:xfrm>
+          <a:prstGeom prst="line">
+            <a:avLst/>
+          </a:prstGeom>
+          <a:ln w="12700">
+            <a:solidFill>
+              <a:schemeClr val="tx1"/>
+            </a:solidFill>
+            <a:prstDash val="lgDash"/>
+          </a:ln>
+        </p:spPr>
+        <p:style>
+          <a:lnRef idx="1">
+            <a:schemeClr val="accent1"/>
+          </a:lnRef>
+          <a:fillRef idx="0">
+            <a:schemeClr val="accent1"/>
+          </a:fillRef>
+          <a:effectRef idx="0">
+            <a:schemeClr val="accent1"/>
+          </a:effectRef>
+          <a:fontRef idx="minor">
+            <a:schemeClr val="tx1"/>
+          </a:fontRef>
+        </p:style>
+      </p:cxnSp>
+    </p:spTree>
+    <p:extLst>
+      <p:ext uri="{BB962C8B-B14F-4D97-AF65-F5344CB8AC3E}">
+        <p14:creationId xmlns:p14="http://schemas.microsoft.com/office/powerpoint/2010/main" val="3780352615"/>
       </p:ext>
     </p:extLst>
   </p:cSld>

--- a/graph.pptx
+++ b/graph.pptx
@@ -15,6 +15,7 @@
     <p:sldId id="263" r:id="rId9"/>
     <p:sldId id="264" r:id="rId10"/>
     <p:sldId id="265" r:id="rId11"/>
+    <p:sldId id="266" r:id="rId12"/>
   </p:sldIdLst>
   <p:sldSz cx="9144000" cy="6858000" type="screen4x3"/>
   <p:notesSz cx="6858000" cy="9144000"/>
@@ -297,7 +298,7 @@
           <a:p>
             <a:fld id="{530820CF-B880-4189-942D-D702A7CBA730}" type="datetimeFigureOut">
               <a:rPr lang="zh-CN" altLang="en-US" smtClean="0"/>
-              <a:t>2019/1/2</a:t>
+              <a:t>2019/1/3</a:t>
             </a:fld>
             <a:endParaRPr lang="zh-CN" altLang="en-US"/>
           </a:p>
@@ -462,7 +463,7 @@
           <a:p>
             <a:fld id="{530820CF-B880-4189-942D-D702A7CBA730}" type="datetimeFigureOut">
               <a:rPr lang="zh-CN" altLang="en-US" smtClean="0"/>
-              <a:t>2019/1/2</a:t>
+              <a:t>2019/1/3</a:t>
             </a:fld>
             <a:endParaRPr lang="zh-CN" altLang="en-US"/>
           </a:p>
@@ -637,7 +638,7 @@
           <a:p>
             <a:fld id="{530820CF-B880-4189-942D-D702A7CBA730}" type="datetimeFigureOut">
               <a:rPr lang="zh-CN" altLang="en-US" smtClean="0"/>
-              <a:t>2019/1/2</a:t>
+              <a:t>2019/1/3</a:t>
             </a:fld>
             <a:endParaRPr lang="zh-CN" altLang="en-US"/>
           </a:p>
@@ -802,7 +803,7 @@
           <a:p>
             <a:fld id="{530820CF-B880-4189-942D-D702A7CBA730}" type="datetimeFigureOut">
               <a:rPr lang="zh-CN" altLang="en-US" smtClean="0"/>
-              <a:t>2019/1/2</a:t>
+              <a:t>2019/1/3</a:t>
             </a:fld>
             <a:endParaRPr lang="zh-CN" altLang="en-US"/>
           </a:p>
@@ -1043,7 +1044,7 @@
           <a:p>
             <a:fld id="{530820CF-B880-4189-942D-D702A7CBA730}" type="datetimeFigureOut">
               <a:rPr lang="zh-CN" altLang="en-US" smtClean="0"/>
-              <a:t>2019/1/2</a:t>
+              <a:t>2019/1/3</a:t>
             </a:fld>
             <a:endParaRPr lang="zh-CN" altLang="en-US"/>
           </a:p>
@@ -1326,7 +1327,7 @@
           <a:p>
             <a:fld id="{530820CF-B880-4189-942D-D702A7CBA730}" type="datetimeFigureOut">
               <a:rPr lang="zh-CN" altLang="en-US" smtClean="0"/>
-              <a:t>2019/1/2</a:t>
+              <a:t>2019/1/3</a:t>
             </a:fld>
             <a:endParaRPr lang="zh-CN" altLang="en-US"/>
           </a:p>
@@ -1743,7 +1744,7 @@
           <a:p>
             <a:fld id="{530820CF-B880-4189-942D-D702A7CBA730}" type="datetimeFigureOut">
               <a:rPr lang="zh-CN" altLang="en-US" smtClean="0"/>
-              <a:t>2019/1/2</a:t>
+              <a:t>2019/1/3</a:t>
             </a:fld>
             <a:endParaRPr lang="zh-CN" altLang="en-US"/>
           </a:p>
@@ -1856,7 +1857,7 @@
           <a:p>
             <a:fld id="{530820CF-B880-4189-942D-D702A7CBA730}" type="datetimeFigureOut">
               <a:rPr lang="zh-CN" altLang="en-US" smtClean="0"/>
-              <a:t>2019/1/2</a:t>
+              <a:t>2019/1/3</a:t>
             </a:fld>
             <a:endParaRPr lang="zh-CN" altLang="en-US"/>
           </a:p>
@@ -1946,7 +1947,7 @@
           <a:p>
             <a:fld id="{530820CF-B880-4189-942D-D702A7CBA730}" type="datetimeFigureOut">
               <a:rPr lang="zh-CN" altLang="en-US" smtClean="0"/>
-              <a:t>2019/1/2</a:t>
+              <a:t>2019/1/3</a:t>
             </a:fld>
             <a:endParaRPr lang="zh-CN" altLang="en-US"/>
           </a:p>
@@ -2218,7 +2219,7 @@
           <a:p>
             <a:fld id="{530820CF-B880-4189-942D-D702A7CBA730}" type="datetimeFigureOut">
               <a:rPr lang="zh-CN" altLang="en-US" smtClean="0"/>
-              <a:t>2019/1/2</a:t>
+              <a:t>2019/1/3</a:t>
             </a:fld>
             <a:endParaRPr lang="zh-CN" altLang="en-US"/>
           </a:p>
@@ -2466,7 +2467,7 @@
           <a:p>
             <a:fld id="{530820CF-B880-4189-942D-D702A7CBA730}" type="datetimeFigureOut">
               <a:rPr lang="zh-CN" altLang="en-US" smtClean="0"/>
-              <a:t>2019/1/2</a:t>
+              <a:t>2019/1/3</a:t>
             </a:fld>
             <a:endParaRPr lang="zh-CN" altLang="en-US"/>
           </a:p>
@@ -2674,7 +2675,7 @@
           <a:p>
             <a:fld id="{530820CF-B880-4189-942D-D702A7CBA730}" type="datetimeFigureOut">
               <a:rPr lang="zh-CN" altLang="en-US" smtClean="0"/>
-              <a:t>2019/1/2</a:t>
+              <a:t>2019/1/3</a:t>
             </a:fld>
             <a:endParaRPr lang="zh-CN" altLang="en-US"/>
           </a:p>
@@ -4672,6 +4673,891 @@
     <p:extLst>
       <p:ext uri="{BB962C8B-B14F-4D97-AF65-F5344CB8AC3E}">
         <p14:creationId xmlns:p14="http://schemas.microsoft.com/office/powerpoint/2010/main" val="819522927"/>
+      </p:ext>
+    </p:extLst>
+  </p:cSld>
+  <p:clrMapOvr>
+    <a:masterClrMapping/>
+  </p:clrMapOvr>
+</p:sld>
+</file>
+
+<file path=ppt/slides/slide11.xml><?xml version="1.0" encoding="utf-8"?>
+<p:sld xmlns:a="http://schemas.openxmlformats.org/drawingml/2006/main" xmlns:r="http://schemas.openxmlformats.org/officeDocument/2006/relationships" xmlns:p="http://schemas.openxmlformats.org/presentationml/2006/main">
+  <p:cSld>
+    <p:spTree>
+      <p:nvGrpSpPr>
+        <p:cNvPr id="1" name=""/>
+        <p:cNvGrpSpPr/>
+        <p:nvPr/>
+      </p:nvGrpSpPr>
+      <p:grpSpPr>
+        <a:xfrm>
+          <a:off x="0" y="0"/>
+          <a:ext cx="0" cy="0"/>
+          <a:chOff x="0" y="0"/>
+          <a:chExt cx="0" cy="0"/>
+        </a:xfrm>
+      </p:grpSpPr>
+      <p:sp>
+        <p:nvSpPr>
+          <p:cNvPr id="11" name="圆角矩形 10"/>
+          <p:cNvSpPr/>
+          <p:nvPr/>
+        </p:nvSpPr>
+        <p:spPr>
+          <a:xfrm>
+            <a:off x="3794482" y="-27384"/>
+            <a:ext cx="1008112" cy="369332"/>
+          </a:xfrm>
+          <a:prstGeom prst="roundRect">
+            <a:avLst/>
+          </a:prstGeom>
+          <a:noFill/>
+          <a:ln>
+            <a:solidFill>
+              <a:schemeClr val="tx1"/>
+            </a:solidFill>
+          </a:ln>
+        </p:spPr>
+        <p:style>
+          <a:lnRef idx="2">
+            <a:schemeClr val="accent1">
+              <a:shade val="50000"/>
+            </a:schemeClr>
+          </a:lnRef>
+          <a:fillRef idx="1">
+            <a:schemeClr val="accent1"/>
+          </a:fillRef>
+          <a:effectRef idx="0">
+            <a:schemeClr val="accent1"/>
+          </a:effectRef>
+          <a:fontRef idx="minor">
+            <a:schemeClr val="lt1"/>
+          </a:fontRef>
+        </p:style>
+        <p:txBody>
+          <a:bodyPr rtlCol="0" anchor="ctr"/>
+          <a:lstStyle/>
+          <a:p>
+            <a:pPr algn="ctr"/>
+            <a:endParaRPr lang="zh-CN" altLang="en-US"/>
+          </a:p>
+        </p:txBody>
+      </p:sp>
+      <p:sp>
+        <p:nvSpPr>
+          <p:cNvPr id="4" name="TextBox 3"/>
+          <p:cNvSpPr txBox="1"/>
+          <p:nvPr/>
+        </p:nvSpPr>
+        <p:spPr>
+          <a:xfrm>
+            <a:off x="3974502" y="-27384"/>
+            <a:ext cx="648072" cy="369332"/>
+          </a:xfrm>
+          <a:prstGeom prst="rect">
+            <a:avLst/>
+          </a:prstGeom>
+          <a:noFill/>
+          <a:ln>
+            <a:noFill/>
+          </a:ln>
+        </p:spPr>
+        <p:txBody>
+          <a:bodyPr wrap="square" rtlCol="0">
+            <a:spAutoFit/>
+          </a:bodyPr>
+          <a:lstStyle/>
+          <a:p>
+            <a:pPr algn="ctr"/>
+            <a:r>
+              <a:rPr lang="zh-CN" altLang="en-US" dirty="0" smtClean="0"/>
+              <a:t>开始</a:t>
+            </a:r>
+            <a:endParaRPr lang="zh-CN" altLang="en-US" dirty="0"/>
+          </a:p>
+        </p:txBody>
+      </p:sp>
+      <p:sp>
+        <p:nvSpPr>
+          <p:cNvPr id="5" name="TextBox 4"/>
+          <p:cNvSpPr txBox="1"/>
+          <p:nvPr/>
+        </p:nvSpPr>
+        <p:spPr>
+          <a:xfrm>
+            <a:off x="3070970" y="2132856"/>
+            <a:ext cx="2448272" cy="369332"/>
+          </a:xfrm>
+          <a:prstGeom prst="rect">
+            <a:avLst/>
+          </a:prstGeom>
+          <a:noFill/>
+          <a:ln>
+            <a:solidFill>
+              <a:schemeClr val="tx1"/>
+            </a:solidFill>
+          </a:ln>
+        </p:spPr>
+        <p:txBody>
+          <a:bodyPr wrap="square" rtlCol="0">
+            <a:spAutoFit/>
+          </a:bodyPr>
+          <a:lstStyle/>
+          <a:p>
+            <a:pPr algn="ctr"/>
+            <a:r>
+              <a:rPr lang="zh-CN" altLang="en-US" dirty="0" smtClean="0"/>
+              <a:t>接收边框和类别信息</a:t>
+            </a:r>
+            <a:endParaRPr lang="zh-CN" altLang="en-US" dirty="0"/>
+          </a:p>
+        </p:txBody>
+      </p:sp>
+      <p:sp>
+        <p:nvSpPr>
+          <p:cNvPr id="6" name="TextBox 5"/>
+          <p:cNvSpPr txBox="1"/>
+          <p:nvPr/>
+        </p:nvSpPr>
+        <p:spPr>
+          <a:xfrm>
+            <a:off x="3364714" y="2924944"/>
+            <a:ext cx="1800200" cy="369332"/>
+          </a:xfrm>
+          <a:prstGeom prst="rect">
+            <a:avLst/>
+          </a:prstGeom>
+          <a:noFill/>
+          <a:ln>
+            <a:solidFill>
+              <a:schemeClr val="tx1"/>
+            </a:solidFill>
+          </a:ln>
+        </p:spPr>
+        <p:txBody>
+          <a:bodyPr wrap="square" rtlCol="0">
+            <a:spAutoFit/>
+          </a:bodyPr>
+          <a:lstStyle/>
+          <a:p>
+            <a:pPr algn="ctr"/>
+            <a:r>
+              <a:rPr lang="zh-CN" altLang="en-US" dirty="0" smtClean="0"/>
+              <a:t>计算工件中心点</a:t>
+            </a:r>
+            <a:endParaRPr lang="zh-CN" altLang="en-US" dirty="0"/>
+          </a:p>
+        </p:txBody>
+      </p:sp>
+      <p:sp>
+        <p:nvSpPr>
+          <p:cNvPr id="7" name="TextBox 6"/>
+          <p:cNvSpPr txBox="1"/>
+          <p:nvPr/>
+        </p:nvSpPr>
+        <p:spPr>
+          <a:xfrm>
+            <a:off x="3232988" y="3643283"/>
+            <a:ext cx="2124236" cy="646331"/>
+          </a:xfrm>
+          <a:prstGeom prst="rect">
+            <a:avLst/>
+          </a:prstGeom>
+          <a:noFill/>
+          <a:ln>
+            <a:solidFill>
+              <a:schemeClr val="tx1"/>
+            </a:solidFill>
+          </a:ln>
+        </p:spPr>
+        <p:txBody>
+          <a:bodyPr wrap="square" rtlCol="0">
+            <a:spAutoFit/>
+          </a:bodyPr>
+          <a:lstStyle/>
+          <a:p>
+            <a:pPr algn="ctr"/>
+            <a:r>
+              <a:rPr lang="zh-CN" altLang="en-US" dirty="0" smtClean="0"/>
+              <a:t>计算中心点在机械臂坐标系中的坐标</a:t>
+            </a:r>
+            <a:endParaRPr lang="zh-CN" altLang="en-US" dirty="0"/>
+          </a:p>
+        </p:txBody>
+      </p:sp>
+      <p:sp>
+        <p:nvSpPr>
+          <p:cNvPr id="8" name="TextBox 7"/>
+          <p:cNvSpPr txBox="1"/>
+          <p:nvPr/>
+        </p:nvSpPr>
+        <p:spPr>
+          <a:xfrm>
+            <a:off x="3395006" y="4608711"/>
+            <a:ext cx="1800200" cy="369332"/>
+          </a:xfrm>
+          <a:prstGeom prst="rect">
+            <a:avLst/>
+          </a:prstGeom>
+          <a:noFill/>
+          <a:ln>
+            <a:solidFill>
+              <a:schemeClr val="tx1"/>
+            </a:solidFill>
+          </a:ln>
+        </p:spPr>
+        <p:txBody>
+          <a:bodyPr wrap="square" rtlCol="0">
+            <a:spAutoFit/>
+          </a:bodyPr>
+          <a:lstStyle/>
+          <a:p>
+            <a:r>
+              <a:rPr lang="zh-CN" altLang="en-US" dirty="0" smtClean="0"/>
+              <a:t>生成</a:t>
+            </a:r>
+            <a:r>
+              <a:rPr lang="en-US" altLang="zh-CN" dirty="0" smtClean="0"/>
+              <a:t>G-Code</a:t>
+            </a:r>
+            <a:r>
+              <a:rPr lang="zh-CN" altLang="en-US" dirty="0" smtClean="0"/>
+              <a:t>指令</a:t>
+            </a:r>
+            <a:endParaRPr lang="zh-CN" altLang="en-US" dirty="0"/>
+          </a:p>
+        </p:txBody>
+      </p:sp>
+      <p:sp>
+        <p:nvSpPr>
+          <p:cNvPr id="9" name="TextBox 8"/>
+          <p:cNvSpPr txBox="1"/>
+          <p:nvPr/>
+        </p:nvSpPr>
+        <p:spPr>
+          <a:xfrm>
+            <a:off x="3449012" y="5301208"/>
+            <a:ext cx="1692188" cy="646331"/>
+          </a:xfrm>
+          <a:prstGeom prst="rect">
+            <a:avLst/>
+          </a:prstGeom>
+          <a:noFill/>
+          <a:ln>
+            <a:solidFill>
+              <a:schemeClr val="tx1"/>
+            </a:solidFill>
+          </a:ln>
+        </p:spPr>
+        <p:txBody>
+          <a:bodyPr wrap="square" rtlCol="0">
+            <a:spAutoFit/>
+          </a:bodyPr>
+          <a:lstStyle/>
+          <a:p>
+            <a:r>
+              <a:rPr lang="zh-CN" altLang="en-US" dirty="0" smtClean="0"/>
+              <a:t>封装指令并发送至串口</a:t>
+            </a:r>
+            <a:endParaRPr lang="zh-CN" altLang="en-US" dirty="0"/>
+          </a:p>
+        </p:txBody>
+      </p:sp>
+      <p:sp>
+        <p:nvSpPr>
+          <p:cNvPr id="12" name="圆角矩形 11"/>
+          <p:cNvSpPr/>
+          <p:nvPr/>
+        </p:nvSpPr>
+        <p:spPr>
+          <a:xfrm>
+            <a:off x="3862184" y="6307579"/>
+            <a:ext cx="1008112" cy="369332"/>
+          </a:xfrm>
+          <a:prstGeom prst="roundRect">
+            <a:avLst/>
+          </a:prstGeom>
+          <a:noFill/>
+          <a:ln>
+            <a:solidFill>
+              <a:schemeClr val="tx1"/>
+            </a:solidFill>
+          </a:ln>
+        </p:spPr>
+        <p:style>
+          <a:lnRef idx="2">
+            <a:schemeClr val="accent1">
+              <a:shade val="50000"/>
+            </a:schemeClr>
+          </a:lnRef>
+          <a:fillRef idx="1">
+            <a:schemeClr val="accent1"/>
+          </a:fillRef>
+          <a:effectRef idx="0">
+            <a:schemeClr val="accent1"/>
+          </a:effectRef>
+          <a:fontRef idx="minor">
+            <a:schemeClr val="lt1"/>
+          </a:fontRef>
+        </p:style>
+        <p:txBody>
+          <a:bodyPr rtlCol="0" anchor="ctr"/>
+          <a:lstStyle/>
+          <a:p>
+            <a:pPr algn="ctr"/>
+            <a:endParaRPr lang="zh-CN" altLang="en-US"/>
+          </a:p>
+        </p:txBody>
+      </p:sp>
+      <p:sp>
+        <p:nvSpPr>
+          <p:cNvPr id="13" name="TextBox 12"/>
+          <p:cNvSpPr txBox="1"/>
+          <p:nvPr/>
+        </p:nvSpPr>
+        <p:spPr>
+          <a:xfrm>
+            <a:off x="4042204" y="6307579"/>
+            <a:ext cx="648072" cy="369332"/>
+          </a:xfrm>
+          <a:prstGeom prst="rect">
+            <a:avLst/>
+          </a:prstGeom>
+          <a:noFill/>
+          <a:ln>
+            <a:noFill/>
+          </a:ln>
+        </p:spPr>
+        <p:txBody>
+          <a:bodyPr wrap="square" rtlCol="0">
+            <a:spAutoFit/>
+          </a:bodyPr>
+          <a:lstStyle/>
+          <a:p>
+            <a:pPr algn="ctr"/>
+            <a:r>
+              <a:rPr lang="zh-CN" altLang="en-US" dirty="0"/>
+              <a:t>结束</a:t>
+            </a:r>
+          </a:p>
+        </p:txBody>
+      </p:sp>
+      <p:cxnSp>
+        <p:nvCxnSpPr>
+          <p:cNvPr id="15" name="直接箭头连接符 14"/>
+          <p:cNvCxnSpPr>
+            <a:stCxn id="11" idx="2"/>
+          </p:cNvCxnSpPr>
+          <p:nvPr/>
+        </p:nvCxnSpPr>
+        <p:spPr>
+          <a:xfrm flipH="1">
+            <a:off x="4295106" y="341948"/>
+            <a:ext cx="3432" cy="302835"/>
+          </a:xfrm>
+          <a:prstGeom prst="straightConnector1">
+            <a:avLst/>
+          </a:prstGeom>
+          <a:ln w="19050">
+            <a:solidFill>
+              <a:schemeClr val="tx1"/>
+            </a:solidFill>
+            <a:tailEnd type="arrow"/>
+          </a:ln>
+        </p:spPr>
+        <p:style>
+          <a:lnRef idx="1">
+            <a:schemeClr val="accent1"/>
+          </a:lnRef>
+          <a:fillRef idx="0">
+            <a:schemeClr val="accent1"/>
+          </a:fillRef>
+          <a:effectRef idx="0">
+            <a:schemeClr val="accent1"/>
+          </a:effectRef>
+          <a:fontRef idx="minor">
+            <a:schemeClr val="tx1"/>
+          </a:fontRef>
+        </p:style>
+      </p:cxnSp>
+      <p:cxnSp>
+        <p:nvCxnSpPr>
+          <p:cNvPr id="16" name="直接箭头连接符 15"/>
+          <p:cNvCxnSpPr/>
+          <p:nvPr/>
+        </p:nvCxnSpPr>
+        <p:spPr>
+          <a:xfrm>
+            <a:off x="4278060" y="2502188"/>
+            <a:ext cx="0" cy="422756"/>
+          </a:xfrm>
+          <a:prstGeom prst="straightConnector1">
+            <a:avLst/>
+          </a:prstGeom>
+          <a:ln w="19050">
+            <a:solidFill>
+              <a:schemeClr val="tx1"/>
+            </a:solidFill>
+            <a:tailEnd type="arrow"/>
+          </a:ln>
+        </p:spPr>
+        <p:style>
+          <a:lnRef idx="1">
+            <a:schemeClr val="accent1"/>
+          </a:lnRef>
+          <a:fillRef idx="0">
+            <a:schemeClr val="accent1"/>
+          </a:fillRef>
+          <a:effectRef idx="0">
+            <a:schemeClr val="accent1"/>
+          </a:effectRef>
+          <a:fontRef idx="minor">
+            <a:schemeClr val="tx1"/>
+          </a:fontRef>
+        </p:style>
+      </p:cxnSp>
+      <p:cxnSp>
+        <p:nvCxnSpPr>
+          <p:cNvPr id="19" name="直接箭头连接符 18"/>
+          <p:cNvCxnSpPr>
+            <a:endCxn id="7" idx="0"/>
+          </p:cNvCxnSpPr>
+          <p:nvPr/>
+        </p:nvCxnSpPr>
+        <p:spPr>
+          <a:xfrm>
+            <a:off x="4295106" y="3294276"/>
+            <a:ext cx="0" cy="349007"/>
+          </a:xfrm>
+          <a:prstGeom prst="straightConnector1">
+            <a:avLst/>
+          </a:prstGeom>
+          <a:ln w="19050">
+            <a:solidFill>
+              <a:schemeClr val="tx1"/>
+            </a:solidFill>
+            <a:tailEnd type="arrow"/>
+          </a:ln>
+        </p:spPr>
+        <p:style>
+          <a:lnRef idx="1">
+            <a:schemeClr val="accent1"/>
+          </a:lnRef>
+          <a:fillRef idx="0">
+            <a:schemeClr val="accent1"/>
+          </a:fillRef>
+          <a:effectRef idx="0">
+            <a:schemeClr val="accent1"/>
+          </a:effectRef>
+          <a:fontRef idx="minor">
+            <a:schemeClr val="tx1"/>
+          </a:fontRef>
+        </p:style>
+      </p:cxnSp>
+      <p:cxnSp>
+        <p:nvCxnSpPr>
+          <p:cNvPr id="21" name="直接箭头连接符 20"/>
+          <p:cNvCxnSpPr>
+            <a:endCxn id="8" idx="0"/>
+          </p:cNvCxnSpPr>
+          <p:nvPr/>
+        </p:nvCxnSpPr>
+        <p:spPr>
+          <a:xfrm flipH="1">
+            <a:off x="4295106" y="4289614"/>
+            <a:ext cx="1242" cy="319097"/>
+          </a:xfrm>
+          <a:prstGeom prst="straightConnector1">
+            <a:avLst/>
+          </a:prstGeom>
+          <a:ln w="19050">
+            <a:solidFill>
+              <a:schemeClr val="tx1"/>
+            </a:solidFill>
+            <a:tailEnd type="arrow"/>
+          </a:ln>
+        </p:spPr>
+        <p:style>
+          <a:lnRef idx="1">
+            <a:schemeClr val="accent1"/>
+          </a:lnRef>
+          <a:fillRef idx="0">
+            <a:schemeClr val="accent1"/>
+          </a:fillRef>
+          <a:effectRef idx="0">
+            <a:schemeClr val="accent1"/>
+          </a:effectRef>
+          <a:fontRef idx="minor">
+            <a:schemeClr val="tx1"/>
+          </a:fontRef>
+        </p:style>
+      </p:cxnSp>
+      <p:cxnSp>
+        <p:nvCxnSpPr>
+          <p:cNvPr id="23" name="直接箭头连接符 22"/>
+          <p:cNvCxnSpPr>
+            <a:endCxn id="9" idx="0"/>
+          </p:cNvCxnSpPr>
+          <p:nvPr/>
+        </p:nvCxnSpPr>
+        <p:spPr>
+          <a:xfrm>
+            <a:off x="4287204" y="4978043"/>
+            <a:ext cx="7902" cy="323165"/>
+          </a:xfrm>
+          <a:prstGeom prst="straightConnector1">
+            <a:avLst/>
+          </a:prstGeom>
+          <a:ln w="19050">
+            <a:solidFill>
+              <a:schemeClr val="tx1"/>
+            </a:solidFill>
+            <a:tailEnd type="arrow"/>
+          </a:ln>
+        </p:spPr>
+        <p:style>
+          <a:lnRef idx="1">
+            <a:schemeClr val="accent1"/>
+          </a:lnRef>
+          <a:fillRef idx="0">
+            <a:schemeClr val="accent1"/>
+          </a:fillRef>
+          <a:effectRef idx="0">
+            <a:schemeClr val="accent1"/>
+          </a:effectRef>
+          <a:fontRef idx="minor">
+            <a:schemeClr val="tx1"/>
+          </a:fontRef>
+        </p:style>
+      </p:cxnSp>
+      <p:cxnSp>
+        <p:nvCxnSpPr>
+          <p:cNvPr id="25" name="直接箭头连接符 24"/>
+          <p:cNvCxnSpPr>
+            <a:endCxn id="12" idx="0"/>
+          </p:cNvCxnSpPr>
+          <p:nvPr/>
+        </p:nvCxnSpPr>
+        <p:spPr>
+          <a:xfrm>
+            <a:off x="4358338" y="5947539"/>
+            <a:ext cx="7902" cy="360040"/>
+          </a:xfrm>
+          <a:prstGeom prst="straightConnector1">
+            <a:avLst/>
+          </a:prstGeom>
+          <a:ln w="19050">
+            <a:solidFill>
+              <a:schemeClr val="tx1"/>
+            </a:solidFill>
+            <a:tailEnd type="arrow"/>
+          </a:ln>
+        </p:spPr>
+        <p:style>
+          <a:lnRef idx="1">
+            <a:schemeClr val="accent1"/>
+          </a:lnRef>
+          <a:fillRef idx="0">
+            <a:schemeClr val="accent1"/>
+          </a:fillRef>
+          <a:effectRef idx="0">
+            <a:schemeClr val="accent1"/>
+          </a:effectRef>
+          <a:fontRef idx="minor">
+            <a:schemeClr val="tx1"/>
+          </a:fontRef>
+        </p:style>
+      </p:cxnSp>
+      <p:sp>
+        <p:nvSpPr>
+          <p:cNvPr id="27" name="菱形 26"/>
+          <p:cNvSpPr/>
+          <p:nvPr/>
+        </p:nvSpPr>
+        <p:spPr>
+          <a:xfrm>
+            <a:off x="3374724" y="640714"/>
+            <a:ext cx="1800200" cy="1111407"/>
+          </a:xfrm>
+          <a:prstGeom prst="diamond">
+            <a:avLst/>
+          </a:prstGeom>
+          <a:noFill/>
+          <a:ln>
+            <a:solidFill>
+              <a:schemeClr val="tx1"/>
+            </a:solidFill>
+          </a:ln>
+        </p:spPr>
+        <p:style>
+          <a:lnRef idx="2">
+            <a:schemeClr val="accent1">
+              <a:shade val="50000"/>
+            </a:schemeClr>
+          </a:lnRef>
+          <a:fillRef idx="1">
+            <a:schemeClr val="accent1"/>
+          </a:fillRef>
+          <a:effectRef idx="0">
+            <a:schemeClr val="accent1"/>
+          </a:effectRef>
+          <a:fontRef idx="minor">
+            <a:schemeClr val="lt1"/>
+          </a:fontRef>
+        </p:style>
+        <p:txBody>
+          <a:bodyPr rtlCol="0" anchor="ctr"/>
+          <a:lstStyle/>
+          <a:p>
+            <a:pPr algn="ctr"/>
+            <a:endParaRPr lang="zh-CN" altLang="en-US"/>
+          </a:p>
+        </p:txBody>
+      </p:sp>
+      <p:sp>
+        <p:nvSpPr>
+          <p:cNvPr id="28" name="TextBox 27"/>
+          <p:cNvSpPr txBox="1"/>
+          <p:nvPr/>
+        </p:nvSpPr>
+        <p:spPr>
+          <a:xfrm>
+            <a:off x="3770768" y="856521"/>
+            <a:ext cx="1152128" cy="738664"/>
+          </a:xfrm>
+          <a:prstGeom prst="rect">
+            <a:avLst/>
+          </a:prstGeom>
+          <a:noFill/>
+        </p:spPr>
+        <p:txBody>
+          <a:bodyPr wrap="square" rtlCol="0">
+            <a:spAutoFit/>
+          </a:bodyPr>
+          <a:lstStyle/>
+          <a:p>
+            <a:r>
+              <a:rPr lang="zh-CN" altLang="en-US" sz="1400" dirty="0"/>
+              <a:t>机械</a:t>
+            </a:r>
+            <a:r>
+              <a:rPr lang="zh-CN" altLang="en-US" sz="1400" dirty="0" smtClean="0"/>
+              <a:t>臂是否在执行抓取动作？</a:t>
+            </a:r>
+            <a:endParaRPr lang="zh-CN" altLang="en-US" sz="1400" dirty="0"/>
+          </a:p>
+        </p:txBody>
+      </p:sp>
+      <p:cxnSp>
+        <p:nvCxnSpPr>
+          <p:cNvPr id="31" name="直接箭头连接符 30"/>
+          <p:cNvCxnSpPr/>
+          <p:nvPr/>
+        </p:nvCxnSpPr>
+        <p:spPr>
+          <a:xfrm>
+            <a:off x="4292916" y="1752121"/>
+            <a:ext cx="5622" cy="380735"/>
+          </a:xfrm>
+          <a:prstGeom prst="straightConnector1">
+            <a:avLst/>
+          </a:prstGeom>
+          <a:ln w="19050">
+            <a:solidFill>
+              <a:schemeClr val="tx1"/>
+            </a:solidFill>
+            <a:tailEnd type="arrow"/>
+          </a:ln>
+        </p:spPr>
+        <p:style>
+          <a:lnRef idx="1">
+            <a:schemeClr val="accent1"/>
+          </a:lnRef>
+          <a:fillRef idx="0">
+            <a:schemeClr val="accent1"/>
+          </a:fillRef>
+          <a:effectRef idx="0">
+            <a:schemeClr val="accent1"/>
+          </a:effectRef>
+          <a:fontRef idx="minor">
+            <a:schemeClr val="tx1"/>
+          </a:fontRef>
+        </p:style>
+      </p:cxnSp>
+      <p:sp>
+        <p:nvSpPr>
+          <p:cNvPr id="35" name="TextBox 34"/>
+          <p:cNvSpPr txBox="1"/>
+          <p:nvPr/>
+        </p:nvSpPr>
+        <p:spPr>
+          <a:xfrm>
+            <a:off x="4283968" y="1772816"/>
+            <a:ext cx="262292" cy="338554"/>
+          </a:xfrm>
+          <a:prstGeom prst="rect">
+            <a:avLst/>
+          </a:prstGeom>
+          <a:noFill/>
+        </p:spPr>
+        <p:txBody>
+          <a:bodyPr wrap="square" rtlCol="0">
+            <a:spAutoFit/>
+          </a:bodyPr>
+          <a:lstStyle/>
+          <a:p>
+            <a:r>
+              <a:rPr lang="en-US" altLang="zh-CN" sz="1600" dirty="0"/>
+              <a:t>N</a:t>
+            </a:r>
+            <a:endParaRPr lang="zh-CN" altLang="en-US" sz="1600" dirty="0"/>
+          </a:p>
+        </p:txBody>
+      </p:sp>
+      <p:cxnSp>
+        <p:nvCxnSpPr>
+          <p:cNvPr id="37" name="直接连接符 36"/>
+          <p:cNvCxnSpPr>
+            <a:stCxn id="27" idx="3"/>
+          </p:cNvCxnSpPr>
+          <p:nvPr/>
+        </p:nvCxnSpPr>
+        <p:spPr>
+          <a:xfrm>
+            <a:off x="5174924" y="1196418"/>
+            <a:ext cx="1269284" cy="0"/>
+          </a:xfrm>
+          <a:prstGeom prst="line">
+            <a:avLst/>
+          </a:prstGeom>
+          <a:ln w="19050">
+            <a:solidFill>
+              <a:schemeClr val="tx1"/>
+            </a:solidFill>
+          </a:ln>
+        </p:spPr>
+        <p:style>
+          <a:lnRef idx="1">
+            <a:schemeClr val="accent1"/>
+          </a:lnRef>
+          <a:fillRef idx="0">
+            <a:schemeClr val="accent1"/>
+          </a:fillRef>
+          <a:effectRef idx="0">
+            <a:schemeClr val="accent1"/>
+          </a:effectRef>
+          <a:fontRef idx="minor">
+            <a:schemeClr val="tx1"/>
+          </a:fontRef>
+        </p:style>
+      </p:cxnSp>
+      <p:cxnSp>
+        <p:nvCxnSpPr>
+          <p:cNvPr id="39" name="直接连接符 38"/>
+          <p:cNvCxnSpPr/>
+          <p:nvPr/>
+        </p:nvCxnSpPr>
+        <p:spPr>
+          <a:xfrm>
+            <a:off x="6444208" y="1196418"/>
+            <a:ext cx="1184" cy="5310544"/>
+          </a:xfrm>
+          <a:prstGeom prst="line">
+            <a:avLst/>
+          </a:prstGeom>
+          <a:ln w="19050">
+            <a:solidFill>
+              <a:schemeClr val="tx1"/>
+            </a:solidFill>
+          </a:ln>
+        </p:spPr>
+        <p:style>
+          <a:lnRef idx="1">
+            <a:schemeClr val="accent1"/>
+          </a:lnRef>
+          <a:fillRef idx="0">
+            <a:schemeClr val="accent1"/>
+          </a:fillRef>
+          <a:effectRef idx="0">
+            <a:schemeClr val="accent1"/>
+          </a:effectRef>
+          <a:fontRef idx="minor">
+            <a:schemeClr val="tx1"/>
+          </a:fontRef>
+        </p:style>
+      </p:cxnSp>
+      <p:cxnSp>
+        <p:nvCxnSpPr>
+          <p:cNvPr id="41" name="直接箭头连接符 40"/>
+          <p:cNvCxnSpPr/>
+          <p:nvPr/>
+        </p:nvCxnSpPr>
+        <p:spPr>
+          <a:xfrm flipH="1">
+            <a:off x="4837128" y="6506962"/>
+            <a:ext cx="1608264" cy="0"/>
+          </a:xfrm>
+          <a:prstGeom prst="straightConnector1">
+            <a:avLst/>
+          </a:prstGeom>
+          <a:ln w="19050">
+            <a:solidFill>
+              <a:schemeClr val="tx1"/>
+            </a:solidFill>
+            <a:tailEnd type="arrow"/>
+          </a:ln>
+        </p:spPr>
+        <p:style>
+          <a:lnRef idx="1">
+            <a:schemeClr val="accent1"/>
+          </a:lnRef>
+          <a:fillRef idx="0">
+            <a:schemeClr val="accent1"/>
+          </a:fillRef>
+          <a:effectRef idx="0">
+            <a:schemeClr val="accent1"/>
+          </a:effectRef>
+          <a:fontRef idx="minor">
+            <a:schemeClr val="tx1"/>
+          </a:fontRef>
+        </p:style>
+      </p:cxnSp>
+      <p:sp>
+        <p:nvSpPr>
+          <p:cNvPr id="46" name="TextBox 45"/>
+          <p:cNvSpPr txBox="1"/>
+          <p:nvPr/>
+        </p:nvSpPr>
+        <p:spPr>
+          <a:xfrm>
+            <a:off x="5519242" y="764704"/>
+            <a:ext cx="262292" cy="338554"/>
+          </a:xfrm>
+          <a:prstGeom prst="rect">
+            <a:avLst/>
+          </a:prstGeom>
+          <a:noFill/>
+        </p:spPr>
+        <p:txBody>
+          <a:bodyPr wrap="square" rtlCol="0">
+            <a:spAutoFit/>
+          </a:bodyPr>
+          <a:lstStyle/>
+          <a:p>
+            <a:r>
+              <a:rPr lang="en-US" altLang="zh-CN" sz="1600" dirty="0" smtClean="0"/>
+              <a:t>Y</a:t>
+            </a:r>
+            <a:endParaRPr lang="zh-CN" altLang="en-US" sz="1600" dirty="0"/>
+          </a:p>
+        </p:txBody>
+      </p:sp>
+    </p:spTree>
+    <p:extLst>
+      <p:ext uri="{BB962C8B-B14F-4D97-AF65-F5344CB8AC3E}">
+        <p14:creationId xmlns:p14="http://schemas.microsoft.com/office/powerpoint/2010/main" val="2954692284"/>
       </p:ext>
     </p:extLst>
   </p:cSld>
